--- a/images/Imagenes.pptx
+++ b/images/Imagenes.pptx
@@ -5,7 +5,14 @@
     <p:sldMasterId id="2147483648" r:id="rId1"/>
   </p:sldMasterIdLst>
   <p:sldIdLst>
-    <p:sldId id="256" r:id="rId2"/>
+    <p:sldId id="262" r:id="rId2"/>
+    <p:sldId id="256" r:id="rId3"/>
+    <p:sldId id="260" r:id="rId4"/>
+    <p:sldId id="263" r:id="rId5"/>
+    <p:sldId id="257" r:id="rId6"/>
+    <p:sldId id="258" r:id="rId7"/>
+    <p:sldId id="259" r:id="rId8"/>
+    <p:sldId id="261" r:id="rId9"/>
   </p:sldIdLst>
   <p:sldSz cx="12192000" cy="6858000"/>
   <p:notesSz cx="6858000" cy="9144000"/>
@@ -104,7 +111,715 @@
       </a:defRPr>
     </a:lvl9pPr>
   </p:defaultTextStyle>
+  <p:extLst>
+    <p:ext uri="{EFAFB233-063F-42B5-8137-9DF3F51BA10A}">
+      <p15:sldGuideLst xmlns:p15="http://schemas.microsoft.com/office/powerpoint/2012/main"/>
+    </p:ext>
+  </p:extLst>
 </p:presentation>
+</file>
+
+<file path=ppt/revisionInfo.xml><?xml version="1.0" encoding="utf-8"?>
+<p1510:revInfo xmlns:a="http://schemas.openxmlformats.org/drawingml/2006/main" xmlns:r="http://schemas.openxmlformats.org/officeDocument/2006/relationships" xmlns:p1510="http://schemas.microsoft.com/office/powerpoint/2015/10/main">
+  <p1510:revLst>
+    <p1510:client id="{58F8D4C3-BB60-4398-B156-8B23F19159D9}" v="95" dt="2025-07-02T18:02:20.854"/>
+  </p1510:revLst>
+</p1510:revInfo>
+</file>
+
+<file path=ppt/changesInfos/changesInfo1.xml><?xml version="1.0" encoding="utf-8"?>
+<pc:chgInfo xmlns:a="http://schemas.openxmlformats.org/drawingml/2006/main" xmlns:r="http://schemas.openxmlformats.org/officeDocument/2006/relationships" xmlns:ac="http://schemas.microsoft.com/office/drawing/2013/main/command" xmlns:pc="http://schemas.microsoft.com/office/powerpoint/2013/main/command">
+  <pc:docChgLst>
+    <pc:chgData name="Luis Miguel Gómez Del Cueto" userId="96bdf517-732e-4d81-a9c7-41d87206fa47" providerId="ADAL" clId="{58F8D4C3-BB60-4398-B156-8B23F19159D9}"/>
+    <pc:docChg chg="undo redo custSel addSld modSld sldOrd">
+      <pc:chgData name="Luis Miguel Gómez Del Cueto" userId="96bdf517-732e-4d81-a9c7-41d87206fa47" providerId="ADAL" clId="{58F8D4C3-BB60-4398-B156-8B23F19159D9}" dt="2025-07-02T18:02:22.976" v="1242" actId="1076"/>
+      <pc:docMkLst>
+        <pc:docMk/>
+      </pc:docMkLst>
+      <pc:sldChg chg="addSp delSp modSp new mod">
+        <pc:chgData name="Luis Miguel Gómez Del Cueto" userId="96bdf517-732e-4d81-a9c7-41d87206fa47" providerId="ADAL" clId="{58F8D4C3-BB60-4398-B156-8B23F19159D9}" dt="2025-06-10T12:45:42.417" v="834" actId="1076"/>
+        <pc:sldMkLst>
+          <pc:docMk/>
+          <pc:sldMk cId="4132215596" sldId="257"/>
+        </pc:sldMkLst>
+        <pc:picChg chg="add mod">
+          <ac:chgData name="Luis Miguel Gómez Del Cueto" userId="96bdf517-732e-4d81-a9c7-41d87206fa47" providerId="ADAL" clId="{58F8D4C3-BB60-4398-B156-8B23F19159D9}" dt="2025-06-10T12:45:42.417" v="834" actId="1076"/>
+          <ac:picMkLst>
+            <pc:docMk/>
+            <pc:sldMk cId="4132215596" sldId="257"/>
+            <ac:picMk id="2" creationId="{1401531C-5EE0-5A99-D73A-175117A6913B}"/>
+          </ac:picMkLst>
+        </pc:picChg>
+      </pc:sldChg>
+      <pc:sldChg chg="addSp delSp modSp new mod">
+        <pc:chgData name="Luis Miguel Gómez Del Cueto" userId="96bdf517-732e-4d81-a9c7-41d87206fa47" providerId="ADAL" clId="{58F8D4C3-BB60-4398-B156-8B23F19159D9}" dt="2025-06-10T12:47:22.939" v="869" actId="404"/>
+        <pc:sldMkLst>
+          <pc:docMk/>
+          <pc:sldMk cId="4213229864" sldId="258"/>
+        </pc:sldMkLst>
+        <pc:spChg chg="add mod">
+          <ac:chgData name="Luis Miguel Gómez Del Cueto" userId="96bdf517-732e-4d81-a9c7-41d87206fa47" providerId="ADAL" clId="{58F8D4C3-BB60-4398-B156-8B23F19159D9}" dt="2025-06-10T12:47:22.939" v="869" actId="404"/>
+          <ac:spMkLst>
+            <pc:docMk/>
+            <pc:sldMk cId="4213229864" sldId="258"/>
+            <ac:spMk id="8" creationId="{ABB22083-928C-559B-6D60-7837E287C2C4}"/>
+          </ac:spMkLst>
+        </pc:spChg>
+        <pc:picChg chg="add mod">
+          <ac:chgData name="Luis Miguel Gómez Del Cueto" userId="96bdf517-732e-4d81-a9c7-41d87206fa47" providerId="ADAL" clId="{58F8D4C3-BB60-4398-B156-8B23F19159D9}" dt="2025-06-10T12:46:51.978" v="858" actId="14100"/>
+          <ac:picMkLst>
+            <pc:docMk/>
+            <pc:sldMk cId="4213229864" sldId="258"/>
+            <ac:picMk id="2" creationId="{7C07BCC8-D154-1BBF-339E-944DB79F915C}"/>
+          </ac:picMkLst>
+        </pc:picChg>
+        <pc:picChg chg="add mod">
+          <ac:chgData name="Luis Miguel Gómez Del Cueto" userId="96bdf517-732e-4d81-a9c7-41d87206fa47" providerId="ADAL" clId="{58F8D4C3-BB60-4398-B156-8B23F19159D9}" dt="2025-06-10T12:47:08.003" v="866" actId="1076"/>
+          <ac:picMkLst>
+            <pc:docMk/>
+            <pc:sldMk cId="4213229864" sldId="258"/>
+            <ac:picMk id="3" creationId="{41DAB489-51C7-D3BA-F27A-A6C02B3739EA}"/>
+          </ac:picMkLst>
+        </pc:picChg>
+        <pc:cxnChg chg="add mod">
+          <ac:chgData name="Luis Miguel Gómez Del Cueto" userId="96bdf517-732e-4d81-a9c7-41d87206fa47" providerId="ADAL" clId="{58F8D4C3-BB60-4398-B156-8B23F19159D9}" dt="2025-06-10T12:47:12.808" v="867" actId="14100"/>
+          <ac:cxnSpMkLst>
+            <pc:docMk/>
+            <pc:sldMk cId="4213229864" sldId="258"/>
+            <ac:cxnSpMk id="5" creationId="{4AC0E7E5-17D6-B03A-ADA1-2B7233BEC451}"/>
+          </ac:cxnSpMkLst>
+        </pc:cxnChg>
+      </pc:sldChg>
+      <pc:sldChg chg="addSp delSp modSp new mod">
+        <pc:chgData name="Luis Miguel Gómez Del Cueto" userId="96bdf517-732e-4d81-a9c7-41d87206fa47" providerId="ADAL" clId="{58F8D4C3-BB60-4398-B156-8B23F19159D9}" dt="2025-06-10T12:46:41.449" v="857" actId="1076"/>
+        <pc:sldMkLst>
+          <pc:docMk/>
+          <pc:sldMk cId="2446217543" sldId="259"/>
+        </pc:sldMkLst>
+        <pc:spChg chg="add mod">
+          <ac:chgData name="Luis Miguel Gómez Del Cueto" userId="96bdf517-732e-4d81-a9c7-41d87206fa47" providerId="ADAL" clId="{58F8D4C3-BB60-4398-B156-8B23F19159D9}" dt="2025-06-10T12:46:41.449" v="857" actId="1076"/>
+          <ac:spMkLst>
+            <pc:docMk/>
+            <pc:sldMk cId="2446217543" sldId="259"/>
+            <ac:spMk id="9" creationId="{48258BE3-721A-4517-7FC6-5F98E3BFB2F7}"/>
+          </ac:spMkLst>
+        </pc:spChg>
+        <pc:picChg chg="add mod">
+          <ac:chgData name="Luis Miguel Gómez Del Cueto" userId="96bdf517-732e-4d81-a9c7-41d87206fa47" providerId="ADAL" clId="{58F8D4C3-BB60-4398-B156-8B23F19159D9}" dt="2025-06-10T12:46:09.116" v="839" actId="1076"/>
+          <ac:picMkLst>
+            <pc:docMk/>
+            <pc:sldMk cId="2446217543" sldId="259"/>
+            <ac:picMk id="3" creationId="{2E905F45-EE65-C3CF-C1B6-D6EE9AB86756}"/>
+          </ac:picMkLst>
+        </pc:picChg>
+        <pc:picChg chg="add mod">
+          <ac:chgData name="Luis Miguel Gómez Del Cueto" userId="96bdf517-732e-4d81-a9c7-41d87206fa47" providerId="ADAL" clId="{58F8D4C3-BB60-4398-B156-8B23F19159D9}" dt="2025-06-10T12:46:20.910" v="845" actId="14100"/>
+          <ac:picMkLst>
+            <pc:docMk/>
+            <pc:sldMk cId="2446217543" sldId="259"/>
+            <ac:picMk id="12" creationId="{D38916A1-2643-9396-9319-ADDCBA5E1009}"/>
+          </ac:picMkLst>
+        </pc:picChg>
+        <pc:cxnChg chg="add mod">
+          <ac:chgData name="Luis Miguel Gómez Del Cueto" userId="96bdf517-732e-4d81-a9c7-41d87206fa47" providerId="ADAL" clId="{58F8D4C3-BB60-4398-B156-8B23F19159D9}" dt="2025-06-10T12:46:26.438" v="848" actId="14100"/>
+          <ac:cxnSpMkLst>
+            <pc:docMk/>
+            <pc:sldMk cId="2446217543" sldId="259"/>
+            <ac:cxnSpMk id="7" creationId="{22DF0BE3-9D15-B88A-2332-853DDC135425}"/>
+          </ac:cxnSpMkLst>
+        </pc:cxnChg>
+      </pc:sldChg>
+      <pc:sldChg chg="addSp delSp modSp new mod">
+        <pc:chgData name="Luis Miguel Gómez Del Cueto" userId="96bdf517-732e-4d81-a9c7-41d87206fa47" providerId="ADAL" clId="{58F8D4C3-BB60-4398-B156-8B23F19159D9}" dt="2025-06-10T12:45:34.955" v="829" actId="21"/>
+        <pc:sldMkLst>
+          <pc:docMk/>
+          <pc:sldMk cId="1168218258" sldId="260"/>
+        </pc:sldMkLst>
+        <pc:spChg chg="add mod ord">
+          <ac:chgData name="Luis Miguel Gómez Del Cueto" userId="96bdf517-732e-4d81-a9c7-41d87206fa47" providerId="ADAL" clId="{58F8D4C3-BB60-4398-B156-8B23F19159D9}" dt="2025-06-10T12:43:34.997" v="809" actId="1076"/>
+          <ac:spMkLst>
+            <pc:docMk/>
+            <pc:sldMk cId="1168218258" sldId="260"/>
+            <ac:spMk id="83" creationId="{98D95C48-C3F1-B033-7186-D489828F5E5E}"/>
+          </ac:spMkLst>
+        </pc:spChg>
+        <pc:spChg chg="add mod">
+          <ac:chgData name="Luis Miguel Gómez Del Cueto" userId="96bdf517-732e-4d81-a9c7-41d87206fa47" providerId="ADAL" clId="{58F8D4C3-BB60-4398-B156-8B23F19159D9}" dt="2025-06-10T12:43:34.997" v="809" actId="1076"/>
+          <ac:spMkLst>
+            <pc:docMk/>
+            <pc:sldMk cId="1168218258" sldId="260"/>
+            <ac:spMk id="84" creationId="{21892F59-148A-6B9D-1AB5-148663A96643}"/>
+          </ac:spMkLst>
+        </pc:spChg>
+        <pc:spChg chg="add mod">
+          <ac:chgData name="Luis Miguel Gómez Del Cueto" userId="96bdf517-732e-4d81-a9c7-41d87206fa47" providerId="ADAL" clId="{58F8D4C3-BB60-4398-B156-8B23F19159D9}" dt="2025-06-10T12:43:34.997" v="809" actId="1076"/>
+          <ac:spMkLst>
+            <pc:docMk/>
+            <pc:sldMk cId="1168218258" sldId="260"/>
+            <ac:spMk id="87" creationId="{080A3AC2-3C0D-5DA7-1AED-DAFC375C7B8D}"/>
+          </ac:spMkLst>
+        </pc:spChg>
+        <pc:spChg chg="add mod">
+          <ac:chgData name="Luis Miguel Gómez Del Cueto" userId="96bdf517-732e-4d81-a9c7-41d87206fa47" providerId="ADAL" clId="{58F8D4C3-BB60-4398-B156-8B23F19159D9}" dt="2025-06-10T12:43:34.997" v="809" actId="1076"/>
+          <ac:spMkLst>
+            <pc:docMk/>
+            <pc:sldMk cId="1168218258" sldId="260"/>
+            <ac:spMk id="88" creationId="{C1C962AE-4B95-68E1-D815-84AFE0111696}"/>
+          </ac:spMkLst>
+        </pc:spChg>
+        <pc:spChg chg="add mod">
+          <ac:chgData name="Luis Miguel Gómez Del Cueto" userId="96bdf517-732e-4d81-a9c7-41d87206fa47" providerId="ADAL" clId="{58F8D4C3-BB60-4398-B156-8B23F19159D9}" dt="2025-06-10T12:43:34.997" v="809" actId="1076"/>
+          <ac:spMkLst>
+            <pc:docMk/>
+            <pc:sldMk cId="1168218258" sldId="260"/>
+            <ac:spMk id="89" creationId="{0D4105A3-8646-2CA6-3607-6A2453F8E26E}"/>
+          </ac:spMkLst>
+        </pc:spChg>
+        <pc:spChg chg="add mod">
+          <ac:chgData name="Luis Miguel Gómez Del Cueto" userId="96bdf517-732e-4d81-a9c7-41d87206fa47" providerId="ADAL" clId="{58F8D4C3-BB60-4398-B156-8B23F19159D9}" dt="2025-06-10T12:43:34.997" v="809" actId="1076"/>
+          <ac:spMkLst>
+            <pc:docMk/>
+            <pc:sldMk cId="1168218258" sldId="260"/>
+            <ac:spMk id="90" creationId="{3A2EFE0E-5BB6-3B71-E7A6-7DDB4BE23B14}"/>
+          </ac:spMkLst>
+        </pc:spChg>
+        <pc:spChg chg="add mod">
+          <ac:chgData name="Luis Miguel Gómez Del Cueto" userId="96bdf517-732e-4d81-a9c7-41d87206fa47" providerId="ADAL" clId="{58F8D4C3-BB60-4398-B156-8B23F19159D9}" dt="2025-06-10T12:43:34.997" v="809" actId="1076"/>
+          <ac:spMkLst>
+            <pc:docMk/>
+            <pc:sldMk cId="1168218258" sldId="260"/>
+            <ac:spMk id="91" creationId="{673B818A-1E36-2F89-D5A2-22FC85FBEAC4}"/>
+          </ac:spMkLst>
+        </pc:spChg>
+        <pc:spChg chg="add mod">
+          <ac:chgData name="Luis Miguel Gómez Del Cueto" userId="96bdf517-732e-4d81-a9c7-41d87206fa47" providerId="ADAL" clId="{58F8D4C3-BB60-4398-B156-8B23F19159D9}" dt="2025-06-10T12:43:34.997" v="809" actId="1076"/>
+          <ac:spMkLst>
+            <pc:docMk/>
+            <pc:sldMk cId="1168218258" sldId="260"/>
+            <ac:spMk id="92" creationId="{5CB830C3-20BF-982C-DA83-291C024D3195}"/>
+          </ac:spMkLst>
+        </pc:spChg>
+        <pc:spChg chg="add mod">
+          <ac:chgData name="Luis Miguel Gómez Del Cueto" userId="96bdf517-732e-4d81-a9c7-41d87206fa47" providerId="ADAL" clId="{58F8D4C3-BB60-4398-B156-8B23F19159D9}" dt="2025-06-10T12:43:34.997" v="809" actId="1076"/>
+          <ac:spMkLst>
+            <pc:docMk/>
+            <pc:sldMk cId="1168218258" sldId="260"/>
+            <ac:spMk id="99" creationId="{341F36A0-71A3-DD78-540A-7B46E85499FD}"/>
+          </ac:spMkLst>
+        </pc:spChg>
+        <pc:spChg chg="add mod">
+          <ac:chgData name="Luis Miguel Gómez Del Cueto" userId="96bdf517-732e-4d81-a9c7-41d87206fa47" providerId="ADAL" clId="{58F8D4C3-BB60-4398-B156-8B23F19159D9}" dt="2025-06-10T12:45:06.557" v="824" actId="1076"/>
+          <ac:spMkLst>
+            <pc:docMk/>
+            <pc:sldMk cId="1168218258" sldId="260"/>
+            <ac:spMk id="110" creationId="{0C0D8CD4-9A8D-961E-4E67-F48F04818B24}"/>
+          </ac:spMkLst>
+        </pc:spChg>
+        <pc:picChg chg="add mod modCrop">
+          <ac:chgData name="Luis Miguel Gómez Del Cueto" userId="96bdf517-732e-4d81-a9c7-41d87206fa47" providerId="ADAL" clId="{58F8D4C3-BB60-4398-B156-8B23F19159D9}" dt="2025-06-10T12:43:53.212" v="812" actId="1076"/>
+          <ac:picMkLst>
+            <pc:docMk/>
+            <pc:sldMk cId="1168218258" sldId="260"/>
+            <ac:picMk id="38" creationId="{40337578-3404-2190-4CDE-A447ED7A480F}"/>
+          </ac:picMkLst>
+        </pc:picChg>
+        <pc:picChg chg="add del mod modCrop">
+          <ac:chgData name="Luis Miguel Gómez Del Cueto" userId="96bdf517-732e-4d81-a9c7-41d87206fa47" providerId="ADAL" clId="{58F8D4C3-BB60-4398-B156-8B23F19159D9}" dt="2025-06-10T12:45:34.955" v="829" actId="21"/>
+          <ac:picMkLst>
+            <pc:docMk/>
+            <pc:sldMk cId="1168218258" sldId="260"/>
+            <ac:picMk id="40" creationId="{801D0628-94AB-2AC7-2697-B8B9193A635B}"/>
+          </ac:picMkLst>
+        </pc:picChg>
+        <pc:picChg chg="add mod modCrop">
+          <ac:chgData name="Luis Miguel Gómez Del Cueto" userId="96bdf517-732e-4d81-a9c7-41d87206fa47" providerId="ADAL" clId="{58F8D4C3-BB60-4398-B156-8B23F19159D9}" dt="2025-06-10T11:13:19.530" v="704" actId="1076"/>
+          <ac:picMkLst>
+            <pc:docMk/>
+            <pc:sldMk cId="1168218258" sldId="260"/>
+            <ac:picMk id="42" creationId="{7DA9FC7A-8327-A75A-B984-81CCB690F922}"/>
+          </ac:picMkLst>
+        </pc:picChg>
+        <pc:picChg chg="add mod modCrop">
+          <ac:chgData name="Luis Miguel Gómez Del Cueto" userId="96bdf517-732e-4d81-a9c7-41d87206fa47" providerId="ADAL" clId="{58F8D4C3-BB60-4398-B156-8B23F19159D9}" dt="2025-06-10T11:13:19.530" v="704" actId="1076"/>
+          <ac:picMkLst>
+            <pc:docMk/>
+            <pc:sldMk cId="1168218258" sldId="260"/>
+            <ac:picMk id="44" creationId="{1040D040-4F8D-4AC0-C995-948F04577FF6}"/>
+          </ac:picMkLst>
+        </pc:picChg>
+        <pc:picChg chg="add mod modCrop">
+          <ac:chgData name="Luis Miguel Gómez Del Cueto" userId="96bdf517-732e-4d81-a9c7-41d87206fa47" providerId="ADAL" clId="{58F8D4C3-BB60-4398-B156-8B23F19159D9}" dt="2025-06-10T11:13:19.530" v="704" actId="1076"/>
+          <ac:picMkLst>
+            <pc:docMk/>
+            <pc:sldMk cId="1168218258" sldId="260"/>
+            <ac:picMk id="46" creationId="{FC2053A6-AF54-2382-0951-C9D154AD2190}"/>
+          </ac:picMkLst>
+        </pc:picChg>
+        <pc:picChg chg="add mod modCrop">
+          <ac:chgData name="Luis Miguel Gómez Del Cueto" userId="96bdf517-732e-4d81-a9c7-41d87206fa47" providerId="ADAL" clId="{58F8D4C3-BB60-4398-B156-8B23F19159D9}" dt="2025-06-10T11:13:19.530" v="704" actId="1076"/>
+          <ac:picMkLst>
+            <pc:docMk/>
+            <pc:sldMk cId="1168218258" sldId="260"/>
+            <ac:picMk id="48" creationId="{19979601-4F16-CDAC-DAB3-605CA7CAFBCB}"/>
+          </ac:picMkLst>
+        </pc:picChg>
+        <pc:picChg chg="add mod modCrop">
+          <ac:chgData name="Luis Miguel Gómez Del Cueto" userId="96bdf517-732e-4d81-a9c7-41d87206fa47" providerId="ADAL" clId="{58F8D4C3-BB60-4398-B156-8B23F19159D9}" dt="2025-06-10T11:13:19.530" v="704" actId="1076"/>
+          <ac:picMkLst>
+            <pc:docMk/>
+            <pc:sldMk cId="1168218258" sldId="260"/>
+            <ac:picMk id="50" creationId="{FD602D85-1083-7D7E-3E12-199FCCCA1916}"/>
+          </ac:picMkLst>
+        </pc:picChg>
+        <pc:picChg chg="add mod modCrop">
+          <ac:chgData name="Luis Miguel Gómez Del Cueto" userId="96bdf517-732e-4d81-a9c7-41d87206fa47" providerId="ADAL" clId="{58F8D4C3-BB60-4398-B156-8B23F19159D9}" dt="2025-06-10T12:42:50.858" v="805" actId="732"/>
+          <ac:picMkLst>
+            <pc:docMk/>
+            <pc:sldMk cId="1168218258" sldId="260"/>
+            <ac:picMk id="101" creationId="{EE5D2F3E-4B84-B7E0-A822-26D74101FBE1}"/>
+          </ac:picMkLst>
+        </pc:picChg>
+        <pc:picChg chg="add mod modCrop">
+          <ac:chgData name="Luis Miguel Gómez Del Cueto" userId="96bdf517-732e-4d81-a9c7-41d87206fa47" providerId="ADAL" clId="{58F8D4C3-BB60-4398-B156-8B23F19159D9}" dt="2025-06-10T12:44:48.862" v="819" actId="732"/>
+          <ac:picMkLst>
+            <pc:docMk/>
+            <pc:sldMk cId="1168218258" sldId="260"/>
+            <ac:picMk id="103" creationId="{D7B4838F-8F1E-494A-9069-78B7DCE2827F}"/>
+          </ac:picMkLst>
+        </pc:picChg>
+        <pc:cxnChg chg="add mod">
+          <ac:chgData name="Luis Miguel Gómez Del Cueto" userId="96bdf517-732e-4d81-a9c7-41d87206fa47" providerId="ADAL" clId="{58F8D4C3-BB60-4398-B156-8B23F19159D9}" dt="2025-06-10T12:43:55.336" v="813" actId="14100"/>
+          <ac:cxnSpMkLst>
+            <pc:docMk/>
+            <pc:sldMk cId="1168218258" sldId="260"/>
+            <ac:cxnSpMk id="51" creationId="{E0D4C07C-DC6C-1165-F178-46CA52791E14}"/>
+          </ac:cxnSpMkLst>
+        </pc:cxnChg>
+        <pc:cxnChg chg="add mod">
+          <ac:chgData name="Luis Miguel Gómez Del Cueto" userId="96bdf517-732e-4d81-a9c7-41d87206fa47" providerId="ADAL" clId="{58F8D4C3-BB60-4398-B156-8B23F19159D9}" dt="2025-06-10T11:18:35.743" v="787" actId="1076"/>
+          <ac:cxnSpMkLst>
+            <pc:docMk/>
+            <pc:sldMk cId="1168218258" sldId="260"/>
+            <ac:cxnSpMk id="54" creationId="{D8CAC67C-E211-F596-ACFD-C48D604FB626}"/>
+          </ac:cxnSpMkLst>
+        </pc:cxnChg>
+        <pc:cxnChg chg="add mod">
+          <ac:chgData name="Luis Miguel Gómez Del Cueto" userId="96bdf517-732e-4d81-a9c7-41d87206fa47" providerId="ADAL" clId="{58F8D4C3-BB60-4398-B156-8B23F19159D9}" dt="2025-06-10T11:09:35.457" v="666" actId="14100"/>
+          <ac:cxnSpMkLst>
+            <pc:docMk/>
+            <pc:sldMk cId="1168218258" sldId="260"/>
+            <ac:cxnSpMk id="57" creationId="{73993357-9848-0BDF-A68D-4420E66CE448}"/>
+          </ac:cxnSpMkLst>
+        </pc:cxnChg>
+        <pc:cxnChg chg="add mod">
+          <ac:chgData name="Luis Miguel Gómez Del Cueto" userId="96bdf517-732e-4d81-a9c7-41d87206fa47" providerId="ADAL" clId="{58F8D4C3-BB60-4398-B156-8B23F19159D9}" dt="2025-06-10T11:09:44.124" v="670" actId="14100"/>
+          <ac:cxnSpMkLst>
+            <pc:docMk/>
+            <pc:sldMk cId="1168218258" sldId="260"/>
+            <ac:cxnSpMk id="60" creationId="{997D8A96-BA5E-8F69-8D8C-62DDDC37D0F3}"/>
+          </ac:cxnSpMkLst>
+        </pc:cxnChg>
+        <pc:cxnChg chg="add mod">
+          <ac:chgData name="Luis Miguel Gómez Del Cueto" userId="96bdf517-732e-4d81-a9c7-41d87206fa47" providerId="ADAL" clId="{58F8D4C3-BB60-4398-B156-8B23F19159D9}" dt="2025-06-10T11:13:19.530" v="704" actId="1076"/>
+          <ac:cxnSpMkLst>
+            <pc:docMk/>
+            <pc:sldMk cId="1168218258" sldId="260"/>
+            <ac:cxnSpMk id="63" creationId="{776230F7-3345-EE2D-EDBC-F7F7EB5513AA}"/>
+          </ac:cxnSpMkLst>
+        </pc:cxnChg>
+        <pc:cxnChg chg="add mod">
+          <ac:chgData name="Luis Miguel Gómez Del Cueto" userId="96bdf517-732e-4d81-a9c7-41d87206fa47" providerId="ADAL" clId="{58F8D4C3-BB60-4398-B156-8B23F19159D9}" dt="2025-06-10T11:10:03.834" v="678" actId="14100"/>
+          <ac:cxnSpMkLst>
+            <pc:docMk/>
+            <pc:sldMk cId="1168218258" sldId="260"/>
+            <ac:cxnSpMk id="67" creationId="{AE4DF54C-B94D-A65A-EFC0-BF96B5E88C85}"/>
+          </ac:cxnSpMkLst>
+        </pc:cxnChg>
+        <pc:cxnChg chg="add mod">
+          <ac:chgData name="Luis Miguel Gómez Del Cueto" userId="96bdf517-732e-4d81-a9c7-41d87206fa47" providerId="ADAL" clId="{58F8D4C3-BB60-4398-B156-8B23F19159D9}" dt="2025-06-10T12:42:09.996" v="795" actId="478"/>
+          <ac:cxnSpMkLst>
+            <pc:docMk/>
+            <pc:sldMk cId="1168218258" sldId="260"/>
+            <ac:cxnSpMk id="72" creationId="{6189B647-BA27-81A0-BF86-AEF6D724B633}"/>
+          </ac:cxnSpMkLst>
+        </pc:cxnChg>
+        <pc:cxnChg chg="add mod">
+          <ac:chgData name="Luis Miguel Gómez Del Cueto" userId="96bdf517-732e-4d81-a9c7-41d87206fa47" providerId="ADAL" clId="{58F8D4C3-BB60-4398-B156-8B23F19159D9}" dt="2025-06-10T11:18:38.817" v="788" actId="1076"/>
+          <ac:cxnSpMkLst>
+            <pc:docMk/>
+            <pc:sldMk cId="1168218258" sldId="260"/>
+            <ac:cxnSpMk id="93" creationId="{244FA1F0-1EF4-AD6F-D5B0-D4C649E7FDA8}"/>
+          </ac:cxnSpMkLst>
+        </pc:cxnChg>
+        <pc:cxnChg chg="add mod">
+          <ac:chgData name="Luis Miguel Gómez Del Cueto" userId="96bdf517-732e-4d81-a9c7-41d87206fa47" providerId="ADAL" clId="{58F8D4C3-BB60-4398-B156-8B23F19159D9}" dt="2025-06-10T12:44:51.891" v="820" actId="14100"/>
+          <ac:cxnSpMkLst>
+            <pc:docMk/>
+            <pc:sldMk cId="1168218258" sldId="260"/>
+            <ac:cxnSpMk id="106" creationId="{08A48604-BD2E-BD28-AE75-F15880560A3C}"/>
+          </ac:cxnSpMkLst>
+        </pc:cxnChg>
+      </pc:sldChg>
+      <pc:sldChg chg="addSp delSp modSp new mod ord">
+        <pc:chgData name="Luis Miguel Gómez Del Cueto" userId="96bdf517-732e-4d81-a9c7-41d87206fa47" providerId="ADAL" clId="{58F8D4C3-BB60-4398-B156-8B23F19159D9}" dt="2025-06-10T21:01:06.756" v="896" actId="14100"/>
+        <pc:sldMkLst>
+          <pc:docMk/>
+          <pc:sldMk cId="3453018589" sldId="261"/>
+        </pc:sldMkLst>
+        <pc:spChg chg="add mod">
+          <ac:chgData name="Luis Miguel Gómez Del Cueto" userId="96bdf517-732e-4d81-a9c7-41d87206fa47" providerId="ADAL" clId="{58F8D4C3-BB60-4398-B156-8B23F19159D9}" dt="2025-06-10T21:01:00.576" v="894" actId="1076"/>
+          <ac:spMkLst>
+            <pc:docMk/>
+            <pc:sldMk cId="3453018589" sldId="261"/>
+            <ac:spMk id="7" creationId="{A9280FFB-1E9A-9AE1-1922-65BC430C26F6}"/>
+          </ac:spMkLst>
+        </pc:spChg>
+        <pc:picChg chg="add mod">
+          <ac:chgData name="Luis Miguel Gómez Del Cueto" userId="96bdf517-732e-4d81-a9c7-41d87206fa47" providerId="ADAL" clId="{58F8D4C3-BB60-4398-B156-8B23F19159D9}" dt="2025-06-10T21:01:04.025" v="895" actId="1076"/>
+          <ac:picMkLst>
+            <pc:docMk/>
+            <pc:sldMk cId="3453018589" sldId="261"/>
+            <ac:picMk id="4" creationId="{A5E334FD-4960-AD13-0823-364FF000F002}"/>
+          </ac:picMkLst>
+        </pc:picChg>
+        <pc:picChg chg="add mod">
+          <ac:chgData name="Luis Miguel Gómez Del Cueto" userId="96bdf517-732e-4d81-a9c7-41d87206fa47" providerId="ADAL" clId="{58F8D4C3-BB60-4398-B156-8B23F19159D9}" dt="2025-06-10T21:00:44.590" v="890" actId="1076"/>
+          <ac:picMkLst>
+            <pc:docMk/>
+            <pc:sldMk cId="3453018589" sldId="261"/>
+            <ac:picMk id="5" creationId="{B63C6F60-32C6-8F9B-8038-410EE3D59BA0}"/>
+          </ac:picMkLst>
+        </pc:picChg>
+        <pc:cxnChg chg="add mod">
+          <ac:chgData name="Luis Miguel Gómez Del Cueto" userId="96bdf517-732e-4d81-a9c7-41d87206fa47" providerId="ADAL" clId="{58F8D4C3-BB60-4398-B156-8B23F19159D9}" dt="2025-06-10T21:01:06.756" v="896" actId="14100"/>
+          <ac:cxnSpMkLst>
+            <pc:docMk/>
+            <pc:sldMk cId="3453018589" sldId="261"/>
+            <ac:cxnSpMk id="6" creationId="{C851D329-A7E0-A7AF-D76C-4E2C1C48FD49}"/>
+          </ac:cxnSpMkLst>
+        </pc:cxnChg>
+      </pc:sldChg>
+      <pc:sldChg chg="addSp delSp modSp new mod ord">
+        <pc:chgData name="Luis Miguel Gómez Del Cueto" userId="96bdf517-732e-4d81-a9c7-41d87206fa47" providerId="ADAL" clId="{58F8D4C3-BB60-4398-B156-8B23F19159D9}" dt="2025-07-02T15:23:54.502" v="1141" actId="17032"/>
+        <pc:sldMkLst>
+          <pc:docMk/>
+          <pc:sldMk cId="850494225" sldId="262"/>
+        </pc:sldMkLst>
+        <pc:spChg chg="del">
+          <ac:chgData name="Luis Miguel Gómez Del Cueto" userId="96bdf517-732e-4d81-a9c7-41d87206fa47" providerId="ADAL" clId="{58F8D4C3-BB60-4398-B156-8B23F19159D9}" dt="2025-07-02T15:17:18.222" v="902" actId="478"/>
+          <ac:spMkLst>
+            <pc:docMk/>
+            <pc:sldMk cId="850494225" sldId="262"/>
+            <ac:spMk id="2" creationId="{BCEC77C1-6DB3-A288-319C-D57CE9491731}"/>
+          </ac:spMkLst>
+        </pc:spChg>
+        <pc:spChg chg="del mod">
+          <ac:chgData name="Luis Miguel Gómez Del Cueto" userId="96bdf517-732e-4d81-a9c7-41d87206fa47" providerId="ADAL" clId="{58F8D4C3-BB60-4398-B156-8B23F19159D9}" dt="2025-07-02T15:17:17.017" v="901" actId="478"/>
+          <ac:spMkLst>
+            <pc:docMk/>
+            <pc:sldMk cId="850494225" sldId="262"/>
+            <ac:spMk id="3" creationId="{9CE28F68-E614-372B-32EF-E166D2417430}"/>
+          </ac:spMkLst>
+        </pc:spChg>
+        <pc:spChg chg="add mod">
+          <ac:chgData name="Luis Miguel Gómez Del Cueto" userId="96bdf517-732e-4d81-a9c7-41d87206fa47" providerId="ADAL" clId="{58F8D4C3-BB60-4398-B156-8B23F19159D9}" dt="2025-07-02T15:22:58.754" v="1115" actId="1076"/>
+          <ac:spMkLst>
+            <pc:docMk/>
+            <pc:sldMk cId="850494225" sldId="262"/>
+            <ac:spMk id="4" creationId="{00084F12-0741-7A56-84FC-6D6C24C1CF55}"/>
+          </ac:spMkLst>
+        </pc:spChg>
+        <pc:spChg chg="add del">
+          <ac:chgData name="Luis Miguel Gómez Del Cueto" userId="96bdf517-732e-4d81-a9c7-41d87206fa47" providerId="ADAL" clId="{58F8D4C3-BB60-4398-B156-8B23F19159D9}" dt="2025-07-02T15:17:43.420" v="908" actId="11529"/>
+          <ac:spMkLst>
+            <pc:docMk/>
+            <pc:sldMk cId="850494225" sldId="262"/>
+            <ac:spMk id="5" creationId="{456F4DC0-B50F-6776-1B99-1E93A68D13FE}"/>
+          </ac:spMkLst>
+        </pc:spChg>
+        <pc:spChg chg="add mod">
+          <ac:chgData name="Luis Miguel Gómez Del Cueto" userId="96bdf517-732e-4d81-a9c7-41d87206fa47" providerId="ADAL" clId="{58F8D4C3-BB60-4398-B156-8B23F19159D9}" dt="2025-07-02T15:22:28.568" v="1111" actId="20577"/>
+          <ac:spMkLst>
+            <pc:docMk/>
+            <pc:sldMk cId="850494225" sldId="262"/>
+            <ac:spMk id="6" creationId="{8B260266-C95F-C876-3A77-8DF92A6E12E2}"/>
+          </ac:spMkLst>
+        </pc:spChg>
+        <pc:spChg chg="add mod">
+          <ac:chgData name="Luis Miguel Gómez Del Cueto" userId="96bdf517-732e-4d81-a9c7-41d87206fa47" providerId="ADAL" clId="{58F8D4C3-BB60-4398-B156-8B23F19159D9}" dt="2025-07-02T15:17:58.027" v="919"/>
+          <ac:spMkLst>
+            <pc:docMk/>
+            <pc:sldMk cId="850494225" sldId="262"/>
+            <ac:spMk id="7" creationId="{36F94557-03E6-7EBE-1E95-626663022FD3}"/>
+          </ac:spMkLst>
+        </pc:spChg>
+        <pc:spChg chg="add mod">
+          <ac:chgData name="Luis Miguel Gómez Del Cueto" userId="96bdf517-732e-4d81-a9c7-41d87206fa47" providerId="ADAL" clId="{58F8D4C3-BB60-4398-B156-8B23F19159D9}" dt="2025-07-02T15:19:10.261" v="973" actId="20577"/>
+          <ac:spMkLst>
+            <pc:docMk/>
+            <pc:sldMk cId="850494225" sldId="262"/>
+            <ac:spMk id="8" creationId="{8CC5F6DA-9FB1-710A-24B5-BAE3FA9FF8C8}"/>
+          </ac:spMkLst>
+        </pc:spChg>
+        <pc:spChg chg="add mod">
+          <ac:chgData name="Luis Miguel Gómez Del Cueto" userId="96bdf517-732e-4d81-a9c7-41d87206fa47" providerId="ADAL" clId="{58F8D4C3-BB60-4398-B156-8B23F19159D9}" dt="2025-07-02T15:19:06.085" v="965" actId="20577"/>
+          <ac:spMkLst>
+            <pc:docMk/>
+            <pc:sldMk cId="850494225" sldId="262"/>
+            <ac:spMk id="9" creationId="{D6F2948A-D08A-67FF-3DB1-D98BF7AAD164}"/>
+          </ac:spMkLst>
+        </pc:spChg>
+        <pc:spChg chg="add mod">
+          <ac:chgData name="Luis Miguel Gómez Del Cueto" userId="96bdf517-732e-4d81-a9c7-41d87206fa47" providerId="ADAL" clId="{58F8D4C3-BB60-4398-B156-8B23F19159D9}" dt="2025-07-02T15:18:55.758" v="950" actId="1076"/>
+          <ac:spMkLst>
+            <pc:docMk/>
+            <pc:sldMk cId="850494225" sldId="262"/>
+            <ac:spMk id="10" creationId="{7A029633-712C-A4C2-9A4A-C1F377F76541}"/>
+          </ac:spMkLst>
+        </pc:spChg>
+        <pc:spChg chg="add mod">
+          <ac:chgData name="Luis Miguel Gómez Del Cueto" userId="96bdf517-732e-4d81-a9c7-41d87206fa47" providerId="ADAL" clId="{58F8D4C3-BB60-4398-B156-8B23F19159D9}" dt="2025-07-02T15:19:45.759" v="984" actId="1076"/>
+          <ac:spMkLst>
+            <pc:docMk/>
+            <pc:sldMk cId="850494225" sldId="262"/>
+            <ac:spMk id="11" creationId="{015BDB61-E5F5-ED6A-A734-B2E4881D1246}"/>
+          </ac:spMkLst>
+        </pc:spChg>
+        <pc:spChg chg="add del mod">
+          <ac:chgData name="Luis Miguel Gómez Del Cueto" userId="96bdf517-732e-4d81-a9c7-41d87206fa47" providerId="ADAL" clId="{58F8D4C3-BB60-4398-B156-8B23F19159D9}" dt="2025-07-02T15:19:41.966" v="982" actId="478"/>
+          <ac:spMkLst>
+            <pc:docMk/>
+            <pc:sldMk cId="850494225" sldId="262"/>
+            <ac:spMk id="12" creationId="{6D2D3665-36F1-1008-2584-EB9885A07F7A}"/>
+          </ac:spMkLst>
+        </pc:spChg>
+        <pc:spChg chg="add mod">
+          <ac:chgData name="Luis Miguel Gómez Del Cueto" userId="96bdf517-732e-4d81-a9c7-41d87206fa47" providerId="ADAL" clId="{58F8D4C3-BB60-4398-B156-8B23F19159D9}" dt="2025-07-02T15:19:48.780" v="986" actId="1076"/>
+          <ac:spMkLst>
+            <pc:docMk/>
+            <pc:sldMk cId="850494225" sldId="262"/>
+            <ac:spMk id="13" creationId="{0EB90EC1-8BDE-857C-1F02-346465B2223F}"/>
+          </ac:spMkLst>
+        </pc:spChg>
+        <pc:spChg chg="add mod">
+          <ac:chgData name="Luis Miguel Gómez Del Cueto" userId="96bdf517-732e-4d81-a9c7-41d87206fa47" providerId="ADAL" clId="{58F8D4C3-BB60-4398-B156-8B23F19159D9}" dt="2025-07-02T15:20:56.406" v="1006" actId="20577"/>
+          <ac:spMkLst>
+            <pc:docMk/>
+            <pc:sldMk cId="850494225" sldId="262"/>
+            <ac:spMk id="14" creationId="{6CE2219A-6AAF-4E6F-F15B-859C74871762}"/>
+          </ac:spMkLst>
+        </pc:spChg>
+        <pc:spChg chg="add del mod">
+          <ac:chgData name="Luis Miguel Gómez Del Cueto" userId="96bdf517-732e-4d81-a9c7-41d87206fa47" providerId="ADAL" clId="{58F8D4C3-BB60-4398-B156-8B23F19159D9}" dt="2025-07-02T15:20:37.464" v="993" actId="478"/>
+          <ac:spMkLst>
+            <pc:docMk/>
+            <pc:sldMk cId="850494225" sldId="262"/>
+            <ac:spMk id="15" creationId="{29C83C7C-85EF-40CD-9734-6918C3F37866}"/>
+          </ac:spMkLst>
+        </pc:spChg>
+        <pc:spChg chg="add mod">
+          <ac:chgData name="Luis Miguel Gómez Del Cueto" userId="96bdf517-732e-4d81-a9c7-41d87206fa47" providerId="ADAL" clId="{58F8D4C3-BB60-4398-B156-8B23F19159D9}" dt="2025-07-02T15:20:59.643" v="1015" actId="20577"/>
+          <ac:spMkLst>
+            <pc:docMk/>
+            <pc:sldMk cId="850494225" sldId="262"/>
+            <ac:spMk id="16" creationId="{A8708463-8CE9-6BCF-C7A6-386728B38916}"/>
+          </ac:spMkLst>
+        </pc:spChg>
+        <pc:spChg chg="add mod">
+          <ac:chgData name="Luis Miguel Gómez Del Cueto" userId="96bdf517-732e-4d81-a9c7-41d87206fa47" providerId="ADAL" clId="{58F8D4C3-BB60-4398-B156-8B23F19159D9}" dt="2025-07-02T15:21:02.863" v="1024" actId="20577"/>
+          <ac:spMkLst>
+            <pc:docMk/>
+            <pc:sldMk cId="850494225" sldId="262"/>
+            <ac:spMk id="17" creationId="{4A7ABBFA-DF11-61AF-E147-5DCB00843199}"/>
+          </ac:spMkLst>
+        </pc:spChg>
+        <pc:spChg chg="add mod">
+          <ac:chgData name="Luis Miguel Gómez Del Cueto" userId="96bdf517-732e-4d81-a9c7-41d87206fa47" providerId="ADAL" clId="{58F8D4C3-BB60-4398-B156-8B23F19159D9}" dt="2025-07-02T15:21:26.299" v="1035" actId="1076"/>
+          <ac:spMkLst>
+            <pc:docMk/>
+            <pc:sldMk cId="850494225" sldId="262"/>
+            <ac:spMk id="18" creationId="{F1D45D5F-D2A4-C455-8729-660AEFA6E52F}"/>
+          </ac:spMkLst>
+        </pc:spChg>
+        <pc:spChg chg="add mod">
+          <ac:chgData name="Luis Miguel Gómez Del Cueto" userId="96bdf517-732e-4d81-a9c7-41d87206fa47" providerId="ADAL" clId="{58F8D4C3-BB60-4398-B156-8B23F19159D9}" dt="2025-07-02T15:21:34.884" v="1050" actId="20577"/>
+          <ac:spMkLst>
+            <pc:docMk/>
+            <pc:sldMk cId="850494225" sldId="262"/>
+            <ac:spMk id="19" creationId="{C49D0943-0353-F746-8147-7967FE5126CC}"/>
+          </ac:spMkLst>
+        </pc:spChg>
+        <pc:spChg chg="add mod">
+          <ac:chgData name="Luis Miguel Gómez Del Cueto" userId="96bdf517-732e-4d81-a9c7-41d87206fa47" providerId="ADAL" clId="{58F8D4C3-BB60-4398-B156-8B23F19159D9}" dt="2025-07-02T15:22:53.706" v="1112" actId="1076"/>
+          <ac:spMkLst>
+            <pc:docMk/>
+            <pc:sldMk cId="850494225" sldId="262"/>
+            <ac:spMk id="20" creationId="{601F53D1-FBA5-174D-0C10-3FD915D49399}"/>
+          </ac:spMkLst>
+        </pc:spChg>
+        <pc:spChg chg="add mod">
+          <ac:chgData name="Luis Miguel Gómez Del Cueto" userId="96bdf517-732e-4d81-a9c7-41d87206fa47" providerId="ADAL" clId="{58F8D4C3-BB60-4398-B156-8B23F19159D9}" dt="2025-07-02T15:22:56.223" v="1113" actId="1076"/>
+          <ac:spMkLst>
+            <pc:docMk/>
+            <pc:sldMk cId="850494225" sldId="262"/>
+            <ac:spMk id="21" creationId="{7C437EA4-B6D8-D096-9AC3-5E07C99CD275}"/>
+          </ac:spMkLst>
+        </pc:spChg>
+        <pc:spChg chg="add mod">
+          <ac:chgData name="Luis Miguel Gómez Del Cueto" userId="96bdf517-732e-4d81-a9c7-41d87206fa47" providerId="ADAL" clId="{58F8D4C3-BB60-4398-B156-8B23F19159D9}" dt="2025-07-02T15:23:03.215" v="1116" actId="1076"/>
+          <ac:spMkLst>
+            <pc:docMk/>
+            <pc:sldMk cId="850494225" sldId="262"/>
+            <ac:spMk id="22" creationId="{E92AEC6E-EE8F-5DA0-7E68-8565FC1C2A52}"/>
+          </ac:spMkLst>
+        </pc:spChg>
+        <pc:spChg chg="add mod">
+          <ac:chgData name="Luis Miguel Gómez Del Cueto" userId="96bdf517-732e-4d81-a9c7-41d87206fa47" providerId="ADAL" clId="{58F8D4C3-BB60-4398-B156-8B23F19159D9}" dt="2025-07-02T15:22:21.138" v="1107" actId="20577"/>
+          <ac:spMkLst>
+            <pc:docMk/>
+            <pc:sldMk cId="850494225" sldId="262"/>
+            <ac:spMk id="23" creationId="{4FAD4DBE-BB73-62DA-35A1-AE66C2382261}"/>
+          </ac:spMkLst>
+        </pc:spChg>
+        <pc:spChg chg="add mod">
+          <ac:chgData name="Luis Miguel Gómez Del Cueto" userId="96bdf517-732e-4d81-a9c7-41d87206fa47" providerId="ADAL" clId="{58F8D4C3-BB60-4398-B156-8B23F19159D9}" dt="2025-07-02T15:23:54.502" v="1141" actId="17032"/>
+          <ac:spMkLst>
+            <pc:docMk/>
+            <pc:sldMk cId="850494225" sldId="262"/>
+            <ac:spMk id="24" creationId="{554D4806-33FE-7438-5248-DC78D088AD18}"/>
+          </ac:spMkLst>
+        </pc:spChg>
+      </pc:sldChg>
+      <pc:sldChg chg="addSp delSp modSp new mod">
+        <pc:chgData name="Luis Miguel Gómez Del Cueto" userId="96bdf517-732e-4d81-a9c7-41d87206fa47" providerId="ADAL" clId="{58F8D4C3-BB60-4398-B156-8B23F19159D9}" dt="2025-07-02T18:02:22.976" v="1242" actId="1076"/>
+        <pc:sldMkLst>
+          <pc:docMk/>
+          <pc:sldMk cId="1788986694" sldId="263"/>
+        </pc:sldMkLst>
+        <pc:spChg chg="del">
+          <ac:chgData name="Luis Miguel Gómez Del Cueto" userId="96bdf517-732e-4d81-a9c7-41d87206fa47" providerId="ADAL" clId="{58F8D4C3-BB60-4398-B156-8B23F19159D9}" dt="2025-07-02T17:58:13.688" v="1143" actId="478"/>
+          <ac:spMkLst>
+            <pc:docMk/>
+            <pc:sldMk cId="1788986694" sldId="263"/>
+            <ac:spMk id="2" creationId="{252947B4-BFDF-F8FC-BF72-C40668AB8A8C}"/>
+          </ac:spMkLst>
+        </pc:spChg>
+        <pc:spChg chg="del">
+          <ac:chgData name="Luis Miguel Gómez Del Cueto" userId="96bdf517-732e-4d81-a9c7-41d87206fa47" providerId="ADAL" clId="{58F8D4C3-BB60-4398-B156-8B23F19159D9}" dt="2025-07-02T17:58:15.585" v="1144" actId="478"/>
+          <ac:spMkLst>
+            <pc:docMk/>
+            <pc:sldMk cId="1788986694" sldId="263"/>
+            <ac:spMk id="3" creationId="{7695183D-B5BD-670E-5CF2-2B3D6A8067BD}"/>
+          </ac:spMkLst>
+        </pc:spChg>
+        <pc:spChg chg="add mod">
+          <ac:chgData name="Luis Miguel Gómez Del Cueto" userId="96bdf517-732e-4d81-a9c7-41d87206fa47" providerId="ADAL" clId="{58F8D4C3-BB60-4398-B156-8B23F19159D9}" dt="2025-07-02T17:58:43.967" v="1173" actId="1076"/>
+          <ac:spMkLst>
+            <pc:docMk/>
+            <pc:sldMk cId="1788986694" sldId="263"/>
+            <ac:spMk id="4" creationId="{E2E2B041-AEA1-4120-69E1-F7B5A31D3421}"/>
+          </ac:spMkLst>
+        </pc:spChg>
+        <pc:spChg chg="add mod">
+          <ac:chgData name="Luis Miguel Gómez Del Cueto" userId="96bdf517-732e-4d81-a9c7-41d87206fa47" providerId="ADAL" clId="{58F8D4C3-BB60-4398-B156-8B23F19159D9}" dt="2025-07-02T17:59:46.407" v="1203" actId="1076"/>
+          <ac:spMkLst>
+            <pc:docMk/>
+            <pc:sldMk cId="1788986694" sldId="263"/>
+            <ac:spMk id="5" creationId="{D9B61F8A-01F8-0BF1-B7C8-8658496F0F71}"/>
+          </ac:spMkLst>
+        </pc:spChg>
+        <pc:spChg chg="add mod">
+          <ac:chgData name="Luis Miguel Gómez Del Cueto" userId="96bdf517-732e-4d81-a9c7-41d87206fa47" providerId="ADAL" clId="{58F8D4C3-BB60-4398-B156-8B23F19159D9}" dt="2025-07-02T18:01:54.936" v="1235" actId="1076"/>
+          <ac:spMkLst>
+            <pc:docMk/>
+            <pc:sldMk cId="1788986694" sldId="263"/>
+            <ac:spMk id="25" creationId="{229389CF-DA46-B781-43B8-6E45DF8F6925}"/>
+          </ac:spMkLst>
+        </pc:spChg>
+        <pc:spChg chg="add mod">
+          <ac:chgData name="Luis Miguel Gómez Del Cueto" userId="96bdf517-732e-4d81-a9c7-41d87206fa47" providerId="ADAL" clId="{58F8D4C3-BB60-4398-B156-8B23F19159D9}" dt="2025-07-02T18:02:14.539" v="1240" actId="1076"/>
+          <ac:spMkLst>
+            <pc:docMk/>
+            <pc:sldMk cId="1788986694" sldId="263"/>
+            <ac:spMk id="26" creationId="{DA6C55E9-4F3D-CA37-8870-34B32D1128E4}"/>
+          </ac:spMkLst>
+        </pc:spChg>
+        <pc:spChg chg="add mod">
+          <ac:chgData name="Luis Miguel Gómez Del Cueto" userId="96bdf517-732e-4d81-a9c7-41d87206fa47" providerId="ADAL" clId="{58F8D4C3-BB60-4398-B156-8B23F19159D9}" dt="2025-07-02T18:02:22.976" v="1242" actId="1076"/>
+          <ac:spMkLst>
+            <pc:docMk/>
+            <pc:sldMk cId="1788986694" sldId="263"/>
+            <ac:spMk id="27" creationId="{6AC78674-8F7F-5135-9C2B-8AA54B7E32D7}"/>
+          </ac:spMkLst>
+        </pc:spChg>
+        <pc:cxnChg chg="add mod">
+          <ac:chgData name="Luis Miguel Gómez Del Cueto" userId="96bdf517-732e-4d81-a9c7-41d87206fa47" providerId="ADAL" clId="{58F8D4C3-BB60-4398-B156-8B23F19159D9}" dt="2025-07-02T18:00:16.904" v="1211" actId="14100"/>
+          <ac:cxnSpMkLst>
+            <pc:docMk/>
+            <pc:sldMk cId="1788986694" sldId="263"/>
+            <ac:cxnSpMk id="7" creationId="{F358B1D8-D0C2-63F2-4D32-C0679F978EFE}"/>
+          </ac:cxnSpMkLst>
+        </pc:cxnChg>
+        <pc:cxnChg chg="add mod">
+          <ac:chgData name="Luis Miguel Gómez Del Cueto" userId="96bdf517-732e-4d81-a9c7-41d87206fa47" providerId="ADAL" clId="{58F8D4C3-BB60-4398-B156-8B23F19159D9}" dt="2025-07-02T18:00:19.553" v="1212" actId="14100"/>
+          <ac:cxnSpMkLst>
+            <pc:docMk/>
+            <pc:sldMk cId="1788986694" sldId="263"/>
+            <ac:cxnSpMk id="8" creationId="{AD6A208C-5ED2-F5A8-C108-E314943A90C4}"/>
+          </ac:cxnSpMkLst>
+        </pc:cxnChg>
+        <pc:cxnChg chg="add mod">
+          <ac:chgData name="Luis Miguel Gómez Del Cueto" userId="96bdf517-732e-4d81-a9c7-41d87206fa47" providerId="ADAL" clId="{58F8D4C3-BB60-4398-B156-8B23F19159D9}" dt="2025-07-02T17:59:58.262" v="1206" actId="17032"/>
+          <ac:cxnSpMkLst>
+            <pc:docMk/>
+            <pc:sldMk cId="1788986694" sldId="263"/>
+            <ac:cxnSpMk id="12" creationId="{9D89D405-3D64-C0FE-684E-28D9BA91F7BE}"/>
+          </ac:cxnSpMkLst>
+        </pc:cxnChg>
+        <pc:cxnChg chg="add mod">
+          <ac:chgData name="Luis Miguel Gómez Del Cueto" userId="96bdf517-732e-4d81-a9c7-41d87206fa47" providerId="ADAL" clId="{58F8D4C3-BB60-4398-B156-8B23F19159D9}" dt="2025-07-02T18:00:02.319" v="1208" actId="1076"/>
+          <ac:cxnSpMkLst>
+            <pc:docMk/>
+            <pc:sldMk cId="1788986694" sldId="263"/>
+            <ac:cxnSpMk id="14" creationId="{33394CDB-1B18-CC62-B60F-EEAE3B3AE290}"/>
+          </ac:cxnSpMkLst>
+        </pc:cxnChg>
+        <pc:cxnChg chg="add mod">
+          <ac:chgData name="Luis Miguel Gómez Del Cueto" userId="96bdf517-732e-4d81-a9c7-41d87206fa47" providerId="ADAL" clId="{58F8D4C3-BB60-4398-B156-8B23F19159D9}" dt="2025-07-02T18:00:49.419" v="1225" actId="1076"/>
+          <ac:cxnSpMkLst>
+            <pc:docMk/>
+            <pc:sldMk cId="1788986694" sldId="263"/>
+            <ac:cxnSpMk id="15" creationId="{1134F9D7-706E-3293-C5AB-820B24232E6F}"/>
+          </ac:cxnSpMkLst>
+        </pc:cxnChg>
+        <pc:cxnChg chg="add mod">
+          <ac:chgData name="Luis Miguel Gómez Del Cueto" userId="96bdf517-732e-4d81-a9c7-41d87206fa47" providerId="ADAL" clId="{58F8D4C3-BB60-4398-B156-8B23F19159D9}" dt="2025-07-02T18:00:34.906" v="1219" actId="1076"/>
+          <ac:cxnSpMkLst>
+            <pc:docMk/>
+            <pc:sldMk cId="1788986694" sldId="263"/>
+            <ac:cxnSpMk id="18" creationId="{10EDA1CC-1631-13B0-6398-CCBE73A11CF7}"/>
+          </ac:cxnSpMkLst>
+        </pc:cxnChg>
+        <pc:cxnChg chg="add mod">
+          <ac:chgData name="Luis Miguel Gómez Del Cueto" userId="96bdf517-732e-4d81-a9c7-41d87206fa47" providerId="ADAL" clId="{58F8D4C3-BB60-4398-B156-8B23F19159D9}" dt="2025-07-02T18:00:42.375" v="1221" actId="1076"/>
+          <ac:cxnSpMkLst>
+            <pc:docMk/>
+            <pc:sldMk cId="1788986694" sldId="263"/>
+            <ac:cxnSpMk id="22" creationId="{4A88A16F-840A-D6F4-2763-F6D4BC49F7FD}"/>
+          </ac:cxnSpMkLst>
+        </pc:cxnChg>
+        <pc:cxnChg chg="add mod">
+          <ac:chgData name="Luis Miguel Gómez Del Cueto" userId="96bdf517-732e-4d81-a9c7-41d87206fa47" providerId="ADAL" clId="{58F8D4C3-BB60-4398-B156-8B23F19159D9}" dt="2025-07-02T18:00:47.391" v="1224" actId="1076"/>
+          <ac:cxnSpMkLst>
+            <pc:docMk/>
+            <pc:sldMk cId="1788986694" sldId="263"/>
+            <ac:cxnSpMk id="23" creationId="{A8C57162-E719-D3F2-5748-4431EBF2B822}"/>
+          </ac:cxnSpMkLst>
+        </pc:cxnChg>
+      </pc:sldChg>
+    </pc:docChg>
+  </pc:docChgLst>
+</pc:chgInfo>
 </file>
 
 <file path=ppt/slideLayouts/slideLayout1.xml><?xml version="1.0" encoding="utf-8"?>
@@ -254,7 +969,7 @@
           <a:p>
             <a:fld id="{B99DB88A-C987-4AC3-8C06-29AFE2914EB7}" type="datetimeFigureOut">
               <a:rPr lang="es-ES" smtClean="0"/>
-              <a:t>28/05/2025</a:t>
+              <a:t>02/07/2025</a:t>
             </a:fld>
             <a:endParaRPr lang="es-ES"/>
           </a:p>
@@ -452,7 +1167,7 @@
           <a:p>
             <a:fld id="{B99DB88A-C987-4AC3-8C06-29AFE2914EB7}" type="datetimeFigureOut">
               <a:rPr lang="es-ES" smtClean="0"/>
-              <a:t>28/05/2025</a:t>
+              <a:t>02/07/2025</a:t>
             </a:fld>
             <a:endParaRPr lang="es-ES"/>
           </a:p>
@@ -660,7 +1375,7 @@
           <a:p>
             <a:fld id="{B99DB88A-C987-4AC3-8C06-29AFE2914EB7}" type="datetimeFigureOut">
               <a:rPr lang="es-ES" smtClean="0"/>
-              <a:t>28/05/2025</a:t>
+              <a:t>02/07/2025</a:t>
             </a:fld>
             <a:endParaRPr lang="es-ES"/>
           </a:p>
@@ -858,7 +1573,7 @@
           <a:p>
             <a:fld id="{B99DB88A-C987-4AC3-8C06-29AFE2914EB7}" type="datetimeFigureOut">
               <a:rPr lang="es-ES" smtClean="0"/>
-              <a:t>28/05/2025</a:t>
+              <a:t>02/07/2025</a:t>
             </a:fld>
             <a:endParaRPr lang="es-ES"/>
           </a:p>
@@ -1133,7 +1848,7 @@
           <a:p>
             <a:fld id="{B99DB88A-C987-4AC3-8C06-29AFE2914EB7}" type="datetimeFigureOut">
               <a:rPr lang="es-ES" smtClean="0"/>
-              <a:t>28/05/2025</a:t>
+              <a:t>02/07/2025</a:t>
             </a:fld>
             <a:endParaRPr lang="es-ES"/>
           </a:p>
@@ -1398,7 +2113,7 @@
           <a:p>
             <a:fld id="{B99DB88A-C987-4AC3-8C06-29AFE2914EB7}" type="datetimeFigureOut">
               <a:rPr lang="es-ES" smtClean="0"/>
-              <a:t>28/05/2025</a:t>
+              <a:t>02/07/2025</a:t>
             </a:fld>
             <a:endParaRPr lang="es-ES"/>
           </a:p>
@@ -1810,7 +2525,7 @@
           <a:p>
             <a:fld id="{B99DB88A-C987-4AC3-8C06-29AFE2914EB7}" type="datetimeFigureOut">
               <a:rPr lang="es-ES" smtClean="0"/>
-              <a:t>28/05/2025</a:t>
+              <a:t>02/07/2025</a:t>
             </a:fld>
             <a:endParaRPr lang="es-ES"/>
           </a:p>
@@ -1951,7 +2666,7 @@
           <a:p>
             <a:fld id="{B99DB88A-C987-4AC3-8C06-29AFE2914EB7}" type="datetimeFigureOut">
               <a:rPr lang="es-ES" smtClean="0"/>
-              <a:t>28/05/2025</a:t>
+              <a:t>02/07/2025</a:t>
             </a:fld>
             <a:endParaRPr lang="es-ES"/>
           </a:p>
@@ -2064,7 +2779,7 @@
           <a:p>
             <a:fld id="{B99DB88A-C987-4AC3-8C06-29AFE2914EB7}" type="datetimeFigureOut">
               <a:rPr lang="es-ES" smtClean="0"/>
-              <a:t>28/05/2025</a:t>
+              <a:t>02/07/2025</a:t>
             </a:fld>
             <a:endParaRPr lang="es-ES"/>
           </a:p>
@@ -2375,7 +3090,7 @@
           <a:p>
             <a:fld id="{B99DB88A-C987-4AC3-8C06-29AFE2914EB7}" type="datetimeFigureOut">
               <a:rPr lang="es-ES" smtClean="0"/>
-              <a:t>28/05/2025</a:t>
+              <a:t>02/07/2025</a:t>
             </a:fld>
             <a:endParaRPr lang="es-ES"/>
           </a:p>
@@ -2663,7 +3378,7 @@
           <a:p>
             <a:fld id="{B99DB88A-C987-4AC3-8C06-29AFE2914EB7}" type="datetimeFigureOut">
               <a:rPr lang="es-ES" smtClean="0"/>
-              <a:t>28/05/2025</a:t>
+              <a:t>02/07/2025</a:t>
             </a:fld>
             <a:endParaRPr lang="es-ES"/>
           </a:p>
@@ -2904,7 +3619,7 @@
           <a:p>
             <a:fld id="{B99DB88A-C987-4AC3-8C06-29AFE2914EB7}" type="datetimeFigureOut">
               <a:rPr lang="es-ES" smtClean="0"/>
-              <a:t>28/05/2025</a:t>
+              <a:t>02/07/2025</a:t>
             </a:fld>
             <a:endParaRPr lang="es-ES"/>
           </a:p>
@@ -3326,6 +4041,775 @@
           <p:cNvPr id="4" name="Rectángulo 3">
             <a:extLst>
               <a:ext uri="{FF2B5EF4-FFF2-40B4-BE49-F238E27FC236}">
+                <a16:creationId xmlns:a16="http://schemas.microsoft.com/office/drawing/2014/main" id="{00084F12-0741-7A56-84FC-6D6C24C1CF55}"/>
+              </a:ext>
+            </a:extLst>
+          </p:cNvPr>
+          <p:cNvSpPr/>
+          <p:nvPr/>
+        </p:nvSpPr>
+        <p:spPr>
+          <a:xfrm>
+            <a:off x="414068" y="181155"/>
+            <a:ext cx="11343736" cy="6495690"/>
+          </a:xfrm>
+          <a:prstGeom prst="rect">
+            <a:avLst/>
+          </a:prstGeom>
+        </p:spPr>
+        <p:style>
+          <a:lnRef idx="2">
+            <a:schemeClr val="dk1"/>
+          </a:lnRef>
+          <a:fillRef idx="1">
+            <a:schemeClr val="lt1"/>
+          </a:fillRef>
+          <a:effectRef idx="0">
+            <a:schemeClr val="dk1"/>
+          </a:effectRef>
+          <a:fontRef idx="minor">
+            <a:schemeClr val="dk1"/>
+          </a:fontRef>
+        </p:style>
+        <p:txBody>
+          <a:bodyPr rtlCol="0" anchor="ctr"/>
+          <a:lstStyle/>
+          <a:p>
+            <a:pPr algn="ctr"/>
+            <a:r>
+              <a:rPr lang="es-ES" dirty="0"/>
+              <a:t>A</a:t>
+            </a:r>
+          </a:p>
+        </p:txBody>
+      </p:sp>
+      <p:sp>
+        <p:nvSpPr>
+          <p:cNvPr id="6" name="Rectángulo 5">
+            <a:extLst>
+              <a:ext uri="{FF2B5EF4-FFF2-40B4-BE49-F238E27FC236}">
+                <a16:creationId xmlns:a16="http://schemas.microsoft.com/office/drawing/2014/main" id="{8B260266-C95F-C876-3A77-8DF92A6E12E2}"/>
+              </a:ext>
+            </a:extLst>
+          </p:cNvPr>
+          <p:cNvSpPr/>
+          <p:nvPr/>
+        </p:nvSpPr>
+        <p:spPr>
+          <a:xfrm>
+            <a:off x="9998015" y="293298"/>
+            <a:ext cx="1618889" cy="534838"/>
+          </a:xfrm>
+          <a:prstGeom prst="rect">
+            <a:avLst/>
+          </a:prstGeom>
+        </p:spPr>
+        <p:style>
+          <a:lnRef idx="2">
+            <a:schemeClr val="dk1"/>
+          </a:lnRef>
+          <a:fillRef idx="1">
+            <a:schemeClr val="lt1"/>
+          </a:fillRef>
+          <a:effectRef idx="0">
+            <a:schemeClr val="dk1"/>
+          </a:effectRef>
+          <a:fontRef idx="minor">
+            <a:schemeClr val="dk1"/>
+          </a:fontRef>
+        </p:style>
+        <p:txBody>
+          <a:bodyPr rtlCol="0" anchor="ctr"/>
+          <a:lstStyle/>
+          <a:p>
+            <a:pPr algn="ctr"/>
+            <a:r>
+              <a:rPr lang="es-ES" dirty="0"/>
+              <a:t>Modo C/O</a:t>
+            </a:r>
+          </a:p>
+        </p:txBody>
+      </p:sp>
+      <p:sp>
+        <p:nvSpPr>
+          <p:cNvPr id="8" name="Rectángulo 7">
+            <a:extLst>
+              <a:ext uri="{FF2B5EF4-FFF2-40B4-BE49-F238E27FC236}">
+                <a16:creationId xmlns:a16="http://schemas.microsoft.com/office/drawing/2014/main" id="{8CC5F6DA-9FB1-710A-24B5-BAE3FA9FF8C8}"/>
+              </a:ext>
+            </a:extLst>
+          </p:cNvPr>
+          <p:cNvSpPr/>
+          <p:nvPr/>
+        </p:nvSpPr>
+        <p:spPr>
+          <a:xfrm>
+            <a:off x="3157270" y="1377352"/>
+            <a:ext cx="1682149" cy="313426"/>
+          </a:xfrm>
+          <a:prstGeom prst="rect">
+            <a:avLst/>
+          </a:prstGeom>
+        </p:spPr>
+        <p:style>
+          <a:lnRef idx="2">
+            <a:schemeClr val="dk1"/>
+          </a:lnRef>
+          <a:fillRef idx="1">
+            <a:schemeClr val="lt1"/>
+          </a:fillRef>
+          <a:effectRef idx="0">
+            <a:schemeClr val="dk1"/>
+          </a:effectRef>
+          <a:fontRef idx="minor">
+            <a:schemeClr val="dk1"/>
+          </a:fontRef>
+        </p:style>
+        <p:txBody>
+          <a:bodyPr rtlCol="0" anchor="ctr"/>
+          <a:lstStyle/>
+          <a:p>
+            <a:pPr algn="ctr"/>
+            <a:r>
+              <a:rPr lang="es-ES" dirty="0"/>
+              <a:t>Tipo </a:t>
+            </a:r>
+            <a:r>
+              <a:rPr lang="es-ES" dirty="0" err="1"/>
+              <a:t>simbolo</a:t>
+            </a:r>
+            <a:endParaRPr lang="es-ES" dirty="0"/>
+          </a:p>
+        </p:txBody>
+      </p:sp>
+      <p:sp>
+        <p:nvSpPr>
+          <p:cNvPr id="9" name="Rectángulo 8">
+            <a:extLst>
+              <a:ext uri="{FF2B5EF4-FFF2-40B4-BE49-F238E27FC236}">
+                <a16:creationId xmlns:a16="http://schemas.microsoft.com/office/drawing/2014/main" id="{D6F2948A-D08A-67FF-3DB1-D98BF7AAD164}"/>
+              </a:ext>
+            </a:extLst>
+          </p:cNvPr>
+          <p:cNvSpPr/>
+          <p:nvPr/>
+        </p:nvSpPr>
+        <p:spPr>
+          <a:xfrm>
+            <a:off x="4977441" y="1377352"/>
+            <a:ext cx="1222076" cy="313426"/>
+          </a:xfrm>
+          <a:prstGeom prst="rect">
+            <a:avLst/>
+          </a:prstGeom>
+        </p:spPr>
+        <p:style>
+          <a:lnRef idx="2">
+            <a:schemeClr val="dk1"/>
+          </a:lnRef>
+          <a:fillRef idx="1">
+            <a:schemeClr val="lt1"/>
+          </a:fillRef>
+          <a:effectRef idx="0">
+            <a:schemeClr val="dk1"/>
+          </a:effectRef>
+          <a:fontRef idx="minor">
+            <a:schemeClr val="dk1"/>
+          </a:fontRef>
+        </p:style>
+        <p:txBody>
+          <a:bodyPr rtlCol="0" anchor="ctr"/>
+          <a:lstStyle/>
+          <a:p>
+            <a:pPr algn="ctr"/>
+            <a:r>
+              <a:rPr lang="es-ES" dirty="0"/>
+              <a:t>Símbolo</a:t>
+            </a:r>
+          </a:p>
+        </p:txBody>
+      </p:sp>
+      <p:sp>
+        <p:nvSpPr>
+          <p:cNvPr id="10" name="Rectángulo 9">
+            <a:extLst>
+              <a:ext uri="{FF2B5EF4-FFF2-40B4-BE49-F238E27FC236}">
+                <a16:creationId xmlns:a16="http://schemas.microsoft.com/office/drawing/2014/main" id="{7A029633-712C-A4C2-9A4A-C1F377F76541}"/>
+              </a:ext>
+            </a:extLst>
+          </p:cNvPr>
+          <p:cNvSpPr/>
+          <p:nvPr/>
+        </p:nvSpPr>
+        <p:spPr>
+          <a:xfrm>
+            <a:off x="6376358" y="1377352"/>
+            <a:ext cx="1222076" cy="313426"/>
+          </a:xfrm>
+          <a:prstGeom prst="rect">
+            <a:avLst/>
+          </a:prstGeom>
+        </p:spPr>
+        <p:style>
+          <a:lnRef idx="2">
+            <a:schemeClr val="dk1"/>
+          </a:lnRef>
+          <a:fillRef idx="1">
+            <a:schemeClr val="lt1"/>
+          </a:fillRef>
+          <a:effectRef idx="0">
+            <a:schemeClr val="dk1"/>
+          </a:effectRef>
+          <a:fontRef idx="minor">
+            <a:schemeClr val="dk1"/>
+          </a:fontRef>
+        </p:style>
+        <p:txBody>
+          <a:bodyPr rtlCol="0" anchor="ctr"/>
+          <a:lstStyle/>
+          <a:p>
+            <a:pPr algn="ctr"/>
+            <a:r>
+              <a:rPr lang="es-ES" dirty="0"/>
+              <a:t>Suscribir</a:t>
+            </a:r>
+          </a:p>
+        </p:txBody>
+      </p:sp>
+      <p:sp>
+        <p:nvSpPr>
+          <p:cNvPr id="11" name="Flecha: hacia abajo 10">
+            <a:extLst>
+              <a:ext uri="{FF2B5EF4-FFF2-40B4-BE49-F238E27FC236}">
+                <a16:creationId xmlns:a16="http://schemas.microsoft.com/office/drawing/2014/main" id="{015BDB61-E5F5-ED6A-A734-B2E4881D1246}"/>
+              </a:ext>
+            </a:extLst>
+          </p:cNvPr>
+          <p:cNvSpPr/>
+          <p:nvPr/>
+        </p:nvSpPr>
+        <p:spPr>
+          <a:xfrm>
+            <a:off x="4675516" y="1457865"/>
+            <a:ext cx="125083" cy="172528"/>
+          </a:xfrm>
+          <a:prstGeom prst="downArrow">
+            <a:avLst/>
+          </a:prstGeom>
+        </p:spPr>
+        <p:style>
+          <a:lnRef idx="2">
+            <a:schemeClr val="dk1"/>
+          </a:lnRef>
+          <a:fillRef idx="1">
+            <a:schemeClr val="lt1"/>
+          </a:fillRef>
+          <a:effectRef idx="0">
+            <a:schemeClr val="dk1"/>
+          </a:effectRef>
+          <a:fontRef idx="minor">
+            <a:schemeClr val="dk1"/>
+          </a:fontRef>
+        </p:style>
+        <p:txBody>
+          <a:bodyPr rtlCol="0" anchor="ctr"/>
+          <a:lstStyle/>
+          <a:p>
+            <a:pPr algn="ctr"/>
+            <a:endParaRPr lang="es-ES"/>
+          </a:p>
+        </p:txBody>
+      </p:sp>
+      <p:sp>
+        <p:nvSpPr>
+          <p:cNvPr id="13" name="Flecha: hacia abajo 12">
+            <a:extLst>
+              <a:ext uri="{FF2B5EF4-FFF2-40B4-BE49-F238E27FC236}">
+                <a16:creationId xmlns:a16="http://schemas.microsoft.com/office/drawing/2014/main" id="{0EB90EC1-8BDE-857C-1F02-346465B2223F}"/>
+              </a:ext>
+            </a:extLst>
+          </p:cNvPr>
+          <p:cNvSpPr/>
+          <p:nvPr/>
+        </p:nvSpPr>
+        <p:spPr>
+          <a:xfrm>
+            <a:off x="6023394" y="1457865"/>
+            <a:ext cx="125083" cy="172528"/>
+          </a:xfrm>
+          <a:prstGeom prst="downArrow">
+            <a:avLst/>
+          </a:prstGeom>
+        </p:spPr>
+        <p:style>
+          <a:lnRef idx="2">
+            <a:schemeClr val="dk1"/>
+          </a:lnRef>
+          <a:fillRef idx="1">
+            <a:schemeClr val="lt1"/>
+          </a:fillRef>
+          <a:effectRef idx="0">
+            <a:schemeClr val="dk1"/>
+          </a:effectRef>
+          <a:fontRef idx="minor">
+            <a:schemeClr val="dk1"/>
+          </a:fontRef>
+        </p:style>
+        <p:txBody>
+          <a:bodyPr rtlCol="0" anchor="ctr"/>
+          <a:lstStyle/>
+          <a:p>
+            <a:pPr algn="ctr"/>
+            <a:endParaRPr lang="es-ES"/>
+          </a:p>
+        </p:txBody>
+      </p:sp>
+      <p:sp>
+        <p:nvSpPr>
+          <p:cNvPr id="14" name="Rectángulo 13">
+            <a:extLst>
+              <a:ext uri="{FF2B5EF4-FFF2-40B4-BE49-F238E27FC236}">
+                <a16:creationId xmlns:a16="http://schemas.microsoft.com/office/drawing/2014/main" id="{6CE2219A-6AAF-4E6F-F15B-859C74871762}"/>
+              </a:ext>
+            </a:extLst>
+          </p:cNvPr>
+          <p:cNvSpPr/>
+          <p:nvPr/>
+        </p:nvSpPr>
+        <p:spPr>
+          <a:xfrm>
+            <a:off x="1061048" y="2363638"/>
+            <a:ext cx="2976113" cy="2027207"/>
+          </a:xfrm>
+          <a:prstGeom prst="rect">
+            <a:avLst/>
+          </a:prstGeom>
+        </p:spPr>
+        <p:style>
+          <a:lnRef idx="2">
+            <a:schemeClr val="dk1"/>
+          </a:lnRef>
+          <a:fillRef idx="1">
+            <a:schemeClr val="lt1"/>
+          </a:fillRef>
+          <a:effectRef idx="0">
+            <a:schemeClr val="dk1"/>
+          </a:effectRef>
+          <a:fontRef idx="minor">
+            <a:schemeClr val="dk1"/>
+          </a:fontRef>
+        </p:style>
+        <p:txBody>
+          <a:bodyPr rtlCol="0" anchor="ctr"/>
+          <a:lstStyle/>
+          <a:p>
+            <a:pPr algn="ctr"/>
+            <a:r>
+              <a:rPr lang="es-ES" dirty="0"/>
+              <a:t>Grafico 1</a:t>
+            </a:r>
+          </a:p>
+        </p:txBody>
+      </p:sp>
+      <p:sp>
+        <p:nvSpPr>
+          <p:cNvPr id="16" name="Rectángulo 15">
+            <a:extLst>
+              <a:ext uri="{FF2B5EF4-FFF2-40B4-BE49-F238E27FC236}">
+                <a16:creationId xmlns:a16="http://schemas.microsoft.com/office/drawing/2014/main" id="{A8708463-8CE9-6BCF-C7A6-386728B38916}"/>
+              </a:ext>
+            </a:extLst>
+          </p:cNvPr>
+          <p:cNvSpPr/>
+          <p:nvPr/>
+        </p:nvSpPr>
+        <p:spPr>
+          <a:xfrm>
+            <a:off x="4607943" y="2363638"/>
+            <a:ext cx="2976113" cy="2027207"/>
+          </a:xfrm>
+          <a:prstGeom prst="rect">
+            <a:avLst/>
+          </a:prstGeom>
+        </p:spPr>
+        <p:style>
+          <a:lnRef idx="2">
+            <a:schemeClr val="dk1"/>
+          </a:lnRef>
+          <a:fillRef idx="1">
+            <a:schemeClr val="lt1"/>
+          </a:fillRef>
+          <a:effectRef idx="0">
+            <a:schemeClr val="dk1"/>
+          </a:effectRef>
+          <a:fontRef idx="minor">
+            <a:schemeClr val="dk1"/>
+          </a:fontRef>
+        </p:style>
+        <p:txBody>
+          <a:bodyPr rtlCol="0" anchor="ctr"/>
+          <a:lstStyle/>
+          <a:p>
+            <a:pPr algn="ctr"/>
+            <a:r>
+              <a:rPr lang="es-ES" dirty="0"/>
+              <a:t>Grafico 2</a:t>
+            </a:r>
+          </a:p>
+        </p:txBody>
+      </p:sp>
+      <p:sp>
+        <p:nvSpPr>
+          <p:cNvPr id="17" name="Rectángulo 16">
+            <a:extLst>
+              <a:ext uri="{FF2B5EF4-FFF2-40B4-BE49-F238E27FC236}">
+                <a16:creationId xmlns:a16="http://schemas.microsoft.com/office/drawing/2014/main" id="{4A7ABBFA-DF11-61AF-E147-5DCB00843199}"/>
+              </a:ext>
+            </a:extLst>
+          </p:cNvPr>
+          <p:cNvSpPr/>
+          <p:nvPr/>
+        </p:nvSpPr>
+        <p:spPr>
+          <a:xfrm>
+            <a:off x="8154838" y="2363637"/>
+            <a:ext cx="2976113" cy="2027207"/>
+          </a:xfrm>
+          <a:prstGeom prst="rect">
+            <a:avLst/>
+          </a:prstGeom>
+        </p:spPr>
+        <p:style>
+          <a:lnRef idx="2">
+            <a:schemeClr val="dk1"/>
+          </a:lnRef>
+          <a:fillRef idx="1">
+            <a:schemeClr val="lt1"/>
+          </a:fillRef>
+          <a:effectRef idx="0">
+            <a:schemeClr val="dk1"/>
+          </a:effectRef>
+          <a:fontRef idx="minor">
+            <a:schemeClr val="dk1"/>
+          </a:fontRef>
+        </p:style>
+        <p:txBody>
+          <a:bodyPr rtlCol="0" anchor="ctr"/>
+          <a:lstStyle/>
+          <a:p>
+            <a:pPr algn="ctr"/>
+            <a:r>
+              <a:rPr lang="es-ES" dirty="0"/>
+              <a:t>Grafico 3</a:t>
+            </a:r>
+          </a:p>
+        </p:txBody>
+      </p:sp>
+      <p:sp>
+        <p:nvSpPr>
+          <p:cNvPr id="18" name="CuadroTexto 17">
+            <a:extLst>
+              <a:ext uri="{FF2B5EF4-FFF2-40B4-BE49-F238E27FC236}">
+                <a16:creationId xmlns:a16="http://schemas.microsoft.com/office/drawing/2014/main" id="{F1D45D5F-D2A4-C455-8729-660AEFA6E52F}"/>
+              </a:ext>
+            </a:extLst>
+          </p:cNvPr>
+          <p:cNvSpPr txBox="1"/>
+          <p:nvPr/>
+        </p:nvSpPr>
+        <p:spPr>
+          <a:xfrm>
+            <a:off x="629729" y="1994305"/>
+            <a:ext cx="1106393" cy="369332"/>
+          </a:xfrm>
+          <a:prstGeom prst="rect">
+            <a:avLst/>
+          </a:prstGeom>
+          <a:noFill/>
+        </p:spPr>
+        <p:txBody>
+          <a:bodyPr wrap="none" rtlCol="0">
+            <a:spAutoFit/>
+          </a:bodyPr>
+          <a:lstStyle/>
+          <a:p>
+            <a:r>
+              <a:rPr lang="es-ES" dirty="0"/>
+              <a:t>Acciones</a:t>
+            </a:r>
+          </a:p>
+        </p:txBody>
+      </p:sp>
+      <p:sp>
+        <p:nvSpPr>
+          <p:cNvPr id="19" name="CuadroTexto 18">
+            <a:extLst>
+              <a:ext uri="{FF2B5EF4-FFF2-40B4-BE49-F238E27FC236}">
+                <a16:creationId xmlns:a16="http://schemas.microsoft.com/office/drawing/2014/main" id="{C49D0943-0353-F746-8147-7967FE5126CC}"/>
+              </a:ext>
+            </a:extLst>
+          </p:cNvPr>
+          <p:cNvSpPr txBox="1"/>
+          <p:nvPr/>
+        </p:nvSpPr>
+        <p:spPr>
+          <a:xfrm>
+            <a:off x="629728" y="4494364"/>
+            <a:ext cx="1744837" cy="369332"/>
+          </a:xfrm>
+          <a:prstGeom prst="rect">
+            <a:avLst/>
+          </a:prstGeom>
+          <a:noFill/>
+        </p:spPr>
+        <p:txBody>
+          <a:bodyPr wrap="none" rtlCol="0">
+            <a:spAutoFit/>
+          </a:bodyPr>
+          <a:lstStyle/>
+          <a:p>
+            <a:r>
+              <a:rPr lang="es-ES" dirty="0"/>
+              <a:t>Criptomonedas</a:t>
+            </a:r>
+          </a:p>
+        </p:txBody>
+      </p:sp>
+      <p:sp>
+        <p:nvSpPr>
+          <p:cNvPr id="20" name="CuadroTexto 19">
+            <a:extLst>
+              <a:ext uri="{FF2B5EF4-FFF2-40B4-BE49-F238E27FC236}">
+                <a16:creationId xmlns:a16="http://schemas.microsoft.com/office/drawing/2014/main" id="{601F53D1-FBA5-174D-0C10-3FD915D49399}"/>
+              </a:ext>
+            </a:extLst>
+          </p:cNvPr>
+          <p:cNvSpPr txBox="1"/>
+          <p:nvPr/>
+        </p:nvSpPr>
+        <p:spPr>
+          <a:xfrm>
+            <a:off x="629728" y="5112753"/>
+            <a:ext cx="904415" cy="369332"/>
+          </a:xfrm>
+          <a:prstGeom prst="rect">
+            <a:avLst/>
+          </a:prstGeom>
+          <a:noFill/>
+        </p:spPr>
+        <p:txBody>
+          <a:bodyPr wrap="none" rtlCol="0">
+            <a:spAutoFit/>
+          </a:bodyPr>
+          <a:lstStyle/>
+          <a:p>
+            <a:r>
+              <a:rPr lang="es-ES" dirty="0"/>
+              <a:t>Divisas</a:t>
+            </a:r>
+          </a:p>
+        </p:txBody>
+      </p:sp>
+      <p:sp>
+        <p:nvSpPr>
+          <p:cNvPr id="21" name="CuadroTexto 20">
+            <a:extLst>
+              <a:ext uri="{FF2B5EF4-FFF2-40B4-BE49-F238E27FC236}">
+                <a16:creationId xmlns:a16="http://schemas.microsoft.com/office/drawing/2014/main" id="{7C437EA4-B6D8-D096-9AC3-5E07C99CD275}"/>
+              </a:ext>
+            </a:extLst>
+          </p:cNvPr>
+          <p:cNvSpPr txBox="1"/>
+          <p:nvPr/>
+        </p:nvSpPr>
+        <p:spPr>
+          <a:xfrm>
+            <a:off x="2288336" y="4799966"/>
+            <a:ext cx="381836" cy="369332"/>
+          </a:xfrm>
+          <a:prstGeom prst="rect">
+            <a:avLst/>
+          </a:prstGeom>
+          <a:noFill/>
+        </p:spPr>
+        <p:txBody>
+          <a:bodyPr wrap="none" rtlCol="0">
+            <a:spAutoFit/>
+          </a:bodyPr>
+          <a:lstStyle/>
+          <a:p>
+            <a:r>
+              <a:rPr lang="es-ES" dirty="0"/>
+              <a:t>…</a:t>
+            </a:r>
+          </a:p>
+        </p:txBody>
+      </p:sp>
+      <p:sp>
+        <p:nvSpPr>
+          <p:cNvPr id="22" name="CuadroTexto 21">
+            <a:extLst>
+              <a:ext uri="{FF2B5EF4-FFF2-40B4-BE49-F238E27FC236}">
+                <a16:creationId xmlns:a16="http://schemas.microsoft.com/office/drawing/2014/main" id="{E92AEC6E-EE8F-5DA0-7E68-8565FC1C2A52}"/>
+              </a:ext>
+            </a:extLst>
+          </p:cNvPr>
+          <p:cNvSpPr txBox="1"/>
+          <p:nvPr/>
+        </p:nvSpPr>
+        <p:spPr>
+          <a:xfrm>
+            <a:off x="2284740" y="5393753"/>
+            <a:ext cx="381836" cy="369332"/>
+          </a:xfrm>
+          <a:prstGeom prst="rect">
+            <a:avLst/>
+          </a:prstGeom>
+          <a:noFill/>
+        </p:spPr>
+        <p:txBody>
+          <a:bodyPr wrap="none" rtlCol="0">
+            <a:spAutoFit/>
+          </a:bodyPr>
+          <a:lstStyle/>
+          <a:p>
+            <a:r>
+              <a:rPr lang="es-ES" dirty="0"/>
+              <a:t>…</a:t>
+            </a:r>
+          </a:p>
+        </p:txBody>
+      </p:sp>
+      <p:sp>
+        <p:nvSpPr>
+          <p:cNvPr id="23" name="CuadroTexto 22">
+            <a:extLst>
+              <a:ext uri="{FF2B5EF4-FFF2-40B4-BE49-F238E27FC236}">
+                <a16:creationId xmlns:a16="http://schemas.microsoft.com/office/drawing/2014/main" id="{4FAD4DBE-BB73-62DA-35A1-AE66C2382261}"/>
+              </a:ext>
+            </a:extLst>
+          </p:cNvPr>
+          <p:cNvSpPr txBox="1"/>
+          <p:nvPr/>
+        </p:nvSpPr>
+        <p:spPr>
+          <a:xfrm>
+            <a:off x="575096" y="349066"/>
+            <a:ext cx="3509872" cy="369332"/>
+          </a:xfrm>
+          <a:prstGeom prst="rect">
+            <a:avLst/>
+          </a:prstGeom>
+          <a:noFill/>
+        </p:spPr>
+        <p:txBody>
+          <a:bodyPr wrap="none" rtlCol="0">
+            <a:spAutoFit/>
+          </a:bodyPr>
+          <a:lstStyle/>
+          <a:p>
+            <a:r>
+              <a:rPr lang="es-ES" dirty="0"/>
+              <a:t>Monitor de precios en tiempo real</a:t>
+            </a:r>
+          </a:p>
+        </p:txBody>
+      </p:sp>
+      <p:sp>
+        <p:nvSpPr>
+          <p:cNvPr id="24" name="Rectángulo 23">
+            <a:extLst>
+              <a:ext uri="{FF2B5EF4-FFF2-40B4-BE49-F238E27FC236}">
+                <a16:creationId xmlns:a16="http://schemas.microsoft.com/office/drawing/2014/main" id="{554D4806-33FE-7438-5248-DC78D088AD18}"/>
+              </a:ext>
+            </a:extLst>
+          </p:cNvPr>
+          <p:cNvSpPr/>
+          <p:nvPr/>
+        </p:nvSpPr>
+        <p:spPr>
+          <a:xfrm>
+            <a:off x="414068" y="5848350"/>
+            <a:ext cx="11343736" cy="828495"/>
+          </a:xfrm>
+          <a:prstGeom prst="rect">
+            <a:avLst/>
+          </a:prstGeom>
+          <a:solidFill>
+            <a:schemeClr val="dk1">
+              <a:alpha val="50000"/>
+            </a:schemeClr>
+          </a:solidFill>
+          <a:ln>
+            <a:noFill/>
+          </a:ln>
+        </p:spPr>
+        <p:style>
+          <a:lnRef idx="0">
+            <a:scrgbClr r="0" g="0" b="0"/>
+          </a:lnRef>
+          <a:fillRef idx="0">
+            <a:scrgbClr r="0" g="0" b="0"/>
+          </a:fillRef>
+          <a:effectRef idx="0">
+            <a:scrgbClr r="0" g="0" b="0"/>
+          </a:effectRef>
+          <a:fontRef idx="minor">
+            <a:schemeClr val="lt1"/>
+          </a:fontRef>
+        </p:style>
+        <p:txBody>
+          <a:bodyPr rtlCol="0" anchor="ctr"/>
+          <a:lstStyle/>
+          <a:p>
+            <a:pPr algn="ctr"/>
+            <a:r>
+              <a:rPr lang="es-ES" dirty="0"/>
+              <a:t>Consola </a:t>
+            </a:r>
+            <a:r>
+              <a:rPr lang="es-ES" dirty="0" err="1"/>
+              <a:t>Websocket</a:t>
+            </a:r>
+            <a:endParaRPr lang="es-ES" dirty="0"/>
+          </a:p>
+        </p:txBody>
+      </p:sp>
+    </p:spTree>
+    <p:extLst>
+      <p:ext uri="{BB962C8B-B14F-4D97-AF65-F5344CB8AC3E}">
+        <p14:creationId xmlns:p14="http://schemas.microsoft.com/office/powerpoint/2010/main" val="850494225"/>
+      </p:ext>
+    </p:extLst>
+  </p:cSld>
+  <p:clrMapOvr>
+    <a:masterClrMapping/>
+  </p:clrMapOvr>
+</p:sld>
+</file>
+
+<file path=ppt/slides/slide2.xml><?xml version="1.0" encoding="utf-8"?>
+<p:sld xmlns:a="http://schemas.openxmlformats.org/drawingml/2006/main" xmlns:r="http://schemas.openxmlformats.org/officeDocument/2006/relationships" xmlns:p="http://schemas.openxmlformats.org/presentationml/2006/main">
+  <p:cSld>
+    <p:spTree>
+      <p:nvGrpSpPr>
+        <p:cNvPr id="1" name=""/>
+        <p:cNvGrpSpPr/>
+        <p:nvPr/>
+      </p:nvGrpSpPr>
+      <p:grpSpPr>
+        <a:xfrm>
+          <a:off x="0" y="0"/>
+          <a:ext cx="0" cy="0"/>
+          <a:chOff x="0" y="0"/>
+          <a:chExt cx="0" cy="0"/>
+        </a:xfrm>
+      </p:grpSpPr>
+      <p:sp>
+        <p:nvSpPr>
+          <p:cNvPr id="4" name="Rectángulo 3">
+            <a:extLst>
+              <a:ext uri="{FF2B5EF4-FFF2-40B4-BE49-F238E27FC236}">
                 <a16:creationId xmlns:a16="http://schemas.microsoft.com/office/drawing/2014/main" id="{20314B54-B2D4-22CE-D29D-1F86948215A3}"/>
               </a:ext>
             </a:extLst>
@@ -4703,6 +6187,2280 @@
     <p:extLst>
       <p:ext uri="{BB962C8B-B14F-4D97-AF65-F5344CB8AC3E}">
         <p14:creationId xmlns:p14="http://schemas.microsoft.com/office/powerpoint/2010/main" val="3250446358"/>
+      </p:ext>
+    </p:extLst>
+  </p:cSld>
+  <p:clrMapOvr>
+    <a:masterClrMapping/>
+  </p:clrMapOvr>
+</p:sld>
+</file>
+
+<file path=ppt/slides/slide3.xml><?xml version="1.0" encoding="utf-8"?>
+<p:sld xmlns:a="http://schemas.openxmlformats.org/drawingml/2006/main" xmlns:r="http://schemas.openxmlformats.org/officeDocument/2006/relationships" xmlns:p="http://schemas.openxmlformats.org/presentationml/2006/main">
+  <p:cSld>
+    <p:spTree>
+      <p:nvGrpSpPr>
+        <p:cNvPr id="1" name=""/>
+        <p:cNvGrpSpPr/>
+        <p:nvPr/>
+      </p:nvGrpSpPr>
+      <p:grpSpPr>
+        <a:xfrm>
+          <a:off x="0" y="0"/>
+          <a:ext cx="0" cy="0"/>
+          <a:chOff x="0" y="0"/>
+          <a:chExt cx="0" cy="0"/>
+        </a:xfrm>
+      </p:grpSpPr>
+      <p:sp>
+        <p:nvSpPr>
+          <p:cNvPr id="83" name="Rectángulo 82">
+            <a:extLst>
+              <a:ext uri="{FF2B5EF4-FFF2-40B4-BE49-F238E27FC236}">
+                <a16:creationId xmlns:a16="http://schemas.microsoft.com/office/drawing/2014/main" id="{98D95C48-C3F1-B033-7186-D489828F5E5E}"/>
+              </a:ext>
+            </a:extLst>
+          </p:cNvPr>
+          <p:cNvSpPr/>
+          <p:nvPr/>
+        </p:nvSpPr>
+        <p:spPr>
+          <a:xfrm>
+            <a:off x="1501504" y="358140"/>
+            <a:ext cx="9113520" cy="5745480"/>
+          </a:xfrm>
+          <a:prstGeom prst="rect">
+            <a:avLst/>
+          </a:prstGeom>
+        </p:spPr>
+        <p:style>
+          <a:lnRef idx="2">
+            <a:schemeClr val="dk1"/>
+          </a:lnRef>
+          <a:fillRef idx="1">
+            <a:schemeClr val="lt1"/>
+          </a:fillRef>
+          <a:effectRef idx="0">
+            <a:schemeClr val="dk1"/>
+          </a:effectRef>
+          <a:fontRef idx="minor">
+            <a:schemeClr val="dk1"/>
+          </a:fontRef>
+        </p:style>
+        <p:txBody>
+          <a:bodyPr rtlCol="0" anchor="ctr"/>
+          <a:lstStyle/>
+          <a:p>
+            <a:pPr algn="ctr"/>
+            <a:endParaRPr lang="es-ES"/>
+          </a:p>
+        </p:txBody>
+      </p:sp>
+      <p:pic>
+        <p:nvPicPr>
+          <p:cNvPr id="38" name="Imagen 37">
+            <a:extLst>
+              <a:ext uri="{FF2B5EF4-FFF2-40B4-BE49-F238E27FC236}">
+                <a16:creationId xmlns:a16="http://schemas.microsoft.com/office/drawing/2014/main" id="{40337578-3404-2190-4CDE-A447ED7A480F}"/>
+              </a:ext>
+            </a:extLst>
+          </p:cNvPr>
+          <p:cNvPicPr>
+            <a:picLocks noChangeAspect="1"/>
+          </p:cNvPicPr>
+          <p:nvPr/>
+        </p:nvPicPr>
+        <p:blipFill>
+          <a:blip r:embed="rId2"/>
+          <a:srcRect l="2784" t="3737" r="1627"/>
+          <a:stretch>
+            <a:fillRect/>
+          </a:stretch>
+        </p:blipFill>
+        <p:spPr>
+          <a:xfrm>
+            <a:off x="1616703" y="802446"/>
+            <a:ext cx="524782" cy="327854"/>
+          </a:xfrm>
+          <a:prstGeom prst="rect">
+            <a:avLst/>
+          </a:prstGeom>
+        </p:spPr>
+      </p:pic>
+      <p:pic>
+        <p:nvPicPr>
+          <p:cNvPr id="40" name="Imagen 39">
+            <a:extLst>
+              <a:ext uri="{FF2B5EF4-FFF2-40B4-BE49-F238E27FC236}">
+                <a16:creationId xmlns:a16="http://schemas.microsoft.com/office/drawing/2014/main" id="{801D0628-94AB-2AC7-2697-B8B9193A635B}"/>
+              </a:ext>
+            </a:extLst>
+          </p:cNvPr>
+          <p:cNvPicPr>
+            <a:picLocks noChangeAspect="1"/>
+          </p:cNvPicPr>
+          <p:nvPr/>
+        </p:nvPicPr>
+        <p:blipFill>
+          <a:blip r:embed="rId3"/>
+          <a:srcRect l="507" t="1389" r="709" b="260"/>
+          <a:stretch>
+            <a:fillRect/>
+          </a:stretch>
+        </p:blipFill>
+        <p:spPr>
+          <a:xfrm>
+            <a:off x="7905526" y="802446"/>
+            <a:ext cx="2404193" cy="954584"/>
+          </a:xfrm>
+          <a:prstGeom prst="rect">
+            <a:avLst/>
+          </a:prstGeom>
+        </p:spPr>
+      </p:pic>
+      <p:pic>
+        <p:nvPicPr>
+          <p:cNvPr id="42" name="Imagen 41">
+            <a:extLst>
+              <a:ext uri="{FF2B5EF4-FFF2-40B4-BE49-F238E27FC236}">
+                <a16:creationId xmlns:a16="http://schemas.microsoft.com/office/drawing/2014/main" id="{7DA9FC7A-8327-A75A-B984-81CCB690F922}"/>
+              </a:ext>
+            </a:extLst>
+          </p:cNvPr>
+          <p:cNvPicPr>
+            <a:picLocks noChangeAspect="1"/>
+          </p:cNvPicPr>
+          <p:nvPr/>
+        </p:nvPicPr>
+        <p:blipFill>
+          <a:blip r:embed="rId4"/>
+          <a:srcRect t="2244" r="823" b="1497"/>
+          <a:stretch>
+            <a:fillRect/>
+          </a:stretch>
+        </p:blipFill>
+        <p:spPr>
+          <a:xfrm>
+            <a:off x="7905526" y="3464209"/>
+            <a:ext cx="2308578" cy="544896"/>
+          </a:xfrm>
+          <a:prstGeom prst="rect">
+            <a:avLst/>
+          </a:prstGeom>
+        </p:spPr>
+      </p:pic>
+      <p:pic>
+        <p:nvPicPr>
+          <p:cNvPr id="44" name="Imagen 43">
+            <a:extLst>
+              <a:ext uri="{FF2B5EF4-FFF2-40B4-BE49-F238E27FC236}">
+                <a16:creationId xmlns:a16="http://schemas.microsoft.com/office/drawing/2014/main" id="{1040D040-4F8D-4AC0-C995-948F04577FF6}"/>
+              </a:ext>
+            </a:extLst>
+          </p:cNvPr>
+          <p:cNvPicPr>
+            <a:picLocks noChangeAspect="1"/>
+          </p:cNvPicPr>
+          <p:nvPr/>
+        </p:nvPicPr>
+        <p:blipFill>
+          <a:blip r:embed="rId5"/>
+          <a:srcRect l="335" t="1748" r="943" b="1748"/>
+          <a:stretch>
+            <a:fillRect/>
+          </a:stretch>
+        </p:blipFill>
+        <p:spPr>
+          <a:xfrm>
+            <a:off x="3578586" y="3464209"/>
+            <a:ext cx="2936210" cy="875448"/>
+          </a:xfrm>
+          <a:prstGeom prst="rect">
+            <a:avLst/>
+          </a:prstGeom>
+        </p:spPr>
+      </p:pic>
+      <p:pic>
+        <p:nvPicPr>
+          <p:cNvPr id="46" name="Imagen 45">
+            <a:extLst>
+              <a:ext uri="{FF2B5EF4-FFF2-40B4-BE49-F238E27FC236}">
+                <a16:creationId xmlns:a16="http://schemas.microsoft.com/office/drawing/2014/main" id="{FC2053A6-AF54-2382-0951-C9D154AD2190}"/>
+              </a:ext>
+            </a:extLst>
+          </p:cNvPr>
+          <p:cNvPicPr>
+            <a:picLocks noChangeAspect="1"/>
+          </p:cNvPicPr>
+          <p:nvPr/>
+        </p:nvPicPr>
+        <p:blipFill>
+          <a:blip r:embed="rId6"/>
+          <a:srcRect l="1251" t="2334" r="2245"/>
+          <a:stretch>
+            <a:fillRect/>
+          </a:stretch>
+        </p:blipFill>
+        <p:spPr>
+          <a:xfrm>
+            <a:off x="7905526" y="5038072"/>
+            <a:ext cx="1619385" cy="625499"/>
+          </a:xfrm>
+          <a:prstGeom prst="rect">
+            <a:avLst/>
+          </a:prstGeom>
+        </p:spPr>
+      </p:pic>
+      <p:pic>
+        <p:nvPicPr>
+          <p:cNvPr id="48" name="Imagen 47">
+            <a:extLst>
+              <a:ext uri="{FF2B5EF4-FFF2-40B4-BE49-F238E27FC236}">
+                <a16:creationId xmlns:a16="http://schemas.microsoft.com/office/drawing/2014/main" id="{19979601-4F16-CDAC-DAB3-605CA7CAFBCB}"/>
+              </a:ext>
+            </a:extLst>
+          </p:cNvPr>
+          <p:cNvPicPr>
+            <a:picLocks noChangeAspect="1"/>
+          </p:cNvPicPr>
+          <p:nvPr/>
+        </p:nvPicPr>
+        <p:blipFill>
+          <a:blip r:embed="rId7"/>
+          <a:srcRect l="945" t="1620" r="1233" b="2157"/>
+          <a:stretch>
+            <a:fillRect/>
+          </a:stretch>
+        </p:blipFill>
+        <p:spPr>
+          <a:xfrm>
+            <a:off x="4120457" y="5038072"/>
+            <a:ext cx="1852467" cy="978147"/>
+          </a:xfrm>
+          <a:prstGeom prst="rect">
+            <a:avLst/>
+          </a:prstGeom>
+        </p:spPr>
+      </p:pic>
+      <p:pic>
+        <p:nvPicPr>
+          <p:cNvPr id="50" name="Imagen 49">
+            <a:extLst>
+              <a:ext uri="{FF2B5EF4-FFF2-40B4-BE49-F238E27FC236}">
+                <a16:creationId xmlns:a16="http://schemas.microsoft.com/office/drawing/2014/main" id="{FD602D85-1083-7D7E-3E12-199FCCCA1916}"/>
+              </a:ext>
+            </a:extLst>
+          </p:cNvPr>
+          <p:cNvPicPr>
+            <a:picLocks noChangeAspect="1"/>
+          </p:cNvPicPr>
+          <p:nvPr/>
+        </p:nvPicPr>
+        <p:blipFill>
+          <a:blip r:embed="rId8"/>
+          <a:srcRect l="1023" t="1503" r="811"/>
+          <a:stretch>
+            <a:fillRect/>
+          </a:stretch>
+        </p:blipFill>
+        <p:spPr>
+          <a:xfrm>
+            <a:off x="3080134" y="802446"/>
+            <a:ext cx="3933115" cy="1963348"/>
+          </a:xfrm>
+          <a:prstGeom prst="rect">
+            <a:avLst/>
+          </a:prstGeom>
+        </p:spPr>
+      </p:pic>
+      <p:cxnSp>
+        <p:nvCxnSpPr>
+          <p:cNvPr id="51" name="Conector recto de flecha 50">
+            <a:extLst>
+              <a:ext uri="{FF2B5EF4-FFF2-40B4-BE49-F238E27FC236}">
+                <a16:creationId xmlns:a16="http://schemas.microsoft.com/office/drawing/2014/main" id="{E0D4C07C-DC6C-1165-F178-46CA52791E14}"/>
+              </a:ext>
+            </a:extLst>
+          </p:cNvPr>
+          <p:cNvCxnSpPr>
+            <a:cxnSpLocks/>
+            <a:stCxn id="38" idx="3"/>
+          </p:cNvCxnSpPr>
+          <p:nvPr/>
+        </p:nvCxnSpPr>
+        <p:spPr>
+          <a:xfrm>
+            <a:off x="2141485" y="966373"/>
+            <a:ext cx="938649" cy="0"/>
+          </a:xfrm>
+          <a:prstGeom prst="straightConnector1">
+            <a:avLst/>
+          </a:prstGeom>
+          <a:ln w="6350">
+            <a:tailEnd type="triangle"/>
+          </a:ln>
+        </p:spPr>
+        <p:style>
+          <a:lnRef idx="2">
+            <a:schemeClr val="dk1"/>
+          </a:lnRef>
+          <a:fillRef idx="0">
+            <a:schemeClr val="dk1"/>
+          </a:fillRef>
+          <a:effectRef idx="1">
+            <a:schemeClr val="dk1"/>
+          </a:effectRef>
+          <a:fontRef idx="minor">
+            <a:schemeClr val="tx1"/>
+          </a:fontRef>
+        </p:style>
+      </p:cxnSp>
+      <p:cxnSp>
+        <p:nvCxnSpPr>
+          <p:cNvPr id="54" name="Conector recto de flecha 53">
+            <a:extLst>
+              <a:ext uri="{FF2B5EF4-FFF2-40B4-BE49-F238E27FC236}">
+                <a16:creationId xmlns:a16="http://schemas.microsoft.com/office/drawing/2014/main" id="{D8CAC67C-E211-F596-ACFD-C48D604FB626}"/>
+              </a:ext>
+            </a:extLst>
+          </p:cNvPr>
+          <p:cNvCxnSpPr>
+            <a:cxnSpLocks/>
+          </p:cNvCxnSpPr>
+          <p:nvPr/>
+        </p:nvCxnSpPr>
+        <p:spPr>
+          <a:xfrm>
+            <a:off x="7845372" y="980481"/>
+            <a:ext cx="64432" cy="0"/>
+          </a:xfrm>
+          <a:prstGeom prst="straightConnector1">
+            <a:avLst/>
+          </a:prstGeom>
+          <a:ln w="6350">
+            <a:tailEnd type="triangle"/>
+          </a:ln>
+        </p:spPr>
+        <p:style>
+          <a:lnRef idx="2">
+            <a:schemeClr val="dk1"/>
+          </a:lnRef>
+          <a:fillRef idx="0">
+            <a:schemeClr val="dk1"/>
+          </a:fillRef>
+          <a:effectRef idx="1">
+            <a:schemeClr val="dk1"/>
+          </a:effectRef>
+          <a:fontRef idx="minor">
+            <a:schemeClr val="tx1"/>
+          </a:fontRef>
+        </p:style>
+      </p:cxnSp>
+      <p:cxnSp>
+        <p:nvCxnSpPr>
+          <p:cNvPr id="57" name="Conector recto de flecha 56">
+            <a:extLst>
+              <a:ext uri="{FF2B5EF4-FFF2-40B4-BE49-F238E27FC236}">
+                <a16:creationId xmlns:a16="http://schemas.microsoft.com/office/drawing/2014/main" id="{73993357-9848-0BDF-A68D-4420E66CE448}"/>
+              </a:ext>
+            </a:extLst>
+          </p:cNvPr>
+          <p:cNvCxnSpPr>
+            <a:cxnSpLocks/>
+            <a:stCxn id="50" idx="2"/>
+            <a:endCxn id="44" idx="0"/>
+          </p:cNvCxnSpPr>
+          <p:nvPr/>
+        </p:nvCxnSpPr>
+        <p:spPr>
+          <a:xfrm flipH="1">
+            <a:off x="5046691" y="2765794"/>
+            <a:ext cx="1" cy="698415"/>
+          </a:xfrm>
+          <a:prstGeom prst="straightConnector1">
+            <a:avLst/>
+          </a:prstGeom>
+          <a:ln w="6350">
+            <a:tailEnd type="triangle"/>
+          </a:ln>
+        </p:spPr>
+        <p:style>
+          <a:lnRef idx="2">
+            <a:schemeClr val="dk1"/>
+          </a:lnRef>
+          <a:fillRef idx="0">
+            <a:schemeClr val="dk1"/>
+          </a:fillRef>
+          <a:effectRef idx="1">
+            <a:schemeClr val="dk1"/>
+          </a:effectRef>
+          <a:fontRef idx="minor">
+            <a:schemeClr val="tx1"/>
+          </a:fontRef>
+        </p:style>
+      </p:cxnSp>
+      <p:cxnSp>
+        <p:nvCxnSpPr>
+          <p:cNvPr id="60" name="Conector recto de flecha 59">
+            <a:extLst>
+              <a:ext uri="{FF2B5EF4-FFF2-40B4-BE49-F238E27FC236}">
+                <a16:creationId xmlns:a16="http://schemas.microsoft.com/office/drawing/2014/main" id="{997D8A96-BA5E-8F69-8D8C-62DDDC37D0F3}"/>
+              </a:ext>
+            </a:extLst>
+          </p:cNvPr>
+          <p:cNvCxnSpPr>
+            <a:cxnSpLocks/>
+            <a:stCxn id="44" idx="2"/>
+            <a:endCxn id="48" idx="0"/>
+          </p:cNvCxnSpPr>
+          <p:nvPr/>
+        </p:nvCxnSpPr>
+        <p:spPr>
+          <a:xfrm>
+            <a:off x="5046691" y="4339657"/>
+            <a:ext cx="0" cy="698415"/>
+          </a:xfrm>
+          <a:prstGeom prst="straightConnector1">
+            <a:avLst/>
+          </a:prstGeom>
+          <a:ln w="6350">
+            <a:tailEnd type="triangle"/>
+          </a:ln>
+        </p:spPr>
+        <p:style>
+          <a:lnRef idx="2">
+            <a:schemeClr val="dk1"/>
+          </a:lnRef>
+          <a:fillRef idx="0">
+            <a:schemeClr val="dk1"/>
+          </a:fillRef>
+          <a:effectRef idx="1">
+            <a:schemeClr val="dk1"/>
+          </a:effectRef>
+          <a:fontRef idx="minor">
+            <a:schemeClr val="tx1"/>
+          </a:fontRef>
+        </p:style>
+      </p:cxnSp>
+      <p:cxnSp>
+        <p:nvCxnSpPr>
+          <p:cNvPr id="63" name="Conector recto de flecha 62">
+            <a:extLst>
+              <a:ext uri="{FF2B5EF4-FFF2-40B4-BE49-F238E27FC236}">
+                <a16:creationId xmlns:a16="http://schemas.microsoft.com/office/drawing/2014/main" id="{776230F7-3345-EE2D-EDBC-F7F7EB5513AA}"/>
+              </a:ext>
+            </a:extLst>
+          </p:cNvPr>
+          <p:cNvCxnSpPr>
+            <a:cxnSpLocks/>
+          </p:cNvCxnSpPr>
+          <p:nvPr/>
+        </p:nvCxnSpPr>
+        <p:spPr>
+          <a:xfrm>
+            <a:off x="5972924" y="5128260"/>
+            <a:ext cx="1932602" cy="0"/>
+          </a:xfrm>
+          <a:prstGeom prst="straightConnector1">
+            <a:avLst/>
+          </a:prstGeom>
+          <a:ln w="6350">
+            <a:tailEnd type="triangle"/>
+          </a:ln>
+        </p:spPr>
+        <p:style>
+          <a:lnRef idx="2">
+            <a:schemeClr val="dk1"/>
+          </a:lnRef>
+          <a:fillRef idx="0">
+            <a:schemeClr val="dk1"/>
+          </a:fillRef>
+          <a:effectRef idx="1">
+            <a:schemeClr val="dk1"/>
+          </a:effectRef>
+          <a:fontRef idx="minor">
+            <a:schemeClr val="tx1"/>
+          </a:fontRef>
+        </p:style>
+      </p:cxnSp>
+      <p:cxnSp>
+        <p:nvCxnSpPr>
+          <p:cNvPr id="67" name="Conector recto de flecha 66">
+            <a:extLst>
+              <a:ext uri="{FF2B5EF4-FFF2-40B4-BE49-F238E27FC236}">
+                <a16:creationId xmlns:a16="http://schemas.microsoft.com/office/drawing/2014/main" id="{AE4DF54C-B94D-A65A-EFC0-BF96B5E88C85}"/>
+              </a:ext>
+            </a:extLst>
+          </p:cNvPr>
+          <p:cNvCxnSpPr>
+            <a:cxnSpLocks/>
+          </p:cNvCxnSpPr>
+          <p:nvPr/>
+        </p:nvCxnSpPr>
+        <p:spPr>
+          <a:xfrm>
+            <a:off x="6514796" y="3604260"/>
+            <a:ext cx="1390730" cy="0"/>
+          </a:xfrm>
+          <a:prstGeom prst="straightConnector1">
+            <a:avLst/>
+          </a:prstGeom>
+          <a:ln w="6350">
+            <a:tailEnd type="triangle"/>
+          </a:ln>
+        </p:spPr>
+        <p:style>
+          <a:lnRef idx="2">
+            <a:schemeClr val="dk1"/>
+          </a:lnRef>
+          <a:fillRef idx="0">
+            <a:schemeClr val="dk1"/>
+          </a:fillRef>
+          <a:effectRef idx="1">
+            <a:schemeClr val="dk1"/>
+          </a:effectRef>
+          <a:fontRef idx="minor">
+            <a:schemeClr val="tx1"/>
+          </a:fontRef>
+        </p:style>
+      </p:cxnSp>
+      <p:cxnSp>
+        <p:nvCxnSpPr>
+          <p:cNvPr id="72" name="Conector recto de flecha 71">
+            <a:extLst>
+              <a:ext uri="{FF2B5EF4-FFF2-40B4-BE49-F238E27FC236}">
+                <a16:creationId xmlns:a16="http://schemas.microsoft.com/office/drawing/2014/main" id="{6189B647-BA27-81A0-BF86-AEF6D724B633}"/>
+              </a:ext>
+            </a:extLst>
+          </p:cNvPr>
+          <p:cNvCxnSpPr>
+            <a:cxnSpLocks/>
+          </p:cNvCxnSpPr>
+          <p:nvPr/>
+        </p:nvCxnSpPr>
+        <p:spPr>
+          <a:xfrm>
+            <a:off x="10214104" y="3604260"/>
+            <a:ext cx="801841" cy="0"/>
+          </a:xfrm>
+          <a:prstGeom prst="straightConnector1">
+            <a:avLst/>
+          </a:prstGeom>
+          <a:ln w="6350">
+            <a:tailEnd type="triangle"/>
+          </a:ln>
+        </p:spPr>
+        <p:style>
+          <a:lnRef idx="2">
+            <a:schemeClr val="dk1"/>
+          </a:lnRef>
+          <a:fillRef idx="0">
+            <a:schemeClr val="dk1"/>
+          </a:fillRef>
+          <a:effectRef idx="1">
+            <a:schemeClr val="dk1"/>
+          </a:effectRef>
+          <a:fontRef idx="minor">
+            <a:schemeClr val="tx1"/>
+          </a:fontRef>
+        </p:style>
+      </p:cxnSp>
+      <p:sp>
+        <p:nvSpPr>
+          <p:cNvPr id="84" name="Rectángulo 83">
+            <a:extLst>
+              <a:ext uri="{FF2B5EF4-FFF2-40B4-BE49-F238E27FC236}">
+                <a16:creationId xmlns:a16="http://schemas.microsoft.com/office/drawing/2014/main" id="{21892F59-148A-6B9D-1AB5-148663A96643}"/>
+              </a:ext>
+            </a:extLst>
+          </p:cNvPr>
+          <p:cNvSpPr/>
+          <p:nvPr/>
+        </p:nvSpPr>
+        <p:spPr>
+          <a:xfrm>
+            <a:off x="1501504" y="358140"/>
+            <a:ext cx="419100" cy="274320"/>
+          </a:xfrm>
+          <a:prstGeom prst="rect">
+            <a:avLst/>
+          </a:prstGeom>
+        </p:spPr>
+        <p:style>
+          <a:lnRef idx="2">
+            <a:schemeClr val="dk1"/>
+          </a:lnRef>
+          <a:fillRef idx="1">
+            <a:schemeClr val="lt1"/>
+          </a:fillRef>
+          <a:effectRef idx="0">
+            <a:schemeClr val="dk1"/>
+          </a:effectRef>
+          <a:fontRef idx="minor">
+            <a:schemeClr val="dk1"/>
+          </a:fontRef>
+        </p:style>
+        <p:txBody>
+          <a:bodyPr rtlCol="0" anchor="ctr"/>
+          <a:lstStyle/>
+          <a:p>
+            <a:r>
+              <a:rPr lang="es-ES" sz="1100" b="1" dirty="0" err="1"/>
+              <a:t>Foo</a:t>
+            </a:r>
+            <a:endParaRPr lang="es-ES" b="1" dirty="0"/>
+          </a:p>
+        </p:txBody>
+      </p:sp>
+      <p:sp>
+        <p:nvSpPr>
+          <p:cNvPr id="87" name="CuadroTexto 86">
+            <a:extLst>
+              <a:ext uri="{FF2B5EF4-FFF2-40B4-BE49-F238E27FC236}">
+                <a16:creationId xmlns:a16="http://schemas.microsoft.com/office/drawing/2014/main" id="{080A3AC2-3C0D-5DA7-1AED-DAFC375C7B8D}"/>
+              </a:ext>
+            </a:extLst>
+          </p:cNvPr>
+          <p:cNvSpPr txBox="1"/>
+          <p:nvPr/>
+        </p:nvSpPr>
+        <p:spPr>
+          <a:xfrm>
+            <a:off x="2875061" y="829191"/>
+            <a:ext cx="150276" cy="184666"/>
+          </a:xfrm>
+          <a:prstGeom prst="rect">
+            <a:avLst/>
+          </a:prstGeom>
+          <a:noFill/>
+        </p:spPr>
+        <p:txBody>
+          <a:bodyPr wrap="square" rtlCol="0">
+            <a:spAutoFit/>
+          </a:bodyPr>
+          <a:lstStyle/>
+          <a:p>
+            <a:r>
+              <a:rPr lang="es-ES" sz="600" dirty="0"/>
+              <a:t>1</a:t>
+            </a:r>
+            <a:endParaRPr lang="es-ES" sz="800" dirty="0"/>
+          </a:p>
+        </p:txBody>
+      </p:sp>
+      <p:sp>
+        <p:nvSpPr>
+          <p:cNvPr id="88" name="CuadroTexto 87">
+            <a:extLst>
+              <a:ext uri="{FF2B5EF4-FFF2-40B4-BE49-F238E27FC236}">
+                <a16:creationId xmlns:a16="http://schemas.microsoft.com/office/drawing/2014/main" id="{C1C962AE-4B95-68E1-D815-84AFE0111696}"/>
+              </a:ext>
+            </a:extLst>
+          </p:cNvPr>
+          <p:cNvSpPr txBox="1"/>
+          <p:nvPr/>
+        </p:nvSpPr>
+        <p:spPr>
+          <a:xfrm>
+            <a:off x="5015460" y="3256683"/>
+            <a:ext cx="168214" cy="184666"/>
+          </a:xfrm>
+          <a:prstGeom prst="rect">
+            <a:avLst/>
+          </a:prstGeom>
+          <a:noFill/>
+        </p:spPr>
+        <p:txBody>
+          <a:bodyPr wrap="square" rtlCol="0">
+            <a:spAutoFit/>
+          </a:bodyPr>
+          <a:lstStyle/>
+          <a:p>
+            <a:r>
+              <a:rPr lang="es-ES" sz="600" dirty="0"/>
+              <a:t>1</a:t>
+            </a:r>
+            <a:endParaRPr lang="es-ES" sz="800" dirty="0"/>
+          </a:p>
+        </p:txBody>
+      </p:sp>
+      <p:sp>
+        <p:nvSpPr>
+          <p:cNvPr id="89" name="CuadroTexto 88">
+            <a:extLst>
+              <a:ext uri="{FF2B5EF4-FFF2-40B4-BE49-F238E27FC236}">
+                <a16:creationId xmlns:a16="http://schemas.microsoft.com/office/drawing/2014/main" id="{0D4105A3-8646-2CA6-3607-6A2453F8E26E}"/>
+              </a:ext>
+            </a:extLst>
+          </p:cNvPr>
+          <p:cNvSpPr txBox="1"/>
+          <p:nvPr/>
+        </p:nvSpPr>
+        <p:spPr>
+          <a:xfrm>
+            <a:off x="4988709" y="4853406"/>
+            <a:ext cx="221717" cy="184666"/>
+          </a:xfrm>
+          <a:prstGeom prst="rect">
+            <a:avLst/>
+          </a:prstGeom>
+          <a:noFill/>
+        </p:spPr>
+        <p:txBody>
+          <a:bodyPr wrap="square" rtlCol="0">
+            <a:spAutoFit/>
+          </a:bodyPr>
+          <a:lstStyle/>
+          <a:p>
+            <a:r>
+              <a:rPr lang="es-ES" sz="600" dirty="0"/>
+              <a:t>*</a:t>
+            </a:r>
+            <a:endParaRPr lang="es-ES" sz="800" dirty="0"/>
+          </a:p>
+        </p:txBody>
+      </p:sp>
+      <p:sp>
+        <p:nvSpPr>
+          <p:cNvPr id="90" name="CuadroTexto 89">
+            <a:extLst>
+              <a:ext uri="{FF2B5EF4-FFF2-40B4-BE49-F238E27FC236}">
+                <a16:creationId xmlns:a16="http://schemas.microsoft.com/office/drawing/2014/main" id="{3A2EFE0E-5BB6-3B71-E7A6-7DDB4BE23B14}"/>
+              </a:ext>
+            </a:extLst>
+          </p:cNvPr>
+          <p:cNvSpPr txBox="1"/>
+          <p:nvPr/>
+        </p:nvSpPr>
+        <p:spPr>
+          <a:xfrm>
+            <a:off x="7687333" y="4945739"/>
+            <a:ext cx="168214" cy="184666"/>
+          </a:xfrm>
+          <a:prstGeom prst="rect">
+            <a:avLst/>
+          </a:prstGeom>
+          <a:noFill/>
+        </p:spPr>
+        <p:txBody>
+          <a:bodyPr wrap="square" rtlCol="0">
+            <a:spAutoFit/>
+          </a:bodyPr>
+          <a:lstStyle/>
+          <a:p>
+            <a:r>
+              <a:rPr lang="es-ES" sz="600" dirty="0"/>
+              <a:t>1</a:t>
+            </a:r>
+            <a:endParaRPr lang="es-ES" sz="800" dirty="0"/>
+          </a:p>
+        </p:txBody>
+      </p:sp>
+      <p:sp>
+        <p:nvSpPr>
+          <p:cNvPr id="91" name="CuadroTexto 90">
+            <a:extLst>
+              <a:ext uri="{FF2B5EF4-FFF2-40B4-BE49-F238E27FC236}">
+                <a16:creationId xmlns:a16="http://schemas.microsoft.com/office/drawing/2014/main" id="{673B818A-1E36-2F89-D5A2-22FC85FBEAC4}"/>
+              </a:ext>
+            </a:extLst>
+          </p:cNvPr>
+          <p:cNvSpPr txBox="1"/>
+          <p:nvPr/>
+        </p:nvSpPr>
+        <p:spPr>
+          <a:xfrm>
+            <a:off x="7693965" y="3441349"/>
+            <a:ext cx="168214" cy="184666"/>
+          </a:xfrm>
+          <a:prstGeom prst="rect">
+            <a:avLst/>
+          </a:prstGeom>
+          <a:noFill/>
+        </p:spPr>
+        <p:txBody>
+          <a:bodyPr wrap="square" rtlCol="0">
+            <a:spAutoFit/>
+          </a:bodyPr>
+          <a:lstStyle/>
+          <a:p>
+            <a:r>
+              <a:rPr lang="es-ES" sz="600" dirty="0"/>
+              <a:t>1</a:t>
+            </a:r>
+            <a:endParaRPr lang="es-ES" sz="800" dirty="0"/>
+          </a:p>
+        </p:txBody>
+      </p:sp>
+      <p:sp>
+        <p:nvSpPr>
+          <p:cNvPr id="92" name="CuadroTexto 91">
+            <a:extLst>
+              <a:ext uri="{FF2B5EF4-FFF2-40B4-BE49-F238E27FC236}">
+                <a16:creationId xmlns:a16="http://schemas.microsoft.com/office/drawing/2014/main" id="{5CB830C3-20BF-982C-DA83-291C024D3195}"/>
+              </a:ext>
+            </a:extLst>
+          </p:cNvPr>
+          <p:cNvSpPr txBox="1"/>
+          <p:nvPr/>
+        </p:nvSpPr>
+        <p:spPr>
+          <a:xfrm>
+            <a:off x="7191434" y="845840"/>
+            <a:ext cx="535907" cy="184666"/>
+          </a:xfrm>
+          <a:prstGeom prst="rect">
+            <a:avLst/>
+          </a:prstGeom>
+          <a:noFill/>
+        </p:spPr>
+        <p:txBody>
+          <a:bodyPr wrap="square" rtlCol="0">
+            <a:spAutoFit/>
+          </a:bodyPr>
+          <a:lstStyle/>
+          <a:p>
+            <a:r>
+              <a:rPr lang="es-ES" sz="600" dirty="0"/>
+              <a:t>&lt;&lt;uses&gt;&gt;</a:t>
+            </a:r>
+            <a:endParaRPr lang="es-ES" sz="800" dirty="0"/>
+          </a:p>
+        </p:txBody>
+      </p:sp>
+      <p:cxnSp>
+        <p:nvCxnSpPr>
+          <p:cNvPr id="93" name="Conector recto de flecha 92">
+            <a:extLst>
+              <a:ext uri="{FF2B5EF4-FFF2-40B4-BE49-F238E27FC236}">
+                <a16:creationId xmlns:a16="http://schemas.microsoft.com/office/drawing/2014/main" id="{244FA1F0-1EF4-AD6F-D5B0-D4C649E7FDA8}"/>
+              </a:ext>
+            </a:extLst>
+          </p:cNvPr>
+          <p:cNvCxnSpPr>
+            <a:cxnSpLocks/>
+          </p:cNvCxnSpPr>
+          <p:nvPr/>
+        </p:nvCxnSpPr>
+        <p:spPr>
+          <a:xfrm>
+            <a:off x="7010461" y="980481"/>
+            <a:ext cx="892276" cy="0"/>
+          </a:xfrm>
+          <a:prstGeom prst="straightConnector1">
+            <a:avLst/>
+          </a:prstGeom>
+          <a:ln w="9525" cap="flat" cmpd="sng" algn="ctr">
+            <a:solidFill>
+              <a:schemeClr val="dk1"/>
+            </a:solidFill>
+            <a:prstDash val="dash"/>
+            <a:round/>
+            <a:headEnd type="none" w="med" len="med"/>
+            <a:tailEnd type="none" w="med" len="med"/>
+          </a:ln>
+        </p:spPr>
+        <p:style>
+          <a:lnRef idx="0">
+            <a:scrgbClr r="0" g="0" b="0"/>
+          </a:lnRef>
+          <a:fillRef idx="0">
+            <a:scrgbClr r="0" g="0" b="0"/>
+          </a:fillRef>
+          <a:effectRef idx="0">
+            <a:scrgbClr r="0" g="0" b="0"/>
+          </a:effectRef>
+          <a:fontRef idx="minor">
+            <a:schemeClr val="tx1"/>
+          </a:fontRef>
+        </p:style>
+      </p:cxnSp>
+      <p:sp>
+        <p:nvSpPr>
+          <p:cNvPr id="99" name="CuadroTexto 98">
+            <a:extLst>
+              <a:ext uri="{FF2B5EF4-FFF2-40B4-BE49-F238E27FC236}">
+                <a16:creationId xmlns:a16="http://schemas.microsoft.com/office/drawing/2014/main" id="{341F36A0-71A3-DD78-540A-7B46E85499FD}"/>
+              </a:ext>
+            </a:extLst>
+          </p:cNvPr>
+          <p:cNvSpPr txBox="1"/>
+          <p:nvPr/>
+        </p:nvSpPr>
+        <p:spPr>
+          <a:xfrm>
+            <a:off x="10808542" y="3448661"/>
+            <a:ext cx="168214" cy="184666"/>
+          </a:xfrm>
+          <a:prstGeom prst="rect">
+            <a:avLst/>
+          </a:prstGeom>
+          <a:noFill/>
+        </p:spPr>
+        <p:txBody>
+          <a:bodyPr wrap="square" rtlCol="0">
+            <a:spAutoFit/>
+          </a:bodyPr>
+          <a:lstStyle/>
+          <a:p>
+            <a:r>
+              <a:rPr lang="es-ES" sz="600" dirty="0"/>
+              <a:t>1</a:t>
+            </a:r>
+            <a:endParaRPr lang="es-ES" sz="800" dirty="0"/>
+          </a:p>
+        </p:txBody>
+      </p:sp>
+      <p:pic>
+        <p:nvPicPr>
+          <p:cNvPr id="101" name="Imagen 100">
+            <a:extLst>
+              <a:ext uri="{FF2B5EF4-FFF2-40B4-BE49-F238E27FC236}">
+                <a16:creationId xmlns:a16="http://schemas.microsoft.com/office/drawing/2014/main" id="{EE5D2F3E-4B84-B7E0-A822-26D74101FBE1}"/>
+              </a:ext>
+            </a:extLst>
+          </p:cNvPr>
+          <p:cNvPicPr>
+            <a:picLocks noChangeAspect="1"/>
+          </p:cNvPicPr>
+          <p:nvPr/>
+        </p:nvPicPr>
+        <p:blipFill>
+          <a:blip r:embed="rId9"/>
+          <a:srcRect l="2161" t="7958" r="1"/>
+          <a:stretch>
+            <a:fillRect/>
+          </a:stretch>
+        </p:blipFill>
+        <p:spPr>
+          <a:xfrm>
+            <a:off x="11015945" y="3464209"/>
+            <a:ext cx="924656" cy="288641"/>
+          </a:xfrm>
+          <a:prstGeom prst="rect">
+            <a:avLst/>
+          </a:prstGeom>
+        </p:spPr>
+      </p:pic>
+      <p:pic>
+        <p:nvPicPr>
+          <p:cNvPr id="103" name="Imagen 102">
+            <a:extLst>
+              <a:ext uri="{FF2B5EF4-FFF2-40B4-BE49-F238E27FC236}">
+                <a16:creationId xmlns:a16="http://schemas.microsoft.com/office/drawing/2014/main" id="{D7B4838F-8F1E-494A-9069-78B7DCE2827F}"/>
+              </a:ext>
+            </a:extLst>
+          </p:cNvPr>
+          <p:cNvPicPr>
+            <a:picLocks noChangeAspect="1"/>
+          </p:cNvPicPr>
+          <p:nvPr/>
+        </p:nvPicPr>
+        <p:blipFill>
+          <a:blip r:embed="rId10"/>
+          <a:srcRect/>
+          <a:stretch>
+            <a:fillRect/>
+          </a:stretch>
+        </p:blipFill>
+        <p:spPr>
+          <a:xfrm>
+            <a:off x="251399" y="1130300"/>
+            <a:ext cx="944800" cy="322504"/>
+          </a:xfrm>
+          <a:prstGeom prst="rect">
+            <a:avLst/>
+          </a:prstGeom>
+        </p:spPr>
+      </p:pic>
+      <p:cxnSp>
+        <p:nvCxnSpPr>
+          <p:cNvPr id="106" name="Conector recto de flecha 105">
+            <a:extLst>
+              <a:ext uri="{FF2B5EF4-FFF2-40B4-BE49-F238E27FC236}">
+                <a16:creationId xmlns:a16="http://schemas.microsoft.com/office/drawing/2014/main" id="{08A48604-BD2E-BD28-AE75-F15880560A3C}"/>
+              </a:ext>
+            </a:extLst>
+          </p:cNvPr>
+          <p:cNvCxnSpPr>
+            <a:cxnSpLocks/>
+            <a:endCxn id="103" idx="3"/>
+          </p:cNvCxnSpPr>
+          <p:nvPr/>
+        </p:nvCxnSpPr>
+        <p:spPr>
+          <a:xfrm flipH="1">
+            <a:off x="1196199" y="1291552"/>
+            <a:ext cx="1883935" cy="0"/>
+          </a:xfrm>
+          <a:prstGeom prst="straightConnector1">
+            <a:avLst/>
+          </a:prstGeom>
+          <a:ln w="6350">
+            <a:tailEnd type="triangle"/>
+          </a:ln>
+        </p:spPr>
+        <p:style>
+          <a:lnRef idx="2">
+            <a:schemeClr val="dk1"/>
+          </a:lnRef>
+          <a:fillRef idx="0">
+            <a:schemeClr val="dk1"/>
+          </a:fillRef>
+          <a:effectRef idx="1">
+            <a:schemeClr val="dk1"/>
+          </a:effectRef>
+          <a:fontRef idx="minor">
+            <a:schemeClr val="tx1"/>
+          </a:fontRef>
+        </p:style>
+      </p:cxnSp>
+      <p:sp>
+        <p:nvSpPr>
+          <p:cNvPr id="110" name="CuadroTexto 109">
+            <a:extLst>
+              <a:ext uri="{FF2B5EF4-FFF2-40B4-BE49-F238E27FC236}">
+                <a16:creationId xmlns:a16="http://schemas.microsoft.com/office/drawing/2014/main" id="{0C0D8CD4-9A8D-961E-4E67-F48F04818B24}"/>
+              </a:ext>
+            </a:extLst>
+          </p:cNvPr>
+          <p:cNvSpPr txBox="1"/>
+          <p:nvPr/>
+        </p:nvSpPr>
+        <p:spPr>
+          <a:xfrm>
+            <a:off x="1198575" y="1149350"/>
+            <a:ext cx="150276" cy="184666"/>
+          </a:xfrm>
+          <a:prstGeom prst="rect">
+            <a:avLst/>
+          </a:prstGeom>
+          <a:noFill/>
+        </p:spPr>
+        <p:txBody>
+          <a:bodyPr wrap="square" rtlCol="0">
+            <a:spAutoFit/>
+          </a:bodyPr>
+          <a:lstStyle/>
+          <a:p>
+            <a:r>
+              <a:rPr lang="es-ES" sz="600" dirty="0"/>
+              <a:t>*</a:t>
+            </a:r>
+            <a:endParaRPr lang="es-ES" sz="800" dirty="0"/>
+          </a:p>
+        </p:txBody>
+      </p:sp>
+    </p:spTree>
+    <p:extLst>
+      <p:ext uri="{BB962C8B-B14F-4D97-AF65-F5344CB8AC3E}">
+        <p14:creationId xmlns:p14="http://schemas.microsoft.com/office/powerpoint/2010/main" val="1168218258"/>
+      </p:ext>
+    </p:extLst>
+  </p:cSld>
+  <p:clrMapOvr>
+    <a:masterClrMapping/>
+  </p:clrMapOvr>
+</p:sld>
+</file>
+
+<file path=ppt/slides/slide4.xml><?xml version="1.0" encoding="utf-8"?>
+<p:sld xmlns:a="http://schemas.openxmlformats.org/drawingml/2006/main" xmlns:r="http://schemas.openxmlformats.org/officeDocument/2006/relationships" xmlns:p="http://schemas.openxmlformats.org/presentationml/2006/main">
+  <p:cSld>
+    <p:spTree>
+      <p:nvGrpSpPr>
+        <p:cNvPr id="1" name=""/>
+        <p:cNvGrpSpPr/>
+        <p:nvPr/>
+      </p:nvGrpSpPr>
+      <p:grpSpPr>
+        <a:xfrm>
+          <a:off x="0" y="0"/>
+          <a:ext cx="0" cy="0"/>
+          <a:chOff x="0" y="0"/>
+          <a:chExt cx="0" cy="0"/>
+        </a:xfrm>
+      </p:grpSpPr>
+      <p:sp>
+        <p:nvSpPr>
+          <p:cNvPr id="4" name="Rectángulo 3">
+            <a:extLst>
+              <a:ext uri="{FF2B5EF4-FFF2-40B4-BE49-F238E27FC236}">
+                <a16:creationId xmlns:a16="http://schemas.microsoft.com/office/drawing/2014/main" id="{E2E2B041-AEA1-4120-69E1-F7B5A31D3421}"/>
+              </a:ext>
+            </a:extLst>
+          </p:cNvPr>
+          <p:cNvSpPr/>
+          <p:nvPr/>
+        </p:nvSpPr>
+        <p:spPr>
+          <a:xfrm>
+            <a:off x="1819275" y="800100"/>
+            <a:ext cx="2417013" cy="1088366"/>
+          </a:xfrm>
+          <a:prstGeom prst="rect">
+            <a:avLst/>
+          </a:prstGeom>
+        </p:spPr>
+        <p:style>
+          <a:lnRef idx="2">
+            <a:schemeClr val="dk1"/>
+          </a:lnRef>
+          <a:fillRef idx="1">
+            <a:schemeClr val="lt1"/>
+          </a:fillRef>
+          <a:effectRef idx="0">
+            <a:schemeClr val="dk1"/>
+          </a:effectRef>
+          <a:fontRef idx="minor">
+            <a:schemeClr val="dk1"/>
+          </a:fontRef>
+        </p:style>
+        <p:txBody>
+          <a:bodyPr rtlCol="0" anchor="ctr"/>
+          <a:lstStyle/>
+          <a:p>
+            <a:pPr algn="ctr"/>
+            <a:r>
+              <a:rPr lang="es-ES" dirty="0"/>
+              <a:t>Cliente Web</a:t>
+            </a:r>
+          </a:p>
+          <a:p>
+            <a:pPr algn="ctr"/>
+            <a:r>
+              <a:rPr lang="es-ES" dirty="0"/>
+              <a:t>(HTML + JS + CSS)</a:t>
+            </a:r>
+          </a:p>
+        </p:txBody>
+      </p:sp>
+      <p:sp>
+        <p:nvSpPr>
+          <p:cNvPr id="5" name="Rectángulo 4">
+            <a:extLst>
+              <a:ext uri="{FF2B5EF4-FFF2-40B4-BE49-F238E27FC236}">
+                <a16:creationId xmlns:a16="http://schemas.microsoft.com/office/drawing/2014/main" id="{D9B61F8A-01F8-0BF1-B7C8-8658496F0F71}"/>
+              </a:ext>
+            </a:extLst>
+          </p:cNvPr>
+          <p:cNvSpPr/>
+          <p:nvPr/>
+        </p:nvSpPr>
+        <p:spPr>
+          <a:xfrm>
+            <a:off x="5538699" y="800100"/>
+            <a:ext cx="2417013" cy="1088366"/>
+          </a:xfrm>
+          <a:prstGeom prst="rect">
+            <a:avLst/>
+          </a:prstGeom>
+        </p:spPr>
+        <p:style>
+          <a:lnRef idx="2">
+            <a:schemeClr val="dk1"/>
+          </a:lnRef>
+          <a:fillRef idx="1">
+            <a:schemeClr val="lt1"/>
+          </a:fillRef>
+          <a:effectRef idx="0">
+            <a:schemeClr val="dk1"/>
+          </a:effectRef>
+          <a:fontRef idx="minor">
+            <a:schemeClr val="dk1"/>
+          </a:fontRef>
+        </p:style>
+        <p:txBody>
+          <a:bodyPr rtlCol="0" anchor="ctr"/>
+          <a:lstStyle/>
+          <a:p>
+            <a:pPr algn="ctr"/>
+            <a:r>
+              <a:rPr lang="es-ES" dirty="0"/>
+              <a:t>Servidor</a:t>
+            </a:r>
+          </a:p>
+          <a:p>
+            <a:pPr algn="ctr"/>
+            <a:r>
+              <a:rPr lang="es-ES" dirty="0"/>
+              <a:t>(Node.js)</a:t>
+            </a:r>
+          </a:p>
+        </p:txBody>
+      </p:sp>
+      <p:cxnSp>
+        <p:nvCxnSpPr>
+          <p:cNvPr id="7" name="Conector recto 6">
+            <a:extLst>
+              <a:ext uri="{FF2B5EF4-FFF2-40B4-BE49-F238E27FC236}">
+                <a16:creationId xmlns:a16="http://schemas.microsoft.com/office/drawing/2014/main" id="{F358B1D8-D0C2-63F2-4D32-C0679F978EFE}"/>
+              </a:ext>
+            </a:extLst>
+          </p:cNvPr>
+          <p:cNvCxnSpPr>
+            <a:cxnSpLocks/>
+            <a:stCxn id="4" idx="2"/>
+          </p:cNvCxnSpPr>
+          <p:nvPr/>
+        </p:nvCxnSpPr>
+        <p:spPr>
+          <a:xfrm flipH="1">
+            <a:off x="3027780" y="1888466"/>
+            <a:ext cx="2" cy="2845459"/>
+          </a:xfrm>
+          <a:prstGeom prst="line">
+            <a:avLst/>
+          </a:prstGeom>
+        </p:spPr>
+        <p:style>
+          <a:lnRef idx="2">
+            <a:schemeClr val="dk1"/>
+          </a:lnRef>
+          <a:fillRef idx="0">
+            <a:schemeClr val="dk1"/>
+          </a:fillRef>
+          <a:effectRef idx="1">
+            <a:schemeClr val="dk1"/>
+          </a:effectRef>
+          <a:fontRef idx="minor">
+            <a:schemeClr val="tx1"/>
+          </a:fontRef>
+        </p:style>
+      </p:cxnSp>
+      <p:cxnSp>
+        <p:nvCxnSpPr>
+          <p:cNvPr id="8" name="Conector recto 7">
+            <a:extLst>
+              <a:ext uri="{FF2B5EF4-FFF2-40B4-BE49-F238E27FC236}">
+                <a16:creationId xmlns:a16="http://schemas.microsoft.com/office/drawing/2014/main" id="{AD6A208C-5ED2-F5A8-C108-E314943A90C4}"/>
+              </a:ext>
+            </a:extLst>
+          </p:cNvPr>
+          <p:cNvCxnSpPr>
+            <a:cxnSpLocks/>
+            <a:stCxn id="5" idx="2"/>
+          </p:cNvCxnSpPr>
+          <p:nvPr/>
+        </p:nvCxnSpPr>
+        <p:spPr>
+          <a:xfrm flipH="1">
+            <a:off x="6747205" y="1888466"/>
+            <a:ext cx="1" cy="2845459"/>
+          </a:xfrm>
+          <a:prstGeom prst="line">
+            <a:avLst/>
+          </a:prstGeom>
+        </p:spPr>
+        <p:style>
+          <a:lnRef idx="2">
+            <a:schemeClr val="dk1"/>
+          </a:lnRef>
+          <a:fillRef idx="0">
+            <a:schemeClr val="dk1"/>
+          </a:fillRef>
+          <a:effectRef idx="1">
+            <a:schemeClr val="dk1"/>
+          </a:effectRef>
+          <a:fontRef idx="minor">
+            <a:schemeClr val="tx1"/>
+          </a:fontRef>
+        </p:style>
+      </p:cxnSp>
+      <p:cxnSp>
+        <p:nvCxnSpPr>
+          <p:cNvPr id="12" name="Conector recto de flecha 11">
+            <a:extLst>
+              <a:ext uri="{FF2B5EF4-FFF2-40B4-BE49-F238E27FC236}">
+                <a16:creationId xmlns:a16="http://schemas.microsoft.com/office/drawing/2014/main" id="{9D89D405-3D64-C0FE-684E-28D9BA91F7BE}"/>
+              </a:ext>
+            </a:extLst>
+          </p:cNvPr>
+          <p:cNvCxnSpPr>
+            <a:cxnSpLocks/>
+          </p:cNvCxnSpPr>
+          <p:nvPr/>
+        </p:nvCxnSpPr>
+        <p:spPr>
+          <a:xfrm>
+            <a:off x="3027781" y="2524125"/>
+            <a:ext cx="3719424" cy="0"/>
+          </a:xfrm>
+          <a:prstGeom prst="straightConnector1">
+            <a:avLst/>
+          </a:prstGeom>
+          <a:ln w="19050" cap="flat" cmpd="sng" algn="ctr">
+            <a:solidFill>
+              <a:schemeClr val="dk1"/>
+            </a:solidFill>
+            <a:prstDash val="dash"/>
+            <a:round/>
+            <a:headEnd type="none" w="med" len="med"/>
+            <a:tailEnd type="none" w="med" len="med"/>
+          </a:ln>
+        </p:spPr>
+        <p:style>
+          <a:lnRef idx="0">
+            <a:scrgbClr r="0" g="0" b="0"/>
+          </a:lnRef>
+          <a:fillRef idx="0">
+            <a:scrgbClr r="0" g="0" b="0"/>
+          </a:fillRef>
+          <a:effectRef idx="0">
+            <a:scrgbClr r="0" g="0" b="0"/>
+          </a:effectRef>
+          <a:fontRef idx="minor">
+            <a:schemeClr val="tx1"/>
+          </a:fontRef>
+        </p:style>
+      </p:cxnSp>
+      <p:cxnSp>
+        <p:nvCxnSpPr>
+          <p:cNvPr id="14" name="Conector recto de flecha 13">
+            <a:extLst>
+              <a:ext uri="{FF2B5EF4-FFF2-40B4-BE49-F238E27FC236}">
+                <a16:creationId xmlns:a16="http://schemas.microsoft.com/office/drawing/2014/main" id="{33394CDB-1B18-CC62-B60F-EEAE3B3AE290}"/>
+              </a:ext>
+            </a:extLst>
+          </p:cNvPr>
+          <p:cNvCxnSpPr>
+            <a:cxnSpLocks/>
+          </p:cNvCxnSpPr>
+          <p:nvPr/>
+        </p:nvCxnSpPr>
+        <p:spPr>
+          <a:xfrm>
+            <a:off x="3027781" y="3429000"/>
+            <a:ext cx="3719424" cy="0"/>
+          </a:xfrm>
+          <a:prstGeom prst="straightConnector1">
+            <a:avLst/>
+          </a:prstGeom>
+          <a:ln w="19050" cap="flat" cmpd="sng" algn="ctr">
+            <a:solidFill>
+              <a:schemeClr val="dk1"/>
+            </a:solidFill>
+            <a:prstDash val="dash"/>
+            <a:round/>
+            <a:headEnd type="none" w="med" len="med"/>
+            <a:tailEnd type="none" w="med" len="med"/>
+          </a:ln>
+        </p:spPr>
+        <p:style>
+          <a:lnRef idx="0">
+            <a:scrgbClr r="0" g="0" b="0"/>
+          </a:lnRef>
+          <a:fillRef idx="0">
+            <a:scrgbClr r="0" g="0" b="0"/>
+          </a:fillRef>
+          <a:effectRef idx="0">
+            <a:scrgbClr r="0" g="0" b="0"/>
+          </a:effectRef>
+          <a:fontRef idx="minor">
+            <a:schemeClr val="tx1"/>
+          </a:fontRef>
+        </p:style>
+      </p:cxnSp>
+      <p:cxnSp>
+        <p:nvCxnSpPr>
+          <p:cNvPr id="15" name="Conector recto de flecha 14">
+            <a:extLst>
+              <a:ext uri="{FF2B5EF4-FFF2-40B4-BE49-F238E27FC236}">
+                <a16:creationId xmlns:a16="http://schemas.microsoft.com/office/drawing/2014/main" id="{1134F9D7-706E-3293-C5AB-820B24232E6F}"/>
+              </a:ext>
+            </a:extLst>
+          </p:cNvPr>
+          <p:cNvCxnSpPr>
+            <a:cxnSpLocks/>
+          </p:cNvCxnSpPr>
+          <p:nvPr/>
+        </p:nvCxnSpPr>
+        <p:spPr>
+          <a:xfrm>
+            <a:off x="3027781" y="4293260"/>
+            <a:ext cx="3719424" cy="0"/>
+          </a:xfrm>
+          <a:prstGeom prst="straightConnector1">
+            <a:avLst/>
+          </a:prstGeom>
+          <a:ln w="19050" cap="flat" cmpd="sng" algn="ctr">
+            <a:solidFill>
+              <a:schemeClr val="dk1"/>
+            </a:solidFill>
+            <a:prstDash val="dash"/>
+            <a:round/>
+            <a:headEnd type="none" w="med" len="med"/>
+            <a:tailEnd type="none" w="med" len="med"/>
+          </a:ln>
+        </p:spPr>
+        <p:style>
+          <a:lnRef idx="0">
+            <a:scrgbClr r="0" g="0" b="0"/>
+          </a:lnRef>
+          <a:fillRef idx="0">
+            <a:scrgbClr r="0" g="0" b="0"/>
+          </a:fillRef>
+          <a:effectRef idx="0">
+            <a:scrgbClr r="0" g="0" b="0"/>
+          </a:effectRef>
+          <a:fontRef idx="minor">
+            <a:schemeClr val="tx1"/>
+          </a:fontRef>
+        </p:style>
+      </p:cxnSp>
+      <p:cxnSp>
+        <p:nvCxnSpPr>
+          <p:cNvPr id="18" name="Conector recto 17">
+            <a:extLst>
+              <a:ext uri="{FF2B5EF4-FFF2-40B4-BE49-F238E27FC236}">
+                <a16:creationId xmlns:a16="http://schemas.microsoft.com/office/drawing/2014/main" id="{10EDA1CC-1631-13B0-6398-CCBE73A11CF7}"/>
+              </a:ext>
+            </a:extLst>
+          </p:cNvPr>
+          <p:cNvCxnSpPr>
+            <a:cxnSpLocks/>
+          </p:cNvCxnSpPr>
+          <p:nvPr/>
+        </p:nvCxnSpPr>
+        <p:spPr>
+          <a:xfrm>
+            <a:off x="6581775" y="2524125"/>
+            <a:ext cx="165429" cy="2516"/>
+          </a:xfrm>
+          <a:prstGeom prst="line">
+            <a:avLst/>
+          </a:prstGeom>
+          <a:ln w="19050" cap="flat" cmpd="sng" algn="ctr">
+            <a:solidFill>
+              <a:schemeClr val="dk1"/>
+            </a:solidFill>
+            <a:prstDash val="solid"/>
+            <a:round/>
+            <a:headEnd type="none" w="med" len="med"/>
+            <a:tailEnd type="arrow" w="med" len="med"/>
+          </a:ln>
+        </p:spPr>
+        <p:style>
+          <a:lnRef idx="0">
+            <a:scrgbClr r="0" g="0" b="0"/>
+          </a:lnRef>
+          <a:fillRef idx="0">
+            <a:scrgbClr r="0" g="0" b="0"/>
+          </a:fillRef>
+          <a:effectRef idx="0">
+            <a:scrgbClr r="0" g="0" b="0"/>
+          </a:effectRef>
+          <a:fontRef idx="minor">
+            <a:schemeClr val="tx1"/>
+          </a:fontRef>
+        </p:style>
+      </p:cxnSp>
+      <p:cxnSp>
+        <p:nvCxnSpPr>
+          <p:cNvPr id="22" name="Conector recto 21">
+            <a:extLst>
+              <a:ext uri="{FF2B5EF4-FFF2-40B4-BE49-F238E27FC236}">
+                <a16:creationId xmlns:a16="http://schemas.microsoft.com/office/drawing/2014/main" id="{4A88A16F-840A-D6F4-2763-F6D4BC49F7FD}"/>
+              </a:ext>
+            </a:extLst>
+          </p:cNvPr>
+          <p:cNvCxnSpPr>
+            <a:cxnSpLocks/>
+          </p:cNvCxnSpPr>
+          <p:nvPr/>
+        </p:nvCxnSpPr>
+        <p:spPr>
+          <a:xfrm>
+            <a:off x="6581775" y="3426485"/>
+            <a:ext cx="165429" cy="2516"/>
+          </a:xfrm>
+          <a:prstGeom prst="line">
+            <a:avLst/>
+          </a:prstGeom>
+          <a:ln w="19050" cap="flat" cmpd="sng" algn="ctr">
+            <a:solidFill>
+              <a:schemeClr val="dk1"/>
+            </a:solidFill>
+            <a:prstDash val="solid"/>
+            <a:round/>
+            <a:headEnd type="none" w="med" len="med"/>
+            <a:tailEnd type="arrow" w="med" len="med"/>
+          </a:ln>
+        </p:spPr>
+        <p:style>
+          <a:lnRef idx="0">
+            <a:scrgbClr r="0" g="0" b="0"/>
+          </a:lnRef>
+          <a:fillRef idx="0">
+            <a:scrgbClr r="0" g="0" b="0"/>
+          </a:fillRef>
+          <a:effectRef idx="0">
+            <a:scrgbClr r="0" g="0" b="0"/>
+          </a:effectRef>
+          <a:fontRef idx="minor">
+            <a:schemeClr val="tx1"/>
+          </a:fontRef>
+        </p:style>
+      </p:cxnSp>
+      <p:cxnSp>
+        <p:nvCxnSpPr>
+          <p:cNvPr id="23" name="Conector recto 22">
+            <a:extLst>
+              <a:ext uri="{FF2B5EF4-FFF2-40B4-BE49-F238E27FC236}">
+                <a16:creationId xmlns:a16="http://schemas.microsoft.com/office/drawing/2014/main" id="{A8C57162-E719-D3F2-5748-4431EBF2B822}"/>
+              </a:ext>
+            </a:extLst>
+          </p:cNvPr>
+          <p:cNvCxnSpPr>
+            <a:cxnSpLocks/>
+          </p:cNvCxnSpPr>
+          <p:nvPr/>
+        </p:nvCxnSpPr>
+        <p:spPr>
+          <a:xfrm flipH="1">
+            <a:off x="3027780" y="4293260"/>
+            <a:ext cx="152400" cy="0"/>
+          </a:xfrm>
+          <a:prstGeom prst="line">
+            <a:avLst/>
+          </a:prstGeom>
+          <a:ln w="19050" cap="flat" cmpd="sng" algn="ctr">
+            <a:solidFill>
+              <a:schemeClr val="dk1"/>
+            </a:solidFill>
+            <a:prstDash val="solid"/>
+            <a:round/>
+            <a:headEnd type="none" w="med" len="med"/>
+            <a:tailEnd type="arrow" w="med" len="med"/>
+          </a:ln>
+        </p:spPr>
+        <p:style>
+          <a:lnRef idx="0">
+            <a:scrgbClr r="0" g="0" b="0"/>
+          </a:lnRef>
+          <a:fillRef idx="0">
+            <a:scrgbClr r="0" g="0" b="0"/>
+          </a:fillRef>
+          <a:effectRef idx="0">
+            <a:scrgbClr r="0" g="0" b="0"/>
+          </a:effectRef>
+          <a:fontRef idx="minor">
+            <a:schemeClr val="tx1"/>
+          </a:fontRef>
+        </p:style>
+      </p:cxnSp>
+      <p:sp>
+        <p:nvSpPr>
+          <p:cNvPr id="25" name="CuadroTexto 24">
+            <a:extLst>
+              <a:ext uri="{FF2B5EF4-FFF2-40B4-BE49-F238E27FC236}">
+                <a16:creationId xmlns:a16="http://schemas.microsoft.com/office/drawing/2014/main" id="{229389CF-DA46-B781-43B8-6E45DF8F6925}"/>
+              </a:ext>
+            </a:extLst>
+          </p:cNvPr>
+          <p:cNvSpPr txBox="1"/>
+          <p:nvPr/>
+        </p:nvSpPr>
+        <p:spPr>
+          <a:xfrm>
+            <a:off x="4024115" y="2262515"/>
+            <a:ext cx="1726755" cy="261610"/>
+          </a:xfrm>
+          <a:prstGeom prst="rect">
+            <a:avLst/>
+          </a:prstGeom>
+          <a:noFill/>
+        </p:spPr>
+        <p:txBody>
+          <a:bodyPr wrap="none" rtlCol="0">
+            <a:spAutoFit/>
+          </a:bodyPr>
+          <a:lstStyle/>
+          <a:p>
+            <a:r>
+              <a:rPr lang="es-ES" sz="1100" dirty="0"/>
+              <a:t>WebSocket (puerto 3000)</a:t>
+            </a:r>
+          </a:p>
+        </p:txBody>
+      </p:sp>
+      <p:sp>
+        <p:nvSpPr>
+          <p:cNvPr id="26" name="CuadroTexto 25">
+            <a:extLst>
+              <a:ext uri="{FF2B5EF4-FFF2-40B4-BE49-F238E27FC236}">
+                <a16:creationId xmlns:a16="http://schemas.microsoft.com/office/drawing/2014/main" id="{DA6C55E9-4F3D-CA37-8870-34B32D1128E4}"/>
+              </a:ext>
+            </a:extLst>
+          </p:cNvPr>
+          <p:cNvSpPr txBox="1"/>
+          <p:nvPr/>
+        </p:nvSpPr>
+        <p:spPr>
+          <a:xfrm>
+            <a:off x="3709126" y="3159784"/>
+            <a:ext cx="2356735" cy="261610"/>
+          </a:xfrm>
+          <a:prstGeom prst="rect">
+            <a:avLst/>
+          </a:prstGeom>
+          <a:noFill/>
+        </p:spPr>
+        <p:txBody>
+          <a:bodyPr wrap="none" rtlCol="0">
+            <a:spAutoFit/>
+          </a:bodyPr>
+          <a:lstStyle/>
+          <a:p>
+            <a:r>
+              <a:rPr lang="es-ES" sz="1100" dirty="0"/>
+              <a:t>{"</a:t>
+            </a:r>
+            <a:r>
+              <a:rPr lang="es-ES" sz="1100" dirty="0" err="1"/>
+              <a:t>action</a:t>
+            </a:r>
+            <a:r>
+              <a:rPr lang="es-ES" sz="1100" dirty="0"/>
+              <a:t>":"subscribe", "</a:t>
+            </a:r>
+            <a:r>
+              <a:rPr lang="es-ES" sz="1100" dirty="0" err="1"/>
+              <a:t>stateName</a:t>
+            </a:r>
+            <a:r>
+              <a:rPr lang="es-ES" sz="1100" dirty="0"/>
+              <a:t>"}</a:t>
+            </a:r>
+          </a:p>
+        </p:txBody>
+      </p:sp>
+      <p:sp>
+        <p:nvSpPr>
+          <p:cNvPr id="27" name="CuadroTexto 26">
+            <a:extLst>
+              <a:ext uri="{FF2B5EF4-FFF2-40B4-BE49-F238E27FC236}">
+                <a16:creationId xmlns:a16="http://schemas.microsoft.com/office/drawing/2014/main" id="{6AC78674-8F7F-5135-9C2B-8AA54B7E32D7}"/>
+              </a:ext>
+            </a:extLst>
+          </p:cNvPr>
+          <p:cNvSpPr txBox="1"/>
+          <p:nvPr/>
+        </p:nvSpPr>
+        <p:spPr>
+          <a:xfrm>
+            <a:off x="3785268" y="4031650"/>
+            <a:ext cx="2204450" cy="261610"/>
+          </a:xfrm>
+          <a:prstGeom prst="rect">
+            <a:avLst/>
+          </a:prstGeom>
+          <a:noFill/>
+        </p:spPr>
+        <p:txBody>
+          <a:bodyPr wrap="none" rtlCol="0">
+            <a:spAutoFit/>
+          </a:bodyPr>
+          <a:lstStyle/>
+          <a:p>
+            <a:r>
+              <a:rPr lang="es-ES" sz="1100" dirty="0"/>
+              <a:t>{"</a:t>
+            </a:r>
+            <a:r>
+              <a:rPr lang="es-ES" sz="1100" dirty="0" err="1"/>
+              <a:t>stateName</a:t>
+            </a:r>
+            <a:r>
+              <a:rPr lang="es-ES" sz="1100" dirty="0"/>
+              <a:t>": "...", </a:t>
+            </a:r>
+            <a:r>
+              <a:rPr lang="es-ES" sz="1100" dirty="0" err="1"/>
+              <a:t>newValue</a:t>
+            </a:r>
+            <a:r>
+              <a:rPr lang="es-ES" sz="1100" dirty="0"/>
+              <a:t>: ...}</a:t>
+            </a:r>
+          </a:p>
+        </p:txBody>
+      </p:sp>
+    </p:spTree>
+    <p:extLst>
+      <p:ext uri="{BB962C8B-B14F-4D97-AF65-F5344CB8AC3E}">
+        <p14:creationId xmlns:p14="http://schemas.microsoft.com/office/powerpoint/2010/main" val="1788986694"/>
+      </p:ext>
+    </p:extLst>
+  </p:cSld>
+  <p:clrMapOvr>
+    <a:masterClrMapping/>
+  </p:clrMapOvr>
+</p:sld>
+</file>
+
+<file path=ppt/slides/slide5.xml><?xml version="1.0" encoding="utf-8"?>
+<p:sld xmlns:a="http://schemas.openxmlformats.org/drawingml/2006/main" xmlns:r="http://schemas.openxmlformats.org/officeDocument/2006/relationships" xmlns:p="http://schemas.openxmlformats.org/presentationml/2006/main">
+  <p:cSld>
+    <p:spTree>
+      <p:nvGrpSpPr>
+        <p:cNvPr id="1" name=""/>
+        <p:cNvGrpSpPr/>
+        <p:nvPr/>
+      </p:nvGrpSpPr>
+      <p:grpSpPr>
+        <a:xfrm>
+          <a:off x="0" y="0"/>
+          <a:ext cx="0" cy="0"/>
+          <a:chOff x="0" y="0"/>
+          <a:chExt cx="0" cy="0"/>
+        </a:xfrm>
+      </p:grpSpPr>
+      <p:pic>
+        <p:nvPicPr>
+          <p:cNvPr id="2" name="Imagen 1">
+            <a:extLst>
+              <a:ext uri="{FF2B5EF4-FFF2-40B4-BE49-F238E27FC236}">
+                <a16:creationId xmlns:a16="http://schemas.microsoft.com/office/drawing/2014/main" id="{1401531C-5EE0-5A99-D73A-175117A6913B}"/>
+              </a:ext>
+            </a:extLst>
+          </p:cNvPr>
+          <p:cNvPicPr>
+            <a:picLocks noChangeAspect="1"/>
+          </p:cNvPicPr>
+          <p:nvPr/>
+        </p:nvPicPr>
+        <p:blipFill>
+          <a:blip r:embed="rId2"/>
+          <a:srcRect l="507" t="1389" r="709" b="260"/>
+          <a:stretch>
+            <a:fillRect/>
+          </a:stretch>
+        </p:blipFill>
+        <p:spPr>
+          <a:xfrm>
+            <a:off x="3359405" y="1803110"/>
+            <a:ext cx="4887938" cy="1940754"/>
+          </a:xfrm>
+          <a:prstGeom prst="rect">
+            <a:avLst/>
+          </a:prstGeom>
+        </p:spPr>
+      </p:pic>
+    </p:spTree>
+    <p:extLst>
+      <p:ext uri="{BB962C8B-B14F-4D97-AF65-F5344CB8AC3E}">
+        <p14:creationId xmlns:p14="http://schemas.microsoft.com/office/powerpoint/2010/main" val="4132215596"/>
+      </p:ext>
+    </p:extLst>
+  </p:cSld>
+  <p:clrMapOvr>
+    <a:masterClrMapping/>
+  </p:clrMapOvr>
+</p:sld>
+</file>
+
+<file path=ppt/slides/slide6.xml><?xml version="1.0" encoding="utf-8"?>
+<p:sld xmlns:a="http://schemas.openxmlformats.org/drawingml/2006/main" xmlns:r="http://schemas.openxmlformats.org/officeDocument/2006/relationships" xmlns:p="http://schemas.openxmlformats.org/presentationml/2006/main">
+  <p:cSld>
+    <p:spTree>
+      <p:nvGrpSpPr>
+        <p:cNvPr id="1" name=""/>
+        <p:cNvGrpSpPr/>
+        <p:nvPr/>
+      </p:nvGrpSpPr>
+      <p:grpSpPr>
+        <a:xfrm>
+          <a:off x="0" y="0"/>
+          <a:ext cx="0" cy="0"/>
+          <a:chOff x="0" y="0"/>
+          <a:chExt cx="0" cy="0"/>
+        </a:xfrm>
+      </p:grpSpPr>
+      <p:pic>
+        <p:nvPicPr>
+          <p:cNvPr id="2" name="Imagen 1">
+            <a:extLst>
+              <a:ext uri="{FF2B5EF4-FFF2-40B4-BE49-F238E27FC236}">
+                <a16:creationId xmlns:a16="http://schemas.microsoft.com/office/drawing/2014/main" id="{7C07BCC8-D154-1BBF-339E-944DB79F915C}"/>
+              </a:ext>
+            </a:extLst>
+          </p:cNvPr>
+          <p:cNvPicPr>
+            <a:picLocks noChangeAspect="1"/>
+          </p:cNvPicPr>
+          <p:nvPr/>
+        </p:nvPicPr>
+        <p:blipFill>
+          <a:blip r:embed="rId2"/>
+          <a:srcRect l="1023" t="1503" r="811"/>
+          <a:stretch>
+            <a:fillRect/>
+          </a:stretch>
+        </p:blipFill>
+        <p:spPr>
+          <a:xfrm>
+            <a:off x="4917560" y="2148165"/>
+            <a:ext cx="5065485" cy="2528609"/>
+          </a:xfrm>
+          <a:prstGeom prst="rect">
+            <a:avLst/>
+          </a:prstGeom>
+        </p:spPr>
+      </p:pic>
+      <p:pic>
+        <p:nvPicPr>
+          <p:cNvPr id="3" name="Imagen 2">
+            <a:extLst>
+              <a:ext uri="{FF2B5EF4-FFF2-40B4-BE49-F238E27FC236}">
+                <a16:creationId xmlns:a16="http://schemas.microsoft.com/office/drawing/2014/main" id="{41DAB489-51C7-D3BA-F27A-A6C02B3739EA}"/>
+              </a:ext>
+            </a:extLst>
+          </p:cNvPr>
+          <p:cNvPicPr>
+            <a:picLocks noChangeAspect="1"/>
+          </p:cNvPicPr>
+          <p:nvPr/>
+        </p:nvPicPr>
+        <p:blipFill>
+          <a:blip r:embed="rId3"/>
+          <a:srcRect/>
+          <a:stretch>
+            <a:fillRect/>
+          </a:stretch>
+        </p:blipFill>
+        <p:spPr>
+          <a:xfrm>
+            <a:off x="2088825" y="2148165"/>
+            <a:ext cx="1216814" cy="415355"/>
+          </a:xfrm>
+          <a:prstGeom prst="rect">
+            <a:avLst/>
+          </a:prstGeom>
+        </p:spPr>
+      </p:pic>
+      <p:cxnSp>
+        <p:nvCxnSpPr>
+          <p:cNvPr id="5" name="Conector recto de flecha 4">
+            <a:extLst>
+              <a:ext uri="{FF2B5EF4-FFF2-40B4-BE49-F238E27FC236}">
+                <a16:creationId xmlns:a16="http://schemas.microsoft.com/office/drawing/2014/main" id="{4AC0E7E5-17D6-B03A-ADA1-2B7233BEC451}"/>
+              </a:ext>
+            </a:extLst>
+          </p:cNvPr>
+          <p:cNvCxnSpPr>
+            <a:cxnSpLocks/>
+            <a:endCxn id="3" idx="3"/>
+          </p:cNvCxnSpPr>
+          <p:nvPr/>
+        </p:nvCxnSpPr>
+        <p:spPr>
+          <a:xfrm flipH="1">
+            <a:off x="3305639" y="2355843"/>
+            <a:ext cx="1611921" cy="0"/>
+          </a:xfrm>
+          <a:prstGeom prst="straightConnector1">
+            <a:avLst/>
+          </a:prstGeom>
+          <a:ln w="6350">
+            <a:tailEnd type="triangle"/>
+          </a:ln>
+        </p:spPr>
+        <p:style>
+          <a:lnRef idx="2">
+            <a:schemeClr val="dk1"/>
+          </a:lnRef>
+          <a:fillRef idx="0">
+            <a:schemeClr val="dk1"/>
+          </a:fillRef>
+          <a:effectRef idx="1">
+            <a:schemeClr val="dk1"/>
+          </a:effectRef>
+          <a:fontRef idx="minor">
+            <a:schemeClr val="tx1"/>
+          </a:fontRef>
+        </p:style>
+      </p:cxnSp>
+      <p:sp>
+        <p:nvSpPr>
+          <p:cNvPr id="8" name="CuadroTexto 7">
+            <a:extLst>
+              <a:ext uri="{FF2B5EF4-FFF2-40B4-BE49-F238E27FC236}">
+                <a16:creationId xmlns:a16="http://schemas.microsoft.com/office/drawing/2014/main" id="{ABB22083-928C-559B-6D60-7837E287C2C4}"/>
+              </a:ext>
+            </a:extLst>
+          </p:cNvPr>
+          <p:cNvSpPr txBox="1"/>
+          <p:nvPr/>
+        </p:nvSpPr>
+        <p:spPr>
+          <a:xfrm>
+            <a:off x="3305639" y="2148165"/>
+            <a:ext cx="184411" cy="253916"/>
+          </a:xfrm>
+          <a:prstGeom prst="rect">
+            <a:avLst/>
+          </a:prstGeom>
+          <a:noFill/>
+        </p:spPr>
+        <p:txBody>
+          <a:bodyPr wrap="square" rtlCol="0">
+            <a:spAutoFit/>
+          </a:bodyPr>
+          <a:lstStyle/>
+          <a:p>
+            <a:r>
+              <a:rPr lang="es-ES" sz="1000" dirty="0"/>
+              <a:t>*</a:t>
+            </a:r>
+            <a:endParaRPr lang="es-ES" sz="800" dirty="0"/>
+          </a:p>
+        </p:txBody>
+      </p:sp>
+    </p:spTree>
+    <p:extLst>
+      <p:ext uri="{BB962C8B-B14F-4D97-AF65-F5344CB8AC3E}">
+        <p14:creationId xmlns:p14="http://schemas.microsoft.com/office/powerpoint/2010/main" val="4213229864"/>
+      </p:ext>
+    </p:extLst>
+  </p:cSld>
+  <p:clrMapOvr>
+    <a:masterClrMapping/>
+  </p:clrMapOvr>
+</p:sld>
+</file>
+
+<file path=ppt/slides/slide7.xml><?xml version="1.0" encoding="utf-8"?>
+<p:sld xmlns:a="http://schemas.openxmlformats.org/drawingml/2006/main" xmlns:r="http://schemas.openxmlformats.org/officeDocument/2006/relationships" xmlns:p="http://schemas.openxmlformats.org/presentationml/2006/main">
+  <p:cSld>
+    <p:spTree>
+      <p:nvGrpSpPr>
+        <p:cNvPr id="1" name=""/>
+        <p:cNvGrpSpPr/>
+        <p:nvPr/>
+      </p:nvGrpSpPr>
+      <p:grpSpPr>
+        <a:xfrm>
+          <a:off x="0" y="0"/>
+          <a:ext cx="0" cy="0"/>
+          <a:chOff x="0" y="0"/>
+          <a:chExt cx="0" cy="0"/>
+        </a:xfrm>
+      </p:grpSpPr>
+      <p:pic>
+        <p:nvPicPr>
+          <p:cNvPr id="3" name="Imagen 2">
+            <a:extLst>
+              <a:ext uri="{FF2B5EF4-FFF2-40B4-BE49-F238E27FC236}">
+                <a16:creationId xmlns:a16="http://schemas.microsoft.com/office/drawing/2014/main" id="{2E905F45-EE65-C3CF-C1B6-D6EE9AB86756}"/>
+              </a:ext>
+            </a:extLst>
+          </p:cNvPr>
+          <p:cNvPicPr>
+            <a:picLocks noChangeAspect="1"/>
+          </p:cNvPicPr>
+          <p:nvPr/>
+        </p:nvPicPr>
+        <p:blipFill>
+          <a:blip r:embed="rId2"/>
+          <a:srcRect t="2244" r="823" b="1497"/>
+          <a:stretch>
+            <a:fillRect/>
+          </a:stretch>
+        </p:blipFill>
+        <p:spPr>
+          <a:xfrm>
+            <a:off x="1244366" y="1932317"/>
+            <a:ext cx="4851634" cy="1145136"/>
+          </a:xfrm>
+          <a:prstGeom prst="rect">
+            <a:avLst/>
+          </a:prstGeom>
+        </p:spPr>
+      </p:pic>
+      <p:cxnSp>
+        <p:nvCxnSpPr>
+          <p:cNvPr id="7" name="Conector recto de flecha 6">
+            <a:extLst>
+              <a:ext uri="{FF2B5EF4-FFF2-40B4-BE49-F238E27FC236}">
+                <a16:creationId xmlns:a16="http://schemas.microsoft.com/office/drawing/2014/main" id="{22DF0BE3-9D15-B88A-2332-853DDC135425}"/>
+              </a:ext>
+            </a:extLst>
+          </p:cNvPr>
+          <p:cNvCxnSpPr>
+            <a:cxnSpLocks/>
+            <a:endCxn id="12" idx="1"/>
+          </p:cNvCxnSpPr>
+          <p:nvPr/>
+        </p:nvCxnSpPr>
+        <p:spPr>
+          <a:xfrm>
+            <a:off x="6096000" y="2250601"/>
+            <a:ext cx="1966408" cy="18834"/>
+          </a:xfrm>
+          <a:prstGeom prst="straightConnector1">
+            <a:avLst/>
+          </a:prstGeom>
+          <a:ln w="6350">
+            <a:tailEnd type="triangle"/>
+          </a:ln>
+        </p:spPr>
+        <p:style>
+          <a:lnRef idx="2">
+            <a:schemeClr val="dk1"/>
+          </a:lnRef>
+          <a:fillRef idx="0">
+            <a:schemeClr val="dk1"/>
+          </a:fillRef>
+          <a:effectRef idx="1">
+            <a:schemeClr val="dk1"/>
+          </a:effectRef>
+          <a:fontRef idx="minor">
+            <a:schemeClr val="tx1"/>
+          </a:fontRef>
+        </p:style>
+      </p:cxnSp>
+      <p:sp>
+        <p:nvSpPr>
+          <p:cNvPr id="9" name="CuadroTexto 8">
+            <a:extLst>
+              <a:ext uri="{FF2B5EF4-FFF2-40B4-BE49-F238E27FC236}">
+                <a16:creationId xmlns:a16="http://schemas.microsoft.com/office/drawing/2014/main" id="{48258BE3-721A-4517-7FC6-5F98E3BFB2F7}"/>
+              </a:ext>
+            </a:extLst>
+          </p:cNvPr>
+          <p:cNvSpPr txBox="1"/>
+          <p:nvPr/>
+        </p:nvSpPr>
+        <p:spPr>
+          <a:xfrm>
+            <a:off x="7814819" y="2046617"/>
+            <a:ext cx="168214" cy="246221"/>
+          </a:xfrm>
+          <a:prstGeom prst="rect">
+            <a:avLst/>
+          </a:prstGeom>
+          <a:noFill/>
+        </p:spPr>
+        <p:txBody>
+          <a:bodyPr wrap="square" rtlCol="0">
+            <a:spAutoFit/>
+          </a:bodyPr>
+          <a:lstStyle/>
+          <a:p>
+            <a:r>
+              <a:rPr lang="es-ES" sz="1000" dirty="0"/>
+              <a:t>1</a:t>
+            </a:r>
+            <a:endParaRPr lang="es-ES" sz="800" dirty="0"/>
+          </a:p>
+        </p:txBody>
+      </p:sp>
+      <p:pic>
+        <p:nvPicPr>
+          <p:cNvPr id="12" name="Imagen 11">
+            <a:extLst>
+              <a:ext uri="{FF2B5EF4-FFF2-40B4-BE49-F238E27FC236}">
+                <a16:creationId xmlns:a16="http://schemas.microsoft.com/office/drawing/2014/main" id="{D38916A1-2643-9396-9319-ADDCBA5E1009}"/>
+              </a:ext>
+            </a:extLst>
+          </p:cNvPr>
+          <p:cNvPicPr>
+            <a:picLocks noChangeAspect="1"/>
+          </p:cNvPicPr>
+          <p:nvPr/>
+        </p:nvPicPr>
+        <p:blipFill>
+          <a:blip r:embed="rId3"/>
+          <a:srcRect l="2161" t="7958" r="1"/>
+          <a:stretch>
+            <a:fillRect/>
+          </a:stretch>
+        </p:blipFill>
+        <p:spPr>
+          <a:xfrm>
+            <a:off x="8062408" y="1932318"/>
+            <a:ext cx="2159894" cy="674234"/>
+          </a:xfrm>
+          <a:prstGeom prst="rect">
+            <a:avLst/>
+          </a:prstGeom>
+        </p:spPr>
+      </p:pic>
+    </p:spTree>
+    <p:extLst>
+      <p:ext uri="{BB962C8B-B14F-4D97-AF65-F5344CB8AC3E}">
+        <p14:creationId xmlns:p14="http://schemas.microsoft.com/office/powerpoint/2010/main" val="2446217543"/>
+      </p:ext>
+    </p:extLst>
+  </p:cSld>
+  <p:clrMapOvr>
+    <a:masterClrMapping/>
+  </p:clrMapOvr>
+</p:sld>
+</file>
+
+<file path=ppt/slides/slide8.xml><?xml version="1.0" encoding="utf-8"?>
+<p:sld xmlns:a="http://schemas.openxmlformats.org/drawingml/2006/main" xmlns:r="http://schemas.openxmlformats.org/officeDocument/2006/relationships" xmlns:p="http://schemas.openxmlformats.org/presentationml/2006/main">
+  <p:cSld>
+    <p:spTree>
+      <p:nvGrpSpPr>
+        <p:cNvPr id="1" name=""/>
+        <p:cNvGrpSpPr/>
+        <p:nvPr/>
+      </p:nvGrpSpPr>
+      <p:grpSpPr>
+        <a:xfrm>
+          <a:off x="0" y="0"/>
+          <a:ext cx="0" cy="0"/>
+          <a:chOff x="0" y="0"/>
+          <a:chExt cx="0" cy="0"/>
+        </a:xfrm>
+      </p:grpSpPr>
+      <p:pic>
+        <p:nvPicPr>
+          <p:cNvPr id="4" name="Imagen 3">
+            <a:extLst>
+              <a:ext uri="{FF2B5EF4-FFF2-40B4-BE49-F238E27FC236}">
+                <a16:creationId xmlns:a16="http://schemas.microsoft.com/office/drawing/2014/main" id="{A5E334FD-4960-AD13-0823-364FF000F002}"/>
+              </a:ext>
+            </a:extLst>
+          </p:cNvPr>
+          <p:cNvPicPr>
+            <a:picLocks noChangeAspect="1"/>
+          </p:cNvPicPr>
+          <p:nvPr/>
+        </p:nvPicPr>
+        <p:blipFill>
+          <a:blip r:embed="rId2"/>
+          <a:srcRect l="335" t="1748" r="943" b="1748"/>
+          <a:stretch>
+            <a:fillRect/>
+          </a:stretch>
+        </p:blipFill>
+        <p:spPr>
+          <a:xfrm>
+            <a:off x="1967058" y="1848460"/>
+            <a:ext cx="4875243" cy="1453582"/>
+          </a:xfrm>
+          <a:prstGeom prst="rect">
+            <a:avLst/>
+          </a:prstGeom>
+        </p:spPr>
+      </p:pic>
+      <p:pic>
+        <p:nvPicPr>
+          <p:cNvPr id="5" name="Imagen 4">
+            <a:extLst>
+              <a:ext uri="{FF2B5EF4-FFF2-40B4-BE49-F238E27FC236}">
+                <a16:creationId xmlns:a16="http://schemas.microsoft.com/office/drawing/2014/main" id="{B63C6F60-32C6-8F9B-8038-410EE3D59BA0}"/>
+              </a:ext>
+            </a:extLst>
+          </p:cNvPr>
+          <p:cNvPicPr>
+            <a:picLocks noChangeAspect="1"/>
+          </p:cNvPicPr>
+          <p:nvPr/>
+        </p:nvPicPr>
+        <p:blipFill>
+          <a:blip r:embed="rId3"/>
+          <a:srcRect l="945" t="1620" r="1233" b="2157"/>
+          <a:stretch>
+            <a:fillRect/>
+          </a:stretch>
+        </p:blipFill>
+        <p:spPr>
+          <a:xfrm>
+            <a:off x="8097800" y="1848460"/>
+            <a:ext cx="3075811" cy="1624102"/>
+          </a:xfrm>
+          <a:prstGeom prst="rect">
+            <a:avLst/>
+          </a:prstGeom>
+        </p:spPr>
+      </p:pic>
+      <p:cxnSp>
+        <p:nvCxnSpPr>
+          <p:cNvPr id="6" name="Conector recto de flecha 5">
+            <a:extLst>
+              <a:ext uri="{FF2B5EF4-FFF2-40B4-BE49-F238E27FC236}">
+                <a16:creationId xmlns:a16="http://schemas.microsoft.com/office/drawing/2014/main" id="{C851D329-A7E0-A7AF-D76C-4E2C1C48FD49}"/>
+              </a:ext>
+            </a:extLst>
+          </p:cNvPr>
+          <p:cNvCxnSpPr>
+            <a:cxnSpLocks/>
+          </p:cNvCxnSpPr>
+          <p:nvPr/>
+        </p:nvCxnSpPr>
+        <p:spPr>
+          <a:xfrm>
+            <a:off x="6842301" y="2057400"/>
+            <a:ext cx="1255499" cy="0"/>
+          </a:xfrm>
+          <a:prstGeom prst="straightConnector1">
+            <a:avLst/>
+          </a:prstGeom>
+          <a:ln w="6350">
+            <a:tailEnd type="triangle"/>
+          </a:ln>
+        </p:spPr>
+        <p:style>
+          <a:lnRef idx="2">
+            <a:schemeClr val="dk1"/>
+          </a:lnRef>
+          <a:fillRef idx="0">
+            <a:schemeClr val="dk1"/>
+          </a:fillRef>
+          <a:effectRef idx="1">
+            <a:schemeClr val="dk1"/>
+          </a:effectRef>
+          <a:fontRef idx="minor">
+            <a:schemeClr val="tx1"/>
+          </a:fontRef>
+        </p:style>
+      </p:cxnSp>
+      <p:sp>
+        <p:nvSpPr>
+          <p:cNvPr id="7" name="CuadroTexto 6">
+            <a:extLst>
+              <a:ext uri="{FF2B5EF4-FFF2-40B4-BE49-F238E27FC236}">
+                <a16:creationId xmlns:a16="http://schemas.microsoft.com/office/drawing/2014/main" id="{A9280FFB-1E9A-9AE1-1922-65BC430C26F6}"/>
+              </a:ext>
+            </a:extLst>
+          </p:cNvPr>
+          <p:cNvSpPr txBox="1"/>
+          <p:nvPr/>
+        </p:nvSpPr>
+        <p:spPr>
+          <a:xfrm>
+            <a:off x="7834745" y="1848460"/>
+            <a:ext cx="297980" cy="253916"/>
+          </a:xfrm>
+          <a:prstGeom prst="rect">
+            <a:avLst/>
+          </a:prstGeom>
+          <a:noFill/>
+        </p:spPr>
+        <p:txBody>
+          <a:bodyPr wrap="square" rtlCol="0">
+            <a:spAutoFit/>
+          </a:bodyPr>
+          <a:lstStyle/>
+          <a:p>
+            <a:r>
+              <a:rPr lang="es-ES" sz="1050" dirty="0"/>
+              <a:t>*</a:t>
+            </a:r>
+            <a:endParaRPr lang="es-ES" sz="800" dirty="0"/>
+          </a:p>
+        </p:txBody>
+      </p:sp>
+    </p:spTree>
+    <p:extLst>
+      <p:ext uri="{BB962C8B-B14F-4D97-AF65-F5344CB8AC3E}">
+        <p14:creationId xmlns:p14="http://schemas.microsoft.com/office/powerpoint/2010/main" val="3453018589"/>
       </p:ext>
     </p:extLst>
   </p:cSld>

--- a/images/Imagenes.pptx
+++ b/images/Imagenes.pptx
@@ -122,13 +122,76 @@
 <file path=ppt/revisionInfo.xml><?xml version="1.0" encoding="utf-8"?>
 <p1510:revInfo xmlns:a="http://schemas.openxmlformats.org/drawingml/2006/main" xmlns:r="http://schemas.openxmlformats.org/officeDocument/2006/relationships" xmlns:p1510="http://schemas.microsoft.com/office/powerpoint/2015/10/main">
   <p1510:revLst>
-    <p1510:client id="{58F8D4C3-BB60-4398-B156-8B23F19159D9}" v="95" dt="2025-07-02T18:02:20.854"/>
+    <p1510:client id="{58F8D4C3-BB60-4398-B156-8B23F19159D9}" v="100" dt="2025-10-14T20:22:52.438"/>
   </p1510:revLst>
 </p1510:revInfo>
 </file>
 
 <file path=ppt/changesInfos/changesInfo1.xml><?xml version="1.0" encoding="utf-8"?>
 <pc:chgInfo xmlns:a="http://schemas.openxmlformats.org/drawingml/2006/main" xmlns:r="http://schemas.openxmlformats.org/officeDocument/2006/relationships" xmlns:ac="http://schemas.microsoft.com/office/drawing/2013/main/command" xmlns:pc="http://schemas.microsoft.com/office/powerpoint/2013/main/command">
+  <pc:docChgLst>
+    <pc:chgData name="Luis Miguel Gómez Del Cueto" userId="96bdf517-732e-4d81-a9c7-41d87206fa47" providerId="ADAL" clId="{E21C859B-64A4-401D-9EE6-488B183E094A}"/>
+    <pc:docChg chg="undo custSel modSld">
+      <pc:chgData name="Luis Miguel Gómez Del Cueto" userId="96bdf517-732e-4d81-a9c7-41d87206fa47" providerId="ADAL" clId="{E21C859B-64A4-401D-9EE6-488B183E094A}" dt="2025-10-14T20:23:59.811" v="17" actId="1076"/>
+      <pc:docMkLst>
+        <pc:docMk/>
+      </pc:docMkLst>
+      <pc:sldChg chg="addSp modSp mod">
+        <pc:chgData name="Luis Miguel Gómez Del Cueto" userId="96bdf517-732e-4d81-a9c7-41d87206fa47" providerId="ADAL" clId="{E21C859B-64A4-401D-9EE6-488B183E094A}" dt="2025-10-14T20:22:54.494" v="13" actId="1076"/>
+        <pc:sldMkLst>
+          <pc:docMk/>
+          <pc:sldMk cId="4132215596" sldId="257"/>
+        </pc:sldMkLst>
+        <pc:picChg chg="mod modCrop">
+          <ac:chgData name="Luis Miguel Gómez Del Cueto" userId="96bdf517-732e-4d81-a9c7-41d87206fa47" providerId="ADAL" clId="{E21C859B-64A4-401D-9EE6-488B183E094A}" dt="2025-10-14T20:22:20.488" v="7" actId="732"/>
+          <ac:picMkLst>
+            <pc:docMk/>
+            <pc:sldMk cId="4132215596" sldId="257"/>
+            <ac:picMk id="2" creationId="{1401531C-5EE0-5A99-D73A-175117A6913B}"/>
+          </ac:picMkLst>
+        </pc:picChg>
+        <pc:picChg chg="add mod modCrop">
+          <ac:chgData name="Luis Miguel Gómez Del Cueto" userId="96bdf517-732e-4d81-a9c7-41d87206fa47" providerId="ADAL" clId="{E21C859B-64A4-401D-9EE6-488B183E094A}" dt="2025-10-14T20:22:23.322" v="8" actId="1076"/>
+          <ac:picMkLst>
+            <pc:docMk/>
+            <pc:sldMk cId="4132215596" sldId="257"/>
+            <ac:picMk id="3" creationId="{7F46A21C-A200-E58D-F47A-32BD19D76ECB}"/>
+          </ac:picMkLst>
+        </pc:picChg>
+        <pc:picChg chg="add mod">
+          <ac:chgData name="Luis Miguel Gómez Del Cueto" userId="96bdf517-732e-4d81-a9c7-41d87206fa47" providerId="ADAL" clId="{E21C859B-64A4-401D-9EE6-488B183E094A}" dt="2025-10-14T20:22:54.494" v="13" actId="1076"/>
+          <ac:picMkLst>
+            <pc:docMk/>
+            <pc:sldMk cId="4132215596" sldId="257"/>
+            <ac:picMk id="5" creationId="{44A43856-C03E-5B60-2BF9-A59D10BD2F14}"/>
+          </ac:picMkLst>
+        </pc:picChg>
+      </pc:sldChg>
+      <pc:sldChg chg="modSp mod">
+        <pc:chgData name="Luis Miguel Gómez Del Cueto" userId="96bdf517-732e-4d81-a9c7-41d87206fa47" providerId="ADAL" clId="{E21C859B-64A4-401D-9EE6-488B183E094A}" dt="2025-10-14T20:23:59.811" v="17" actId="1076"/>
+        <pc:sldMkLst>
+          <pc:docMk/>
+          <pc:sldMk cId="4213229864" sldId="258"/>
+        </pc:sldMkLst>
+        <pc:picChg chg="mod">
+          <ac:chgData name="Luis Miguel Gómez Del Cueto" userId="96bdf517-732e-4d81-a9c7-41d87206fa47" providerId="ADAL" clId="{E21C859B-64A4-401D-9EE6-488B183E094A}" dt="2025-10-14T20:23:59.811" v="17" actId="1076"/>
+          <ac:picMkLst>
+            <pc:docMk/>
+            <pc:sldMk cId="4213229864" sldId="258"/>
+            <ac:picMk id="2" creationId="{7C07BCC8-D154-1BBF-339E-944DB79F915C}"/>
+          </ac:picMkLst>
+        </pc:picChg>
+        <pc:cxnChg chg="mod">
+          <ac:chgData name="Luis Miguel Gómez Del Cueto" userId="96bdf517-732e-4d81-a9c7-41d87206fa47" providerId="ADAL" clId="{E21C859B-64A4-401D-9EE6-488B183E094A}" dt="2025-10-14T20:23:57.903" v="16" actId="14100"/>
+          <ac:cxnSpMkLst>
+            <pc:docMk/>
+            <pc:sldMk cId="4213229864" sldId="258"/>
+            <ac:cxnSpMk id="5" creationId="{4AC0E7E5-17D6-B03A-ADA1-2B7233BEC451}"/>
+          </ac:cxnSpMkLst>
+        </pc:cxnChg>
+      </pc:sldChg>
+    </pc:docChg>
+  </pc:docChgLst>
   <pc:docChgLst>
     <pc:chgData name="Luis Miguel Gómez Del Cueto" userId="96bdf517-732e-4d81-a9c7-41d87206fa47" providerId="ADAL" clId="{58F8D4C3-BB60-4398-B156-8B23F19159D9}"/>
     <pc:docChg chg="undo redo custSel addSld modSld sldOrd">
@@ -142,14 +205,6 @@
           <pc:docMk/>
           <pc:sldMk cId="4132215596" sldId="257"/>
         </pc:sldMkLst>
-        <pc:picChg chg="add mod">
-          <ac:chgData name="Luis Miguel Gómez Del Cueto" userId="96bdf517-732e-4d81-a9c7-41d87206fa47" providerId="ADAL" clId="{58F8D4C3-BB60-4398-B156-8B23F19159D9}" dt="2025-06-10T12:45:42.417" v="834" actId="1076"/>
-          <ac:picMkLst>
-            <pc:docMk/>
-            <pc:sldMk cId="4132215596" sldId="257"/>
-            <ac:picMk id="2" creationId="{1401531C-5EE0-5A99-D73A-175117A6913B}"/>
-          </ac:picMkLst>
-        </pc:picChg>
       </pc:sldChg>
       <pc:sldChg chg="addSp delSp modSp new mod">
         <pc:chgData name="Luis Miguel Gómez Del Cueto" userId="96bdf517-732e-4d81-a9c7-41d87206fa47" providerId="ADAL" clId="{58F8D4C3-BB60-4398-B156-8B23F19159D9}" dt="2025-06-10T12:47:22.939" v="869" actId="404"/>
@@ -157,38 +212,6 @@
           <pc:docMk/>
           <pc:sldMk cId="4213229864" sldId="258"/>
         </pc:sldMkLst>
-        <pc:spChg chg="add mod">
-          <ac:chgData name="Luis Miguel Gómez Del Cueto" userId="96bdf517-732e-4d81-a9c7-41d87206fa47" providerId="ADAL" clId="{58F8D4C3-BB60-4398-B156-8B23F19159D9}" dt="2025-06-10T12:47:22.939" v="869" actId="404"/>
-          <ac:spMkLst>
-            <pc:docMk/>
-            <pc:sldMk cId="4213229864" sldId="258"/>
-            <ac:spMk id="8" creationId="{ABB22083-928C-559B-6D60-7837E287C2C4}"/>
-          </ac:spMkLst>
-        </pc:spChg>
-        <pc:picChg chg="add mod">
-          <ac:chgData name="Luis Miguel Gómez Del Cueto" userId="96bdf517-732e-4d81-a9c7-41d87206fa47" providerId="ADAL" clId="{58F8D4C3-BB60-4398-B156-8B23F19159D9}" dt="2025-06-10T12:46:51.978" v="858" actId="14100"/>
-          <ac:picMkLst>
-            <pc:docMk/>
-            <pc:sldMk cId="4213229864" sldId="258"/>
-            <ac:picMk id="2" creationId="{7C07BCC8-D154-1BBF-339E-944DB79F915C}"/>
-          </ac:picMkLst>
-        </pc:picChg>
-        <pc:picChg chg="add mod">
-          <ac:chgData name="Luis Miguel Gómez Del Cueto" userId="96bdf517-732e-4d81-a9c7-41d87206fa47" providerId="ADAL" clId="{58F8D4C3-BB60-4398-B156-8B23F19159D9}" dt="2025-06-10T12:47:08.003" v="866" actId="1076"/>
-          <ac:picMkLst>
-            <pc:docMk/>
-            <pc:sldMk cId="4213229864" sldId="258"/>
-            <ac:picMk id="3" creationId="{41DAB489-51C7-D3BA-F27A-A6C02B3739EA}"/>
-          </ac:picMkLst>
-        </pc:picChg>
-        <pc:cxnChg chg="add mod">
-          <ac:chgData name="Luis Miguel Gómez Del Cueto" userId="96bdf517-732e-4d81-a9c7-41d87206fa47" providerId="ADAL" clId="{58F8D4C3-BB60-4398-B156-8B23F19159D9}" dt="2025-06-10T12:47:12.808" v="867" actId="14100"/>
-          <ac:cxnSpMkLst>
-            <pc:docMk/>
-            <pc:sldMk cId="4213229864" sldId="258"/>
-            <ac:cxnSpMk id="5" creationId="{4AC0E7E5-17D6-B03A-ADA1-2B7233BEC451}"/>
-          </ac:cxnSpMkLst>
-        </pc:cxnChg>
       </pc:sldChg>
       <pc:sldChg chg="addSp delSp modSp new mod">
         <pc:chgData name="Luis Miguel Gómez Del Cueto" userId="96bdf517-732e-4d81-a9c7-41d87206fa47" providerId="ADAL" clId="{58F8D4C3-BB60-4398-B156-8B23F19159D9}" dt="2025-06-10T12:46:41.449" v="857" actId="1076"/>
@@ -196,38 +219,6 @@
           <pc:docMk/>
           <pc:sldMk cId="2446217543" sldId="259"/>
         </pc:sldMkLst>
-        <pc:spChg chg="add mod">
-          <ac:chgData name="Luis Miguel Gómez Del Cueto" userId="96bdf517-732e-4d81-a9c7-41d87206fa47" providerId="ADAL" clId="{58F8D4C3-BB60-4398-B156-8B23F19159D9}" dt="2025-06-10T12:46:41.449" v="857" actId="1076"/>
-          <ac:spMkLst>
-            <pc:docMk/>
-            <pc:sldMk cId="2446217543" sldId="259"/>
-            <ac:spMk id="9" creationId="{48258BE3-721A-4517-7FC6-5F98E3BFB2F7}"/>
-          </ac:spMkLst>
-        </pc:spChg>
-        <pc:picChg chg="add mod">
-          <ac:chgData name="Luis Miguel Gómez Del Cueto" userId="96bdf517-732e-4d81-a9c7-41d87206fa47" providerId="ADAL" clId="{58F8D4C3-BB60-4398-B156-8B23F19159D9}" dt="2025-06-10T12:46:09.116" v="839" actId="1076"/>
-          <ac:picMkLst>
-            <pc:docMk/>
-            <pc:sldMk cId="2446217543" sldId="259"/>
-            <ac:picMk id="3" creationId="{2E905F45-EE65-C3CF-C1B6-D6EE9AB86756}"/>
-          </ac:picMkLst>
-        </pc:picChg>
-        <pc:picChg chg="add mod">
-          <ac:chgData name="Luis Miguel Gómez Del Cueto" userId="96bdf517-732e-4d81-a9c7-41d87206fa47" providerId="ADAL" clId="{58F8D4C3-BB60-4398-B156-8B23F19159D9}" dt="2025-06-10T12:46:20.910" v="845" actId="14100"/>
-          <ac:picMkLst>
-            <pc:docMk/>
-            <pc:sldMk cId="2446217543" sldId="259"/>
-            <ac:picMk id="12" creationId="{D38916A1-2643-9396-9319-ADDCBA5E1009}"/>
-          </ac:picMkLst>
-        </pc:picChg>
-        <pc:cxnChg chg="add mod">
-          <ac:chgData name="Luis Miguel Gómez Del Cueto" userId="96bdf517-732e-4d81-a9c7-41d87206fa47" providerId="ADAL" clId="{58F8D4C3-BB60-4398-B156-8B23F19159D9}" dt="2025-06-10T12:46:26.438" v="848" actId="14100"/>
-          <ac:cxnSpMkLst>
-            <pc:docMk/>
-            <pc:sldMk cId="2446217543" sldId="259"/>
-            <ac:cxnSpMk id="7" creationId="{22DF0BE3-9D15-B88A-2332-853DDC135425}"/>
-          </ac:cxnSpMkLst>
-        </pc:cxnChg>
       </pc:sldChg>
       <pc:sldChg chg="addSp delSp modSp new mod">
         <pc:chgData name="Luis Miguel Gómez Del Cueto" userId="96bdf517-732e-4d81-a9c7-41d87206fa47" providerId="ADAL" clId="{58F8D4C3-BB60-4398-B156-8B23F19159D9}" dt="2025-06-10T12:45:34.955" v="829" actId="21"/>
@@ -235,230 +226,6 @@
           <pc:docMk/>
           <pc:sldMk cId="1168218258" sldId="260"/>
         </pc:sldMkLst>
-        <pc:spChg chg="add mod ord">
-          <ac:chgData name="Luis Miguel Gómez Del Cueto" userId="96bdf517-732e-4d81-a9c7-41d87206fa47" providerId="ADAL" clId="{58F8D4C3-BB60-4398-B156-8B23F19159D9}" dt="2025-06-10T12:43:34.997" v="809" actId="1076"/>
-          <ac:spMkLst>
-            <pc:docMk/>
-            <pc:sldMk cId="1168218258" sldId="260"/>
-            <ac:spMk id="83" creationId="{98D95C48-C3F1-B033-7186-D489828F5E5E}"/>
-          </ac:spMkLst>
-        </pc:spChg>
-        <pc:spChg chg="add mod">
-          <ac:chgData name="Luis Miguel Gómez Del Cueto" userId="96bdf517-732e-4d81-a9c7-41d87206fa47" providerId="ADAL" clId="{58F8D4C3-BB60-4398-B156-8B23F19159D9}" dt="2025-06-10T12:43:34.997" v="809" actId="1076"/>
-          <ac:spMkLst>
-            <pc:docMk/>
-            <pc:sldMk cId="1168218258" sldId="260"/>
-            <ac:spMk id="84" creationId="{21892F59-148A-6B9D-1AB5-148663A96643}"/>
-          </ac:spMkLst>
-        </pc:spChg>
-        <pc:spChg chg="add mod">
-          <ac:chgData name="Luis Miguel Gómez Del Cueto" userId="96bdf517-732e-4d81-a9c7-41d87206fa47" providerId="ADAL" clId="{58F8D4C3-BB60-4398-B156-8B23F19159D9}" dt="2025-06-10T12:43:34.997" v="809" actId="1076"/>
-          <ac:spMkLst>
-            <pc:docMk/>
-            <pc:sldMk cId="1168218258" sldId="260"/>
-            <ac:spMk id="87" creationId="{080A3AC2-3C0D-5DA7-1AED-DAFC375C7B8D}"/>
-          </ac:spMkLst>
-        </pc:spChg>
-        <pc:spChg chg="add mod">
-          <ac:chgData name="Luis Miguel Gómez Del Cueto" userId="96bdf517-732e-4d81-a9c7-41d87206fa47" providerId="ADAL" clId="{58F8D4C3-BB60-4398-B156-8B23F19159D9}" dt="2025-06-10T12:43:34.997" v="809" actId="1076"/>
-          <ac:spMkLst>
-            <pc:docMk/>
-            <pc:sldMk cId="1168218258" sldId="260"/>
-            <ac:spMk id="88" creationId="{C1C962AE-4B95-68E1-D815-84AFE0111696}"/>
-          </ac:spMkLst>
-        </pc:spChg>
-        <pc:spChg chg="add mod">
-          <ac:chgData name="Luis Miguel Gómez Del Cueto" userId="96bdf517-732e-4d81-a9c7-41d87206fa47" providerId="ADAL" clId="{58F8D4C3-BB60-4398-B156-8B23F19159D9}" dt="2025-06-10T12:43:34.997" v="809" actId="1076"/>
-          <ac:spMkLst>
-            <pc:docMk/>
-            <pc:sldMk cId="1168218258" sldId="260"/>
-            <ac:spMk id="89" creationId="{0D4105A3-8646-2CA6-3607-6A2453F8E26E}"/>
-          </ac:spMkLst>
-        </pc:spChg>
-        <pc:spChg chg="add mod">
-          <ac:chgData name="Luis Miguel Gómez Del Cueto" userId="96bdf517-732e-4d81-a9c7-41d87206fa47" providerId="ADAL" clId="{58F8D4C3-BB60-4398-B156-8B23F19159D9}" dt="2025-06-10T12:43:34.997" v="809" actId="1076"/>
-          <ac:spMkLst>
-            <pc:docMk/>
-            <pc:sldMk cId="1168218258" sldId="260"/>
-            <ac:spMk id="90" creationId="{3A2EFE0E-5BB6-3B71-E7A6-7DDB4BE23B14}"/>
-          </ac:spMkLst>
-        </pc:spChg>
-        <pc:spChg chg="add mod">
-          <ac:chgData name="Luis Miguel Gómez Del Cueto" userId="96bdf517-732e-4d81-a9c7-41d87206fa47" providerId="ADAL" clId="{58F8D4C3-BB60-4398-B156-8B23F19159D9}" dt="2025-06-10T12:43:34.997" v="809" actId="1076"/>
-          <ac:spMkLst>
-            <pc:docMk/>
-            <pc:sldMk cId="1168218258" sldId="260"/>
-            <ac:spMk id="91" creationId="{673B818A-1E36-2F89-D5A2-22FC85FBEAC4}"/>
-          </ac:spMkLst>
-        </pc:spChg>
-        <pc:spChg chg="add mod">
-          <ac:chgData name="Luis Miguel Gómez Del Cueto" userId="96bdf517-732e-4d81-a9c7-41d87206fa47" providerId="ADAL" clId="{58F8D4C3-BB60-4398-B156-8B23F19159D9}" dt="2025-06-10T12:43:34.997" v="809" actId="1076"/>
-          <ac:spMkLst>
-            <pc:docMk/>
-            <pc:sldMk cId="1168218258" sldId="260"/>
-            <ac:spMk id="92" creationId="{5CB830C3-20BF-982C-DA83-291C024D3195}"/>
-          </ac:spMkLst>
-        </pc:spChg>
-        <pc:spChg chg="add mod">
-          <ac:chgData name="Luis Miguel Gómez Del Cueto" userId="96bdf517-732e-4d81-a9c7-41d87206fa47" providerId="ADAL" clId="{58F8D4C3-BB60-4398-B156-8B23F19159D9}" dt="2025-06-10T12:43:34.997" v="809" actId="1076"/>
-          <ac:spMkLst>
-            <pc:docMk/>
-            <pc:sldMk cId="1168218258" sldId="260"/>
-            <ac:spMk id="99" creationId="{341F36A0-71A3-DD78-540A-7B46E85499FD}"/>
-          </ac:spMkLst>
-        </pc:spChg>
-        <pc:spChg chg="add mod">
-          <ac:chgData name="Luis Miguel Gómez Del Cueto" userId="96bdf517-732e-4d81-a9c7-41d87206fa47" providerId="ADAL" clId="{58F8D4C3-BB60-4398-B156-8B23F19159D9}" dt="2025-06-10T12:45:06.557" v="824" actId="1076"/>
-          <ac:spMkLst>
-            <pc:docMk/>
-            <pc:sldMk cId="1168218258" sldId="260"/>
-            <ac:spMk id="110" creationId="{0C0D8CD4-9A8D-961E-4E67-F48F04818B24}"/>
-          </ac:spMkLst>
-        </pc:spChg>
-        <pc:picChg chg="add mod modCrop">
-          <ac:chgData name="Luis Miguel Gómez Del Cueto" userId="96bdf517-732e-4d81-a9c7-41d87206fa47" providerId="ADAL" clId="{58F8D4C3-BB60-4398-B156-8B23F19159D9}" dt="2025-06-10T12:43:53.212" v="812" actId="1076"/>
-          <ac:picMkLst>
-            <pc:docMk/>
-            <pc:sldMk cId="1168218258" sldId="260"/>
-            <ac:picMk id="38" creationId="{40337578-3404-2190-4CDE-A447ED7A480F}"/>
-          </ac:picMkLst>
-        </pc:picChg>
-        <pc:picChg chg="add del mod modCrop">
-          <ac:chgData name="Luis Miguel Gómez Del Cueto" userId="96bdf517-732e-4d81-a9c7-41d87206fa47" providerId="ADAL" clId="{58F8D4C3-BB60-4398-B156-8B23F19159D9}" dt="2025-06-10T12:45:34.955" v="829" actId="21"/>
-          <ac:picMkLst>
-            <pc:docMk/>
-            <pc:sldMk cId="1168218258" sldId="260"/>
-            <ac:picMk id="40" creationId="{801D0628-94AB-2AC7-2697-B8B9193A635B}"/>
-          </ac:picMkLst>
-        </pc:picChg>
-        <pc:picChg chg="add mod modCrop">
-          <ac:chgData name="Luis Miguel Gómez Del Cueto" userId="96bdf517-732e-4d81-a9c7-41d87206fa47" providerId="ADAL" clId="{58F8D4C3-BB60-4398-B156-8B23F19159D9}" dt="2025-06-10T11:13:19.530" v="704" actId="1076"/>
-          <ac:picMkLst>
-            <pc:docMk/>
-            <pc:sldMk cId="1168218258" sldId="260"/>
-            <ac:picMk id="42" creationId="{7DA9FC7A-8327-A75A-B984-81CCB690F922}"/>
-          </ac:picMkLst>
-        </pc:picChg>
-        <pc:picChg chg="add mod modCrop">
-          <ac:chgData name="Luis Miguel Gómez Del Cueto" userId="96bdf517-732e-4d81-a9c7-41d87206fa47" providerId="ADAL" clId="{58F8D4C3-BB60-4398-B156-8B23F19159D9}" dt="2025-06-10T11:13:19.530" v="704" actId="1076"/>
-          <ac:picMkLst>
-            <pc:docMk/>
-            <pc:sldMk cId="1168218258" sldId="260"/>
-            <ac:picMk id="44" creationId="{1040D040-4F8D-4AC0-C995-948F04577FF6}"/>
-          </ac:picMkLst>
-        </pc:picChg>
-        <pc:picChg chg="add mod modCrop">
-          <ac:chgData name="Luis Miguel Gómez Del Cueto" userId="96bdf517-732e-4d81-a9c7-41d87206fa47" providerId="ADAL" clId="{58F8D4C3-BB60-4398-B156-8B23F19159D9}" dt="2025-06-10T11:13:19.530" v="704" actId="1076"/>
-          <ac:picMkLst>
-            <pc:docMk/>
-            <pc:sldMk cId="1168218258" sldId="260"/>
-            <ac:picMk id="46" creationId="{FC2053A6-AF54-2382-0951-C9D154AD2190}"/>
-          </ac:picMkLst>
-        </pc:picChg>
-        <pc:picChg chg="add mod modCrop">
-          <ac:chgData name="Luis Miguel Gómez Del Cueto" userId="96bdf517-732e-4d81-a9c7-41d87206fa47" providerId="ADAL" clId="{58F8D4C3-BB60-4398-B156-8B23F19159D9}" dt="2025-06-10T11:13:19.530" v="704" actId="1076"/>
-          <ac:picMkLst>
-            <pc:docMk/>
-            <pc:sldMk cId="1168218258" sldId="260"/>
-            <ac:picMk id="48" creationId="{19979601-4F16-CDAC-DAB3-605CA7CAFBCB}"/>
-          </ac:picMkLst>
-        </pc:picChg>
-        <pc:picChg chg="add mod modCrop">
-          <ac:chgData name="Luis Miguel Gómez Del Cueto" userId="96bdf517-732e-4d81-a9c7-41d87206fa47" providerId="ADAL" clId="{58F8D4C3-BB60-4398-B156-8B23F19159D9}" dt="2025-06-10T11:13:19.530" v="704" actId="1076"/>
-          <ac:picMkLst>
-            <pc:docMk/>
-            <pc:sldMk cId="1168218258" sldId="260"/>
-            <ac:picMk id="50" creationId="{FD602D85-1083-7D7E-3E12-199FCCCA1916}"/>
-          </ac:picMkLst>
-        </pc:picChg>
-        <pc:picChg chg="add mod modCrop">
-          <ac:chgData name="Luis Miguel Gómez Del Cueto" userId="96bdf517-732e-4d81-a9c7-41d87206fa47" providerId="ADAL" clId="{58F8D4C3-BB60-4398-B156-8B23F19159D9}" dt="2025-06-10T12:42:50.858" v="805" actId="732"/>
-          <ac:picMkLst>
-            <pc:docMk/>
-            <pc:sldMk cId="1168218258" sldId="260"/>
-            <ac:picMk id="101" creationId="{EE5D2F3E-4B84-B7E0-A822-26D74101FBE1}"/>
-          </ac:picMkLst>
-        </pc:picChg>
-        <pc:picChg chg="add mod modCrop">
-          <ac:chgData name="Luis Miguel Gómez Del Cueto" userId="96bdf517-732e-4d81-a9c7-41d87206fa47" providerId="ADAL" clId="{58F8D4C3-BB60-4398-B156-8B23F19159D9}" dt="2025-06-10T12:44:48.862" v="819" actId="732"/>
-          <ac:picMkLst>
-            <pc:docMk/>
-            <pc:sldMk cId="1168218258" sldId="260"/>
-            <ac:picMk id="103" creationId="{D7B4838F-8F1E-494A-9069-78B7DCE2827F}"/>
-          </ac:picMkLst>
-        </pc:picChg>
-        <pc:cxnChg chg="add mod">
-          <ac:chgData name="Luis Miguel Gómez Del Cueto" userId="96bdf517-732e-4d81-a9c7-41d87206fa47" providerId="ADAL" clId="{58F8D4C3-BB60-4398-B156-8B23F19159D9}" dt="2025-06-10T12:43:55.336" v="813" actId="14100"/>
-          <ac:cxnSpMkLst>
-            <pc:docMk/>
-            <pc:sldMk cId="1168218258" sldId="260"/>
-            <ac:cxnSpMk id="51" creationId="{E0D4C07C-DC6C-1165-F178-46CA52791E14}"/>
-          </ac:cxnSpMkLst>
-        </pc:cxnChg>
-        <pc:cxnChg chg="add mod">
-          <ac:chgData name="Luis Miguel Gómez Del Cueto" userId="96bdf517-732e-4d81-a9c7-41d87206fa47" providerId="ADAL" clId="{58F8D4C3-BB60-4398-B156-8B23F19159D9}" dt="2025-06-10T11:18:35.743" v="787" actId="1076"/>
-          <ac:cxnSpMkLst>
-            <pc:docMk/>
-            <pc:sldMk cId="1168218258" sldId="260"/>
-            <ac:cxnSpMk id="54" creationId="{D8CAC67C-E211-F596-ACFD-C48D604FB626}"/>
-          </ac:cxnSpMkLst>
-        </pc:cxnChg>
-        <pc:cxnChg chg="add mod">
-          <ac:chgData name="Luis Miguel Gómez Del Cueto" userId="96bdf517-732e-4d81-a9c7-41d87206fa47" providerId="ADAL" clId="{58F8D4C3-BB60-4398-B156-8B23F19159D9}" dt="2025-06-10T11:09:35.457" v="666" actId="14100"/>
-          <ac:cxnSpMkLst>
-            <pc:docMk/>
-            <pc:sldMk cId="1168218258" sldId="260"/>
-            <ac:cxnSpMk id="57" creationId="{73993357-9848-0BDF-A68D-4420E66CE448}"/>
-          </ac:cxnSpMkLst>
-        </pc:cxnChg>
-        <pc:cxnChg chg="add mod">
-          <ac:chgData name="Luis Miguel Gómez Del Cueto" userId="96bdf517-732e-4d81-a9c7-41d87206fa47" providerId="ADAL" clId="{58F8D4C3-BB60-4398-B156-8B23F19159D9}" dt="2025-06-10T11:09:44.124" v="670" actId="14100"/>
-          <ac:cxnSpMkLst>
-            <pc:docMk/>
-            <pc:sldMk cId="1168218258" sldId="260"/>
-            <ac:cxnSpMk id="60" creationId="{997D8A96-BA5E-8F69-8D8C-62DDDC37D0F3}"/>
-          </ac:cxnSpMkLst>
-        </pc:cxnChg>
-        <pc:cxnChg chg="add mod">
-          <ac:chgData name="Luis Miguel Gómez Del Cueto" userId="96bdf517-732e-4d81-a9c7-41d87206fa47" providerId="ADAL" clId="{58F8D4C3-BB60-4398-B156-8B23F19159D9}" dt="2025-06-10T11:13:19.530" v="704" actId="1076"/>
-          <ac:cxnSpMkLst>
-            <pc:docMk/>
-            <pc:sldMk cId="1168218258" sldId="260"/>
-            <ac:cxnSpMk id="63" creationId="{776230F7-3345-EE2D-EDBC-F7F7EB5513AA}"/>
-          </ac:cxnSpMkLst>
-        </pc:cxnChg>
-        <pc:cxnChg chg="add mod">
-          <ac:chgData name="Luis Miguel Gómez Del Cueto" userId="96bdf517-732e-4d81-a9c7-41d87206fa47" providerId="ADAL" clId="{58F8D4C3-BB60-4398-B156-8B23F19159D9}" dt="2025-06-10T11:10:03.834" v="678" actId="14100"/>
-          <ac:cxnSpMkLst>
-            <pc:docMk/>
-            <pc:sldMk cId="1168218258" sldId="260"/>
-            <ac:cxnSpMk id="67" creationId="{AE4DF54C-B94D-A65A-EFC0-BF96B5E88C85}"/>
-          </ac:cxnSpMkLst>
-        </pc:cxnChg>
-        <pc:cxnChg chg="add mod">
-          <ac:chgData name="Luis Miguel Gómez Del Cueto" userId="96bdf517-732e-4d81-a9c7-41d87206fa47" providerId="ADAL" clId="{58F8D4C3-BB60-4398-B156-8B23F19159D9}" dt="2025-06-10T12:42:09.996" v="795" actId="478"/>
-          <ac:cxnSpMkLst>
-            <pc:docMk/>
-            <pc:sldMk cId="1168218258" sldId="260"/>
-            <ac:cxnSpMk id="72" creationId="{6189B647-BA27-81A0-BF86-AEF6D724B633}"/>
-          </ac:cxnSpMkLst>
-        </pc:cxnChg>
-        <pc:cxnChg chg="add mod">
-          <ac:chgData name="Luis Miguel Gómez Del Cueto" userId="96bdf517-732e-4d81-a9c7-41d87206fa47" providerId="ADAL" clId="{58F8D4C3-BB60-4398-B156-8B23F19159D9}" dt="2025-06-10T11:18:38.817" v="788" actId="1076"/>
-          <ac:cxnSpMkLst>
-            <pc:docMk/>
-            <pc:sldMk cId="1168218258" sldId="260"/>
-            <ac:cxnSpMk id="93" creationId="{244FA1F0-1EF4-AD6F-D5B0-D4C649E7FDA8}"/>
-          </ac:cxnSpMkLst>
-        </pc:cxnChg>
-        <pc:cxnChg chg="add mod">
-          <ac:chgData name="Luis Miguel Gómez Del Cueto" userId="96bdf517-732e-4d81-a9c7-41d87206fa47" providerId="ADAL" clId="{58F8D4C3-BB60-4398-B156-8B23F19159D9}" dt="2025-06-10T12:44:51.891" v="820" actId="14100"/>
-          <ac:cxnSpMkLst>
-            <pc:docMk/>
-            <pc:sldMk cId="1168218258" sldId="260"/>
-            <ac:cxnSpMk id="106" creationId="{08A48604-BD2E-BD28-AE75-F15880560A3C}"/>
-          </ac:cxnSpMkLst>
-        </pc:cxnChg>
       </pc:sldChg>
       <pc:sldChg chg="addSp delSp modSp new mod ord">
         <pc:chgData name="Luis Miguel Gómez Del Cueto" userId="96bdf517-732e-4d81-a9c7-41d87206fa47" providerId="ADAL" clId="{58F8D4C3-BB60-4398-B156-8B23F19159D9}" dt="2025-06-10T21:01:06.756" v="896" actId="14100"/>
@@ -466,38 +233,6 @@
           <pc:docMk/>
           <pc:sldMk cId="3453018589" sldId="261"/>
         </pc:sldMkLst>
-        <pc:spChg chg="add mod">
-          <ac:chgData name="Luis Miguel Gómez Del Cueto" userId="96bdf517-732e-4d81-a9c7-41d87206fa47" providerId="ADAL" clId="{58F8D4C3-BB60-4398-B156-8B23F19159D9}" dt="2025-06-10T21:01:00.576" v="894" actId="1076"/>
-          <ac:spMkLst>
-            <pc:docMk/>
-            <pc:sldMk cId="3453018589" sldId="261"/>
-            <ac:spMk id="7" creationId="{A9280FFB-1E9A-9AE1-1922-65BC430C26F6}"/>
-          </ac:spMkLst>
-        </pc:spChg>
-        <pc:picChg chg="add mod">
-          <ac:chgData name="Luis Miguel Gómez Del Cueto" userId="96bdf517-732e-4d81-a9c7-41d87206fa47" providerId="ADAL" clId="{58F8D4C3-BB60-4398-B156-8B23F19159D9}" dt="2025-06-10T21:01:04.025" v="895" actId="1076"/>
-          <ac:picMkLst>
-            <pc:docMk/>
-            <pc:sldMk cId="3453018589" sldId="261"/>
-            <ac:picMk id="4" creationId="{A5E334FD-4960-AD13-0823-364FF000F002}"/>
-          </ac:picMkLst>
-        </pc:picChg>
-        <pc:picChg chg="add mod">
-          <ac:chgData name="Luis Miguel Gómez Del Cueto" userId="96bdf517-732e-4d81-a9c7-41d87206fa47" providerId="ADAL" clId="{58F8D4C3-BB60-4398-B156-8B23F19159D9}" dt="2025-06-10T21:00:44.590" v="890" actId="1076"/>
-          <ac:picMkLst>
-            <pc:docMk/>
-            <pc:sldMk cId="3453018589" sldId="261"/>
-            <ac:picMk id="5" creationId="{B63C6F60-32C6-8F9B-8038-410EE3D59BA0}"/>
-          </ac:picMkLst>
-        </pc:picChg>
-        <pc:cxnChg chg="add mod">
-          <ac:chgData name="Luis Miguel Gómez Del Cueto" userId="96bdf517-732e-4d81-a9c7-41d87206fa47" providerId="ADAL" clId="{58F8D4C3-BB60-4398-B156-8B23F19159D9}" dt="2025-06-10T21:01:06.756" v="896" actId="14100"/>
-          <ac:cxnSpMkLst>
-            <pc:docMk/>
-            <pc:sldMk cId="3453018589" sldId="261"/>
-            <ac:cxnSpMk id="6" creationId="{C851D329-A7E0-A7AF-D76C-4E2C1C48FD49}"/>
-          </ac:cxnSpMkLst>
-        </pc:cxnChg>
       </pc:sldChg>
       <pc:sldChg chg="addSp delSp modSp new mod ord">
         <pc:chgData name="Luis Miguel Gómez Del Cueto" userId="96bdf517-732e-4d81-a9c7-41d87206fa47" providerId="ADAL" clId="{58F8D4C3-BB60-4398-B156-8B23F19159D9}" dt="2025-07-02T15:23:54.502" v="1141" actId="17032"/>
@@ -505,190 +240,6 @@
           <pc:docMk/>
           <pc:sldMk cId="850494225" sldId="262"/>
         </pc:sldMkLst>
-        <pc:spChg chg="del">
-          <ac:chgData name="Luis Miguel Gómez Del Cueto" userId="96bdf517-732e-4d81-a9c7-41d87206fa47" providerId="ADAL" clId="{58F8D4C3-BB60-4398-B156-8B23F19159D9}" dt="2025-07-02T15:17:18.222" v="902" actId="478"/>
-          <ac:spMkLst>
-            <pc:docMk/>
-            <pc:sldMk cId="850494225" sldId="262"/>
-            <ac:spMk id="2" creationId="{BCEC77C1-6DB3-A288-319C-D57CE9491731}"/>
-          </ac:spMkLst>
-        </pc:spChg>
-        <pc:spChg chg="del mod">
-          <ac:chgData name="Luis Miguel Gómez Del Cueto" userId="96bdf517-732e-4d81-a9c7-41d87206fa47" providerId="ADAL" clId="{58F8D4C3-BB60-4398-B156-8B23F19159D9}" dt="2025-07-02T15:17:17.017" v="901" actId="478"/>
-          <ac:spMkLst>
-            <pc:docMk/>
-            <pc:sldMk cId="850494225" sldId="262"/>
-            <ac:spMk id="3" creationId="{9CE28F68-E614-372B-32EF-E166D2417430}"/>
-          </ac:spMkLst>
-        </pc:spChg>
-        <pc:spChg chg="add mod">
-          <ac:chgData name="Luis Miguel Gómez Del Cueto" userId="96bdf517-732e-4d81-a9c7-41d87206fa47" providerId="ADAL" clId="{58F8D4C3-BB60-4398-B156-8B23F19159D9}" dt="2025-07-02T15:22:58.754" v="1115" actId="1076"/>
-          <ac:spMkLst>
-            <pc:docMk/>
-            <pc:sldMk cId="850494225" sldId="262"/>
-            <ac:spMk id="4" creationId="{00084F12-0741-7A56-84FC-6D6C24C1CF55}"/>
-          </ac:spMkLst>
-        </pc:spChg>
-        <pc:spChg chg="add del">
-          <ac:chgData name="Luis Miguel Gómez Del Cueto" userId="96bdf517-732e-4d81-a9c7-41d87206fa47" providerId="ADAL" clId="{58F8D4C3-BB60-4398-B156-8B23F19159D9}" dt="2025-07-02T15:17:43.420" v="908" actId="11529"/>
-          <ac:spMkLst>
-            <pc:docMk/>
-            <pc:sldMk cId="850494225" sldId="262"/>
-            <ac:spMk id="5" creationId="{456F4DC0-B50F-6776-1B99-1E93A68D13FE}"/>
-          </ac:spMkLst>
-        </pc:spChg>
-        <pc:spChg chg="add mod">
-          <ac:chgData name="Luis Miguel Gómez Del Cueto" userId="96bdf517-732e-4d81-a9c7-41d87206fa47" providerId="ADAL" clId="{58F8D4C3-BB60-4398-B156-8B23F19159D9}" dt="2025-07-02T15:22:28.568" v="1111" actId="20577"/>
-          <ac:spMkLst>
-            <pc:docMk/>
-            <pc:sldMk cId="850494225" sldId="262"/>
-            <ac:spMk id="6" creationId="{8B260266-C95F-C876-3A77-8DF92A6E12E2}"/>
-          </ac:spMkLst>
-        </pc:spChg>
-        <pc:spChg chg="add mod">
-          <ac:chgData name="Luis Miguel Gómez Del Cueto" userId="96bdf517-732e-4d81-a9c7-41d87206fa47" providerId="ADAL" clId="{58F8D4C3-BB60-4398-B156-8B23F19159D9}" dt="2025-07-02T15:17:58.027" v="919"/>
-          <ac:spMkLst>
-            <pc:docMk/>
-            <pc:sldMk cId="850494225" sldId="262"/>
-            <ac:spMk id="7" creationId="{36F94557-03E6-7EBE-1E95-626663022FD3}"/>
-          </ac:spMkLst>
-        </pc:spChg>
-        <pc:spChg chg="add mod">
-          <ac:chgData name="Luis Miguel Gómez Del Cueto" userId="96bdf517-732e-4d81-a9c7-41d87206fa47" providerId="ADAL" clId="{58F8D4C3-BB60-4398-B156-8B23F19159D9}" dt="2025-07-02T15:19:10.261" v="973" actId="20577"/>
-          <ac:spMkLst>
-            <pc:docMk/>
-            <pc:sldMk cId="850494225" sldId="262"/>
-            <ac:spMk id="8" creationId="{8CC5F6DA-9FB1-710A-24B5-BAE3FA9FF8C8}"/>
-          </ac:spMkLst>
-        </pc:spChg>
-        <pc:spChg chg="add mod">
-          <ac:chgData name="Luis Miguel Gómez Del Cueto" userId="96bdf517-732e-4d81-a9c7-41d87206fa47" providerId="ADAL" clId="{58F8D4C3-BB60-4398-B156-8B23F19159D9}" dt="2025-07-02T15:19:06.085" v="965" actId="20577"/>
-          <ac:spMkLst>
-            <pc:docMk/>
-            <pc:sldMk cId="850494225" sldId="262"/>
-            <ac:spMk id="9" creationId="{D6F2948A-D08A-67FF-3DB1-D98BF7AAD164}"/>
-          </ac:spMkLst>
-        </pc:spChg>
-        <pc:spChg chg="add mod">
-          <ac:chgData name="Luis Miguel Gómez Del Cueto" userId="96bdf517-732e-4d81-a9c7-41d87206fa47" providerId="ADAL" clId="{58F8D4C3-BB60-4398-B156-8B23F19159D9}" dt="2025-07-02T15:18:55.758" v="950" actId="1076"/>
-          <ac:spMkLst>
-            <pc:docMk/>
-            <pc:sldMk cId="850494225" sldId="262"/>
-            <ac:spMk id="10" creationId="{7A029633-712C-A4C2-9A4A-C1F377F76541}"/>
-          </ac:spMkLst>
-        </pc:spChg>
-        <pc:spChg chg="add mod">
-          <ac:chgData name="Luis Miguel Gómez Del Cueto" userId="96bdf517-732e-4d81-a9c7-41d87206fa47" providerId="ADAL" clId="{58F8D4C3-BB60-4398-B156-8B23F19159D9}" dt="2025-07-02T15:19:45.759" v="984" actId="1076"/>
-          <ac:spMkLst>
-            <pc:docMk/>
-            <pc:sldMk cId="850494225" sldId="262"/>
-            <ac:spMk id="11" creationId="{015BDB61-E5F5-ED6A-A734-B2E4881D1246}"/>
-          </ac:spMkLst>
-        </pc:spChg>
-        <pc:spChg chg="add del mod">
-          <ac:chgData name="Luis Miguel Gómez Del Cueto" userId="96bdf517-732e-4d81-a9c7-41d87206fa47" providerId="ADAL" clId="{58F8D4C3-BB60-4398-B156-8B23F19159D9}" dt="2025-07-02T15:19:41.966" v="982" actId="478"/>
-          <ac:spMkLst>
-            <pc:docMk/>
-            <pc:sldMk cId="850494225" sldId="262"/>
-            <ac:spMk id="12" creationId="{6D2D3665-36F1-1008-2584-EB9885A07F7A}"/>
-          </ac:spMkLst>
-        </pc:spChg>
-        <pc:spChg chg="add mod">
-          <ac:chgData name="Luis Miguel Gómez Del Cueto" userId="96bdf517-732e-4d81-a9c7-41d87206fa47" providerId="ADAL" clId="{58F8D4C3-BB60-4398-B156-8B23F19159D9}" dt="2025-07-02T15:19:48.780" v="986" actId="1076"/>
-          <ac:spMkLst>
-            <pc:docMk/>
-            <pc:sldMk cId="850494225" sldId="262"/>
-            <ac:spMk id="13" creationId="{0EB90EC1-8BDE-857C-1F02-346465B2223F}"/>
-          </ac:spMkLst>
-        </pc:spChg>
-        <pc:spChg chg="add mod">
-          <ac:chgData name="Luis Miguel Gómez Del Cueto" userId="96bdf517-732e-4d81-a9c7-41d87206fa47" providerId="ADAL" clId="{58F8D4C3-BB60-4398-B156-8B23F19159D9}" dt="2025-07-02T15:20:56.406" v="1006" actId="20577"/>
-          <ac:spMkLst>
-            <pc:docMk/>
-            <pc:sldMk cId="850494225" sldId="262"/>
-            <ac:spMk id="14" creationId="{6CE2219A-6AAF-4E6F-F15B-859C74871762}"/>
-          </ac:spMkLst>
-        </pc:spChg>
-        <pc:spChg chg="add del mod">
-          <ac:chgData name="Luis Miguel Gómez Del Cueto" userId="96bdf517-732e-4d81-a9c7-41d87206fa47" providerId="ADAL" clId="{58F8D4C3-BB60-4398-B156-8B23F19159D9}" dt="2025-07-02T15:20:37.464" v="993" actId="478"/>
-          <ac:spMkLst>
-            <pc:docMk/>
-            <pc:sldMk cId="850494225" sldId="262"/>
-            <ac:spMk id="15" creationId="{29C83C7C-85EF-40CD-9734-6918C3F37866}"/>
-          </ac:spMkLst>
-        </pc:spChg>
-        <pc:spChg chg="add mod">
-          <ac:chgData name="Luis Miguel Gómez Del Cueto" userId="96bdf517-732e-4d81-a9c7-41d87206fa47" providerId="ADAL" clId="{58F8D4C3-BB60-4398-B156-8B23F19159D9}" dt="2025-07-02T15:20:59.643" v="1015" actId="20577"/>
-          <ac:spMkLst>
-            <pc:docMk/>
-            <pc:sldMk cId="850494225" sldId="262"/>
-            <ac:spMk id="16" creationId="{A8708463-8CE9-6BCF-C7A6-386728B38916}"/>
-          </ac:spMkLst>
-        </pc:spChg>
-        <pc:spChg chg="add mod">
-          <ac:chgData name="Luis Miguel Gómez Del Cueto" userId="96bdf517-732e-4d81-a9c7-41d87206fa47" providerId="ADAL" clId="{58F8D4C3-BB60-4398-B156-8B23F19159D9}" dt="2025-07-02T15:21:02.863" v="1024" actId="20577"/>
-          <ac:spMkLst>
-            <pc:docMk/>
-            <pc:sldMk cId="850494225" sldId="262"/>
-            <ac:spMk id="17" creationId="{4A7ABBFA-DF11-61AF-E147-5DCB00843199}"/>
-          </ac:spMkLst>
-        </pc:spChg>
-        <pc:spChg chg="add mod">
-          <ac:chgData name="Luis Miguel Gómez Del Cueto" userId="96bdf517-732e-4d81-a9c7-41d87206fa47" providerId="ADAL" clId="{58F8D4C3-BB60-4398-B156-8B23F19159D9}" dt="2025-07-02T15:21:26.299" v="1035" actId="1076"/>
-          <ac:spMkLst>
-            <pc:docMk/>
-            <pc:sldMk cId="850494225" sldId="262"/>
-            <ac:spMk id="18" creationId="{F1D45D5F-D2A4-C455-8729-660AEFA6E52F}"/>
-          </ac:spMkLst>
-        </pc:spChg>
-        <pc:spChg chg="add mod">
-          <ac:chgData name="Luis Miguel Gómez Del Cueto" userId="96bdf517-732e-4d81-a9c7-41d87206fa47" providerId="ADAL" clId="{58F8D4C3-BB60-4398-B156-8B23F19159D9}" dt="2025-07-02T15:21:34.884" v="1050" actId="20577"/>
-          <ac:spMkLst>
-            <pc:docMk/>
-            <pc:sldMk cId="850494225" sldId="262"/>
-            <ac:spMk id="19" creationId="{C49D0943-0353-F746-8147-7967FE5126CC}"/>
-          </ac:spMkLst>
-        </pc:spChg>
-        <pc:spChg chg="add mod">
-          <ac:chgData name="Luis Miguel Gómez Del Cueto" userId="96bdf517-732e-4d81-a9c7-41d87206fa47" providerId="ADAL" clId="{58F8D4C3-BB60-4398-B156-8B23F19159D9}" dt="2025-07-02T15:22:53.706" v="1112" actId="1076"/>
-          <ac:spMkLst>
-            <pc:docMk/>
-            <pc:sldMk cId="850494225" sldId="262"/>
-            <ac:spMk id="20" creationId="{601F53D1-FBA5-174D-0C10-3FD915D49399}"/>
-          </ac:spMkLst>
-        </pc:spChg>
-        <pc:spChg chg="add mod">
-          <ac:chgData name="Luis Miguel Gómez Del Cueto" userId="96bdf517-732e-4d81-a9c7-41d87206fa47" providerId="ADAL" clId="{58F8D4C3-BB60-4398-B156-8B23F19159D9}" dt="2025-07-02T15:22:56.223" v="1113" actId="1076"/>
-          <ac:spMkLst>
-            <pc:docMk/>
-            <pc:sldMk cId="850494225" sldId="262"/>
-            <ac:spMk id="21" creationId="{7C437EA4-B6D8-D096-9AC3-5E07C99CD275}"/>
-          </ac:spMkLst>
-        </pc:spChg>
-        <pc:spChg chg="add mod">
-          <ac:chgData name="Luis Miguel Gómez Del Cueto" userId="96bdf517-732e-4d81-a9c7-41d87206fa47" providerId="ADAL" clId="{58F8D4C3-BB60-4398-B156-8B23F19159D9}" dt="2025-07-02T15:23:03.215" v="1116" actId="1076"/>
-          <ac:spMkLst>
-            <pc:docMk/>
-            <pc:sldMk cId="850494225" sldId="262"/>
-            <ac:spMk id="22" creationId="{E92AEC6E-EE8F-5DA0-7E68-8565FC1C2A52}"/>
-          </ac:spMkLst>
-        </pc:spChg>
-        <pc:spChg chg="add mod">
-          <ac:chgData name="Luis Miguel Gómez Del Cueto" userId="96bdf517-732e-4d81-a9c7-41d87206fa47" providerId="ADAL" clId="{58F8D4C3-BB60-4398-B156-8B23F19159D9}" dt="2025-07-02T15:22:21.138" v="1107" actId="20577"/>
-          <ac:spMkLst>
-            <pc:docMk/>
-            <pc:sldMk cId="850494225" sldId="262"/>
-            <ac:spMk id="23" creationId="{4FAD4DBE-BB73-62DA-35A1-AE66C2382261}"/>
-          </ac:spMkLst>
-        </pc:spChg>
-        <pc:spChg chg="add mod">
-          <ac:chgData name="Luis Miguel Gómez Del Cueto" userId="96bdf517-732e-4d81-a9c7-41d87206fa47" providerId="ADAL" clId="{58F8D4C3-BB60-4398-B156-8B23F19159D9}" dt="2025-07-02T15:23:54.502" v="1141" actId="17032"/>
-          <ac:spMkLst>
-            <pc:docMk/>
-            <pc:sldMk cId="850494225" sldId="262"/>
-            <ac:spMk id="24" creationId="{554D4806-33FE-7438-5248-DC78D088AD18}"/>
-          </ac:spMkLst>
-        </pc:spChg>
       </pc:sldChg>
       <pc:sldChg chg="addSp delSp modSp new mod">
         <pc:chgData name="Luis Miguel Gómez Del Cueto" userId="96bdf517-732e-4d81-a9c7-41d87206fa47" providerId="ADAL" clId="{58F8D4C3-BB60-4398-B156-8B23F19159D9}" dt="2025-07-02T18:02:22.976" v="1242" actId="1076"/>
@@ -696,126 +247,6 @@
           <pc:docMk/>
           <pc:sldMk cId="1788986694" sldId="263"/>
         </pc:sldMkLst>
-        <pc:spChg chg="del">
-          <ac:chgData name="Luis Miguel Gómez Del Cueto" userId="96bdf517-732e-4d81-a9c7-41d87206fa47" providerId="ADAL" clId="{58F8D4C3-BB60-4398-B156-8B23F19159D9}" dt="2025-07-02T17:58:13.688" v="1143" actId="478"/>
-          <ac:spMkLst>
-            <pc:docMk/>
-            <pc:sldMk cId="1788986694" sldId="263"/>
-            <ac:spMk id="2" creationId="{252947B4-BFDF-F8FC-BF72-C40668AB8A8C}"/>
-          </ac:spMkLst>
-        </pc:spChg>
-        <pc:spChg chg="del">
-          <ac:chgData name="Luis Miguel Gómez Del Cueto" userId="96bdf517-732e-4d81-a9c7-41d87206fa47" providerId="ADAL" clId="{58F8D4C3-BB60-4398-B156-8B23F19159D9}" dt="2025-07-02T17:58:15.585" v="1144" actId="478"/>
-          <ac:spMkLst>
-            <pc:docMk/>
-            <pc:sldMk cId="1788986694" sldId="263"/>
-            <ac:spMk id="3" creationId="{7695183D-B5BD-670E-5CF2-2B3D6A8067BD}"/>
-          </ac:spMkLst>
-        </pc:spChg>
-        <pc:spChg chg="add mod">
-          <ac:chgData name="Luis Miguel Gómez Del Cueto" userId="96bdf517-732e-4d81-a9c7-41d87206fa47" providerId="ADAL" clId="{58F8D4C3-BB60-4398-B156-8B23F19159D9}" dt="2025-07-02T17:58:43.967" v="1173" actId="1076"/>
-          <ac:spMkLst>
-            <pc:docMk/>
-            <pc:sldMk cId="1788986694" sldId="263"/>
-            <ac:spMk id="4" creationId="{E2E2B041-AEA1-4120-69E1-F7B5A31D3421}"/>
-          </ac:spMkLst>
-        </pc:spChg>
-        <pc:spChg chg="add mod">
-          <ac:chgData name="Luis Miguel Gómez Del Cueto" userId="96bdf517-732e-4d81-a9c7-41d87206fa47" providerId="ADAL" clId="{58F8D4C3-BB60-4398-B156-8B23F19159D9}" dt="2025-07-02T17:59:46.407" v="1203" actId="1076"/>
-          <ac:spMkLst>
-            <pc:docMk/>
-            <pc:sldMk cId="1788986694" sldId="263"/>
-            <ac:spMk id="5" creationId="{D9B61F8A-01F8-0BF1-B7C8-8658496F0F71}"/>
-          </ac:spMkLst>
-        </pc:spChg>
-        <pc:spChg chg="add mod">
-          <ac:chgData name="Luis Miguel Gómez Del Cueto" userId="96bdf517-732e-4d81-a9c7-41d87206fa47" providerId="ADAL" clId="{58F8D4C3-BB60-4398-B156-8B23F19159D9}" dt="2025-07-02T18:01:54.936" v="1235" actId="1076"/>
-          <ac:spMkLst>
-            <pc:docMk/>
-            <pc:sldMk cId="1788986694" sldId="263"/>
-            <ac:spMk id="25" creationId="{229389CF-DA46-B781-43B8-6E45DF8F6925}"/>
-          </ac:spMkLst>
-        </pc:spChg>
-        <pc:spChg chg="add mod">
-          <ac:chgData name="Luis Miguel Gómez Del Cueto" userId="96bdf517-732e-4d81-a9c7-41d87206fa47" providerId="ADAL" clId="{58F8D4C3-BB60-4398-B156-8B23F19159D9}" dt="2025-07-02T18:02:14.539" v="1240" actId="1076"/>
-          <ac:spMkLst>
-            <pc:docMk/>
-            <pc:sldMk cId="1788986694" sldId="263"/>
-            <ac:spMk id="26" creationId="{DA6C55E9-4F3D-CA37-8870-34B32D1128E4}"/>
-          </ac:spMkLst>
-        </pc:spChg>
-        <pc:spChg chg="add mod">
-          <ac:chgData name="Luis Miguel Gómez Del Cueto" userId="96bdf517-732e-4d81-a9c7-41d87206fa47" providerId="ADAL" clId="{58F8D4C3-BB60-4398-B156-8B23F19159D9}" dt="2025-07-02T18:02:22.976" v="1242" actId="1076"/>
-          <ac:spMkLst>
-            <pc:docMk/>
-            <pc:sldMk cId="1788986694" sldId="263"/>
-            <ac:spMk id="27" creationId="{6AC78674-8F7F-5135-9C2B-8AA54B7E32D7}"/>
-          </ac:spMkLst>
-        </pc:spChg>
-        <pc:cxnChg chg="add mod">
-          <ac:chgData name="Luis Miguel Gómez Del Cueto" userId="96bdf517-732e-4d81-a9c7-41d87206fa47" providerId="ADAL" clId="{58F8D4C3-BB60-4398-B156-8B23F19159D9}" dt="2025-07-02T18:00:16.904" v="1211" actId="14100"/>
-          <ac:cxnSpMkLst>
-            <pc:docMk/>
-            <pc:sldMk cId="1788986694" sldId="263"/>
-            <ac:cxnSpMk id="7" creationId="{F358B1D8-D0C2-63F2-4D32-C0679F978EFE}"/>
-          </ac:cxnSpMkLst>
-        </pc:cxnChg>
-        <pc:cxnChg chg="add mod">
-          <ac:chgData name="Luis Miguel Gómez Del Cueto" userId="96bdf517-732e-4d81-a9c7-41d87206fa47" providerId="ADAL" clId="{58F8D4C3-BB60-4398-B156-8B23F19159D9}" dt="2025-07-02T18:00:19.553" v="1212" actId="14100"/>
-          <ac:cxnSpMkLst>
-            <pc:docMk/>
-            <pc:sldMk cId="1788986694" sldId="263"/>
-            <ac:cxnSpMk id="8" creationId="{AD6A208C-5ED2-F5A8-C108-E314943A90C4}"/>
-          </ac:cxnSpMkLst>
-        </pc:cxnChg>
-        <pc:cxnChg chg="add mod">
-          <ac:chgData name="Luis Miguel Gómez Del Cueto" userId="96bdf517-732e-4d81-a9c7-41d87206fa47" providerId="ADAL" clId="{58F8D4C3-BB60-4398-B156-8B23F19159D9}" dt="2025-07-02T17:59:58.262" v="1206" actId="17032"/>
-          <ac:cxnSpMkLst>
-            <pc:docMk/>
-            <pc:sldMk cId="1788986694" sldId="263"/>
-            <ac:cxnSpMk id="12" creationId="{9D89D405-3D64-C0FE-684E-28D9BA91F7BE}"/>
-          </ac:cxnSpMkLst>
-        </pc:cxnChg>
-        <pc:cxnChg chg="add mod">
-          <ac:chgData name="Luis Miguel Gómez Del Cueto" userId="96bdf517-732e-4d81-a9c7-41d87206fa47" providerId="ADAL" clId="{58F8D4C3-BB60-4398-B156-8B23F19159D9}" dt="2025-07-02T18:00:02.319" v="1208" actId="1076"/>
-          <ac:cxnSpMkLst>
-            <pc:docMk/>
-            <pc:sldMk cId="1788986694" sldId="263"/>
-            <ac:cxnSpMk id="14" creationId="{33394CDB-1B18-CC62-B60F-EEAE3B3AE290}"/>
-          </ac:cxnSpMkLst>
-        </pc:cxnChg>
-        <pc:cxnChg chg="add mod">
-          <ac:chgData name="Luis Miguel Gómez Del Cueto" userId="96bdf517-732e-4d81-a9c7-41d87206fa47" providerId="ADAL" clId="{58F8D4C3-BB60-4398-B156-8B23F19159D9}" dt="2025-07-02T18:00:49.419" v="1225" actId="1076"/>
-          <ac:cxnSpMkLst>
-            <pc:docMk/>
-            <pc:sldMk cId="1788986694" sldId="263"/>
-            <ac:cxnSpMk id="15" creationId="{1134F9D7-706E-3293-C5AB-820B24232E6F}"/>
-          </ac:cxnSpMkLst>
-        </pc:cxnChg>
-        <pc:cxnChg chg="add mod">
-          <ac:chgData name="Luis Miguel Gómez Del Cueto" userId="96bdf517-732e-4d81-a9c7-41d87206fa47" providerId="ADAL" clId="{58F8D4C3-BB60-4398-B156-8B23F19159D9}" dt="2025-07-02T18:00:34.906" v="1219" actId="1076"/>
-          <ac:cxnSpMkLst>
-            <pc:docMk/>
-            <pc:sldMk cId="1788986694" sldId="263"/>
-            <ac:cxnSpMk id="18" creationId="{10EDA1CC-1631-13B0-6398-CCBE73A11CF7}"/>
-          </ac:cxnSpMkLst>
-        </pc:cxnChg>
-        <pc:cxnChg chg="add mod">
-          <ac:chgData name="Luis Miguel Gómez Del Cueto" userId="96bdf517-732e-4d81-a9c7-41d87206fa47" providerId="ADAL" clId="{58F8D4C3-BB60-4398-B156-8B23F19159D9}" dt="2025-07-02T18:00:42.375" v="1221" actId="1076"/>
-          <ac:cxnSpMkLst>
-            <pc:docMk/>
-            <pc:sldMk cId="1788986694" sldId="263"/>
-            <ac:cxnSpMk id="22" creationId="{4A88A16F-840A-D6F4-2763-F6D4BC49F7FD}"/>
-          </ac:cxnSpMkLst>
-        </pc:cxnChg>
-        <pc:cxnChg chg="add mod">
-          <ac:chgData name="Luis Miguel Gómez Del Cueto" userId="96bdf517-732e-4d81-a9c7-41d87206fa47" providerId="ADAL" clId="{58F8D4C3-BB60-4398-B156-8B23F19159D9}" dt="2025-07-02T18:00:47.391" v="1224" actId="1076"/>
-          <ac:cxnSpMkLst>
-            <pc:docMk/>
-            <pc:sldMk cId="1788986694" sldId="263"/>
-            <ac:cxnSpMk id="23" creationId="{A8C57162-E719-D3F2-5748-4431EBF2B822}"/>
-          </ac:cxnSpMkLst>
-        </pc:cxnChg>
       </pc:sldChg>
     </pc:docChg>
   </pc:docChgLst>
@@ -969,7 +400,7 @@
           <a:p>
             <a:fld id="{B99DB88A-C987-4AC3-8C06-29AFE2914EB7}" type="datetimeFigureOut">
               <a:rPr lang="es-ES" smtClean="0"/>
-              <a:t>02/07/2025</a:t>
+              <a:t>14/10/2025</a:t>
             </a:fld>
             <a:endParaRPr lang="es-ES"/>
           </a:p>
@@ -1167,7 +598,7 @@
           <a:p>
             <a:fld id="{B99DB88A-C987-4AC3-8C06-29AFE2914EB7}" type="datetimeFigureOut">
               <a:rPr lang="es-ES" smtClean="0"/>
-              <a:t>02/07/2025</a:t>
+              <a:t>14/10/2025</a:t>
             </a:fld>
             <a:endParaRPr lang="es-ES"/>
           </a:p>
@@ -1375,7 +806,7 @@
           <a:p>
             <a:fld id="{B99DB88A-C987-4AC3-8C06-29AFE2914EB7}" type="datetimeFigureOut">
               <a:rPr lang="es-ES" smtClean="0"/>
-              <a:t>02/07/2025</a:t>
+              <a:t>14/10/2025</a:t>
             </a:fld>
             <a:endParaRPr lang="es-ES"/>
           </a:p>
@@ -1573,7 +1004,7 @@
           <a:p>
             <a:fld id="{B99DB88A-C987-4AC3-8C06-29AFE2914EB7}" type="datetimeFigureOut">
               <a:rPr lang="es-ES" smtClean="0"/>
-              <a:t>02/07/2025</a:t>
+              <a:t>14/10/2025</a:t>
             </a:fld>
             <a:endParaRPr lang="es-ES"/>
           </a:p>
@@ -1848,7 +1279,7 @@
           <a:p>
             <a:fld id="{B99DB88A-C987-4AC3-8C06-29AFE2914EB7}" type="datetimeFigureOut">
               <a:rPr lang="es-ES" smtClean="0"/>
-              <a:t>02/07/2025</a:t>
+              <a:t>14/10/2025</a:t>
             </a:fld>
             <a:endParaRPr lang="es-ES"/>
           </a:p>
@@ -2113,7 +1544,7 @@
           <a:p>
             <a:fld id="{B99DB88A-C987-4AC3-8C06-29AFE2914EB7}" type="datetimeFigureOut">
               <a:rPr lang="es-ES" smtClean="0"/>
-              <a:t>02/07/2025</a:t>
+              <a:t>14/10/2025</a:t>
             </a:fld>
             <a:endParaRPr lang="es-ES"/>
           </a:p>
@@ -2525,7 +1956,7 @@
           <a:p>
             <a:fld id="{B99DB88A-C987-4AC3-8C06-29AFE2914EB7}" type="datetimeFigureOut">
               <a:rPr lang="es-ES" smtClean="0"/>
-              <a:t>02/07/2025</a:t>
+              <a:t>14/10/2025</a:t>
             </a:fld>
             <a:endParaRPr lang="es-ES"/>
           </a:p>
@@ -2666,7 +2097,7 @@
           <a:p>
             <a:fld id="{B99DB88A-C987-4AC3-8C06-29AFE2914EB7}" type="datetimeFigureOut">
               <a:rPr lang="es-ES" smtClean="0"/>
-              <a:t>02/07/2025</a:t>
+              <a:t>14/10/2025</a:t>
             </a:fld>
             <a:endParaRPr lang="es-ES"/>
           </a:p>
@@ -2779,7 +2210,7 @@
           <a:p>
             <a:fld id="{B99DB88A-C987-4AC3-8C06-29AFE2914EB7}" type="datetimeFigureOut">
               <a:rPr lang="es-ES" smtClean="0"/>
-              <a:t>02/07/2025</a:t>
+              <a:t>14/10/2025</a:t>
             </a:fld>
             <a:endParaRPr lang="es-ES"/>
           </a:p>
@@ -3090,7 +2521,7 @@
           <a:p>
             <a:fld id="{B99DB88A-C987-4AC3-8C06-29AFE2914EB7}" type="datetimeFigureOut">
               <a:rPr lang="es-ES" smtClean="0"/>
-              <a:t>02/07/2025</a:t>
+              <a:t>14/10/2025</a:t>
             </a:fld>
             <a:endParaRPr lang="es-ES"/>
           </a:p>
@@ -3378,7 +2809,7 @@
           <a:p>
             <a:fld id="{B99DB88A-C987-4AC3-8C06-29AFE2914EB7}" type="datetimeFigureOut">
               <a:rPr lang="es-ES" smtClean="0"/>
-              <a:t>02/07/2025</a:t>
+              <a:t>14/10/2025</a:t>
             </a:fld>
             <a:endParaRPr lang="es-ES"/>
           </a:p>
@@ -3619,7 +3050,7 @@
           <a:p>
             <a:fld id="{B99DB88A-C987-4AC3-8C06-29AFE2914EB7}" type="datetimeFigureOut">
               <a:rPr lang="es-ES" smtClean="0"/>
-              <a:t>02/07/2025</a:t>
+              <a:t>14/10/2025</a:t>
             </a:fld>
             <a:endParaRPr lang="es-ES"/>
           </a:p>
@@ -7933,15 +7364,82 @@
         </p:nvPicPr>
         <p:blipFill>
           <a:blip r:embed="rId2"/>
-          <a:srcRect l="507" t="1389" r="709" b="260"/>
+          <a:srcRect l="507" t="1389" r="709" b="52281"/>
           <a:stretch>
             <a:fillRect/>
           </a:stretch>
         </p:blipFill>
         <p:spPr>
           <a:xfrm>
-            <a:off x="3359405" y="1803110"/>
-            <a:ext cx="4887938" cy="1940754"/>
+            <a:off x="4178914" y="1837616"/>
+            <a:ext cx="4887938" cy="914210"/>
+          </a:xfrm>
+          <a:prstGeom prst="rect">
+            <a:avLst/>
+          </a:prstGeom>
+        </p:spPr>
+      </p:pic>
+      <p:pic>
+        <p:nvPicPr>
+          <p:cNvPr id="3" name="Imagen 2">
+            <a:extLst>
+              <a:ext uri="{FF2B5EF4-FFF2-40B4-BE49-F238E27FC236}">
+                <a16:creationId xmlns:a16="http://schemas.microsoft.com/office/drawing/2014/main" id="{7F46A21C-A200-E58D-F47A-32BD19D76ECB}"/>
+              </a:ext>
+            </a:extLst>
+          </p:cNvPr>
+          <p:cNvPicPr>
+            <a:picLocks noChangeAspect="1"/>
+          </p:cNvPicPr>
+          <p:nvPr/>
+        </p:nvPicPr>
+        <p:blipFill>
+          <a:blip r:embed="rId2"/>
+          <a:srcRect l="507" t="60105" r="709" b="260"/>
+          <a:stretch>
+            <a:fillRect/>
+          </a:stretch>
+        </p:blipFill>
+        <p:spPr>
+          <a:xfrm>
+            <a:off x="4178914" y="2751826"/>
+            <a:ext cx="4887938" cy="782129"/>
+          </a:xfrm>
+          <a:prstGeom prst="rect">
+            <a:avLst/>
+          </a:prstGeom>
+        </p:spPr>
+      </p:pic>
+      <p:pic>
+        <p:nvPicPr>
+          <p:cNvPr id="5" name="Imagen 4" descr="Texto&#10;&#10;El contenido generado por IA puede ser incorrecto.">
+            <a:extLst>
+              <a:ext uri="{FF2B5EF4-FFF2-40B4-BE49-F238E27FC236}">
+                <a16:creationId xmlns:a16="http://schemas.microsoft.com/office/drawing/2014/main" id="{44A43856-C03E-5B60-2BF9-A59D10BD2F14}"/>
+              </a:ext>
+            </a:extLst>
+          </p:cNvPr>
+          <p:cNvPicPr>
+            <a:picLocks noChangeAspect="1"/>
+          </p:cNvPicPr>
+          <p:nvPr/>
+        </p:nvPicPr>
+        <p:blipFill>
+          <a:blip r:embed="rId3">
+            <a:extLst>
+              <a:ext uri="{28A0092B-C50C-407E-A947-70E740481C1C}">
+                <a14:useLocalDpi xmlns:a14="http://schemas.microsoft.com/office/drawing/2010/main" val="0"/>
+              </a:ext>
+            </a:extLst>
+          </a:blip>
+          <a:stretch>
+            <a:fillRect/>
+          </a:stretch>
+        </p:blipFill>
+        <p:spPr>
+          <a:xfrm>
+            <a:off x="4178914" y="4106175"/>
+            <a:ext cx="4887931" cy="1695813"/>
           </a:xfrm>
           <a:prstGeom prst="rect">
             <a:avLst/>
@@ -8001,7 +7499,7 @@
         </p:blipFill>
         <p:spPr>
           <a:xfrm>
-            <a:off x="4917560" y="2148165"/>
+            <a:off x="3636467" y="2148165"/>
             <a:ext cx="5065485" cy="2528609"/>
           </a:xfrm>
           <a:prstGeom prst="rect">
@@ -8058,7 +7556,7 @@
         <p:spPr>
           <a:xfrm flipH="1">
             <a:off x="3305639" y="2355843"/>
-            <a:ext cx="1611921" cy="0"/>
+            <a:ext cx="322778" cy="0"/>
           </a:xfrm>
           <a:prstGeom prst="straightConnector1">
             <a:avLst/>
